--- a/apresentacao/Apresentacao.pptx
+++ b/apresentacao/Apresentacao.pptx
@@ -5,10 +5,10 @@
     <p:sldMasterId id="2147483660" r:id="rId1"/>
   </p:sldMasterIdLst>
   <p:notesMasterIdLst>
-    <p:notesMasterId r:id="rId24"/>
+    <p:notesMasterId r:id="rId39"/>
   </p:notesMasterIdLst>
   <p:handoutMasterIdLst>
-    <p:handoutMasterId r:id="rId25"/>
+    <p:handoutMasterId r:id="rId40"/>
   </p:handoutMasterIdLst>
   <p:sldIdLst>
     <p:sldId id="256" r:id="rId2"/>
@@ -20,19 +20,34 @@
     <p:sldId id="294" r:id="rId8"/>
     <p:sldId id="297" r:id="rId9"/>
     <p:sldId id="298" r:id="rId10"/>
-    <p:sldId id="280" r:id="rId11"/>
-    <p:sldId id="300" r:id="rId12"/>
-    <p:sldId id="303" r:id="rId13"/>
-    <p:sldId id="304" r:id="rId14"/>
-    <p:sldId id="305" r:id="rId15"/>
-    <p:sldId id="306" r:id="rId16"/>
-    <p:sldId id="307" r:id="rId17"/>
-    <p:sldId id="308" r:id="rId18"/>
-    <p:sldId id="309" r:id="rId19"/>
+    <p:sldId id="300" r:id="rId11"/>
+    <p:sldId id="303" r:id="rId12"/>
+    <p:sldId id="304" r:id="rId13"/>
+    <p:sldId id="305" r:id="rId14"/>
+    <p:sldId id="306" r:id="rId15"/>
+    <p:sldId id="307" r:id="rId16"/>
+    <p:sldId id="308" r:id="rId17"/>
+    <p:sldId id="309" r:id="rId18"/>
+    <p:sldId id="319" r:id="rId19"/>
     <p:sldId id="301" r:id="rId20"/>
-    <p:sldId id="293" r:id="rId21"/>
-    <p:sldId id="302" r:id="rId22"/>
-    <p:sldId id="287" r:id="rId23"/>
+    <p:sldId id="310" r:id="rId21"/>
+    <p:sldId id="313" r:id="rId22"/>
+    <p:sldId id="314" r:id="rId23"/>
+    <p:sldId id="321" r:id="rId24"/>
+    <p:sldId id="320" r:id="rId25"/>
+    <p:sldId id="323" r:id="rId26"/>
+    <p:sldId id="315" r:id="rId27"/>
+    <p:sldId id="324" r:id="rId28"/>
+    <p:sldId id="316" r:id="rId29"/>
+    <p:sldId id="325" r:id="rId30"/>
+    <p:sldId id="317" r:id="rId31"/>
+    <p:sldId id="322" r:id="rId32"/>
+    <p:sldId id="311" r:id="rId33"/>
+    <p:sldId id="312" r:id="rId34"/>
+    <p:sldId id="318" r:id="rId35"/>
+    <p:sldId id="293" r:id="rId36"/>
+    <p:sldId id="302" r:id="rId37"/>
+    <p:sldId id="287" r:id="rId38"/>
   </p:sldIdLst>
   <p:sldSz cx="9144000" cy="6858000" type="screen4x3"/>
   <p:notesSz cx="6797675" cy="9926638"/>
@@ -139,7 +154,7 @@
             <a:srgbClr val="A4A3A4"/>
           </p15:clr>
         </p15:guide>
-        <p15:guide id="2" orient="horz" pos="2160" userDrawn="1">
+        <p15:guide id="2" orient="horz" pos="2137" userDrawn="1">
           <p15:clr>
             <a:srgbClr val="A4A3A4"/>
           </p15:clr>
@@ -261,7 +276,7 @@
           <a:p>
             <a:fld id="{7DABA4EC-19F5-424E-8709-3D1DF002EA04}" type="datetimeFigureOut">
               <a:rPr lang="pt-BR" smtClean="0"/>
-              <a:t>29/10/2014</a:t>
+              <a:t>04/11/2014</a:t>
             </a:fld>
             <a:endParaRPr lang="pt-BR"/>
           </a:p>
@@ -426,7 +441,7 @@
           <a:p>
             <a:fld id="{9A2500FF-3928-4A24-91D5-8251DAC75193}" type="datetimeFigureOut">
               <a:rPr lang="pt-BR" smtClean="0"/>
-              <a:t>29/10/2014</a:t>
+              <a:t>04/11/2014</a:t>
             </a:fld>
             <a:endParaRPr lang="pt-BR"/>
           </a:p>
@@ -1210,7 +1225,7 @@
           <a:p>
             <a:fld id="{F973F679-03BF-487F-8E5E-0912BFF2E836}" type="datetime1">
               <a:rPr lang="pt-BR" smtClean="0"/>
-              <a:t>29/10/2014</a:t>
+              <a:t>04/11/2014</a:t>
             </a:fld>
             <a:endParaRPr lang="pt-BR"/>
           </a:p>
@@ -1380,7 +1395,7 @@
           <a:p>
             <a:fld id="{DC822AD3-B808-48A4-BC3F-C887B6B656A4}" type="datetime1">
               <a:rPr lang="pt-BR" smtClean="0"/>
-              <a:t>29/10/2014</a:t>
+              <a:t>04/11/2014</a:t>
             </a:fld>
             <a:endParaRPr lang="pt-BR"/>
           </a:p>
@@ -1560,7 +1575,7 @@
           <a:p>
             <a:fld id="{C339392C-2B48-4D4B-9994-452BE274785B}" type="datetime1">
               <a:rPr lang="pt-BR" smtClean="0"/>
-              <a:t>29/10/2014</a:t>
+              <a:t>04/11/2014</a:t>
             </a:fld>
             <a:endParaRPr lang="pt-BR"/>
           </a:p>
@@ -1730,7 +1745,7 @@
           <a:p>
             <a:fld id="{B8050710-3EB2-43F8-8630-6973D7324F16}" type="datetime1">
               <a:rPr lang="pt-BR" smtClean="0"/>
-              <a:t>29/10/2014</a:t>
+              <a:t>04/11/2014</a:t>
             </a:fld>
             <a:endParaRPr lang="pt-BR"/>
           </a:p>
@@ -1974,7 +1989,7 @@
           <a:p>
             <a:fld id="{0FB9CCA9-3D0F-4B3D-9C5F-ADD9956C7C85}" type="datetime1">
               <a:rPr lang="pt-BR" smtClean="0"/>
-              <a:t>29/10/2014</a:t>
+              <a:t>04/11/2014</a:t>
             </a:fld>
             <a:endParaRPr lang="pt-BR"/>
           </a:p>
@@ -2206,7 +2221,7 @@
           <a:p>
             <a:fld id="{526F2273-5AAB-473B-BE65-7D6647718ED2}" type="datetime1">
               <a:rPr lang="pt-BR" smtClean="0"/>
-              <a:t>29/10/2014</a:t>
+              <a:t>04/11/2014</a:t>
             </a:fld>
             <a:endParaRPr lang="pt-BR"/>
           </a:p>
@@ -2573,7 +2588,7 @@
           <a:p>
             <a:fld id="{0B37857D-E17C-4B46-B34D-6372579E7F0D}" type="datetime1">
               <a:rPr lang="pt-BR" smtClean="0"/>
-              <a:t>29/10/2014</a:t>
+              <a:t>04/11/2014</a:t>
             </a:fld>
             <a:endParaRPr lang="pt-BR"/>
           </a:p>
@@ -2691,7 +2706,7 @@
           <a:p>
             <a:fld id="{B1F20022-4E59-4169-833C-65A71C89E1F8}" type="datetime1">
               <a:rPr lang="pt-BR" smtClean="0"/>
-              <a:t>29/10/2014</a:t>
+              <a:t>04/11/2014</a:t>
             </a:fld>
             <a:endParaRPr lang="pt-BR"/>
           </a:p>
@@ -2786,7 +2801,7 @@
           <a:p>
             <a:fld id="{5DD64587-D398-4B6E-9C2B-6ADDA300B339}" type="datetime1">
               <a:rPr lang="pt-BR" smtClean="0"/>
-              <a:t>29/10/2014</a:t>
+              <a:t>04/11/2014</a:t>
             </a:fld>
             <a:endParaRPr lang="pt-BR"/>
           </a:p>
@@ -3063,7 +3078,7 @@
           <a:p>
             <a:fld id="{0EAC8657-A57D-411C-ABBC-001775FA4655}" type="datetime1">
               <a:rPr lang="pt-BR" smtClean="0"/>
-              <a:t>29/10/2014</a:t>
+              <a:t>04/11/2014</a:t>
             </a:fld>
             <a:endParaRPr lang="pt-BR"/>
           </a:p>
@@ -3320,7 +3335,7 @@
           <a:p>
             <a:fld id="{D8F679A3-C1FE-4F3F-9A50-CDF085FFE443}" type="datetime1">
               <a:rPr lang="pt-BR" smtClean="0"/>
-              <a:t>29/10/2014</a:t>
+              <a:t>04/11/2014</a:t>
             </a:fld>
             <a:endParaRPr lang="pt-BR"/>
           </a:p>
@@ -3533,7 +3548,7 @@
           <a:p>
             <a:fld id="{0294B386-DEE0-4E63-88BE-2F0D0FAA79BA}" type="datetime1">
               <a:rPr lang="pt-BR" smtClean="0"/>
-              <a:t>29/10/2014</a:t>
+              <a:t>04/11/2014</a:t>
             </a:fld>
             <a:endParaRPr lang="pt-BR"/>
           </a:p>
@@ -4029,12 +4044,6 @@
               </a:rPr>
               <a:t>MAC0449 – Trabalho de Formatura Supervisionado</a:t>
             </a:r>
-            <a:endParaRPr lang="pt-BR" sz="2000" dirty="0" smtClean="0">
-              <a:solidFill>
-                <a:schemeClr val="bg1"/>
-              </a:solidFill>
-              <a:latin typeface="Aleo" panose="020F0502020204030203" pitchFamily="34" charset="0"/>
-            </a:endParaRPr>
           </a:p>
           <a:p>
             <a:r>
@@ -4076,7 +4085,7 @@
 </file>
 
 <file path=ppt/slides/slide10.xml><?xml version="1.0" encoding="utf-8"?>
-<p:sld xmlns:a="http://schemas.openxmlformats.org/drawingml/2006/main" xmlns:r="http://schemas.openxmlformats.org/officeDocument/2006/relationships" xmlns:p="http://schemas.openxmlformats.org/presentationml/2006/main" show="0">
+<p:sld xmlns:a="http://schemas.openxmlformats.org/drawingml/2006/main" xmlns:r="http://schemas.openxmlformats.org/officeDocument/2006/relationships" xmlns:p="http://schemas.openxmlformats.org/presentationml/2006/main">
   <p:cSld>
     <p:spTree>
       <p:nvGrpSpPr>
@@ -4094,14 +4103,114 @@
       </p:grpSpPr>
       <p:sp>
         <p:nvSpPr>
-          <p:cNvPr id="5" name="CaixaDeTexto 4"/>
+          <p:cNvPr id="3" name="Espaço Reservado para Conteúdo 2"/>
+          <p:cNvSpPr>
+            <a:spLocks noGrp="1"/>
+          </p:cNvSpPr>
+          <p:nvPr>
+            <p:ph idx="1"/>
+          </p:nvPr>
+        </p:nvSpPr>
+        <p:spPr>
+          <a:xfrm>
+            <a:off x="628650" y="2623911"/>
+            <a:ext cx="7886700" cy="2877003"/>
+          </a:xfrm>
+        </p:spPr>
+        <p:txBody>
+          <a:bodyPr>
+            <a:normAutofit/>
+          </a:bodyPr>
+          <a:lstStyle/>
+          <a:p>
+            <a:pPr marL="0" indent="0">
+              <a:buNone/>
+            </a:pPr>
+            <a:r>
+              <a:rPr lang="pt-BR" sz="3200" b="1" dirty="0" smtClean="0">
+                <a:solidFill>
+                  <a:srgbClr val="187792"/>
+                </a:solidFill>
+                <a:latin typeface="Aleo" panose="020F0502020204030203" pitchFamily="34" charset="0"/>
+              </a:rPr>
+              <a:t>Principal objetivo do trabalho</a:t>
+            </a:r>
+          </a:p>
+          <a:p>
+            <a:pPr marL="0" indent="0">
+              <a:buNone/>
+            </a:pPr>
+            <a:r>
+              <a:rPr lang="pt-BR" sz="3200" dirty="0" smtClean="0">
+                <a:latin typeface="Aleo" panose="020F0502020204030203" pitchFamily="34" charset="0"/>
+              </a:rPr>
+              <a:t>Criação de uma biblioteca (na linguagem </a:t>
+            </a:r>
+            <a:r>
+              <a:rPr lang="pt-BR" sz="3200" dirty="0" err="1" smtClean="0">
+                <a:latin typeface="Aleo" panose="020F0502020204030203" pitchFamily="34" charset="0"/>
+              </a:rPr>
+              <a:t>Ruby</a:t>
+            </a:r>
+            <a:r>
+              <a:rPr lang="pt-BR" sz="3200" dirty="0">
+                <a:latin typeface="Aleo" panose="020F0502020204030203" pitchFamily="34" charset="0"/>
+              </a:rPr>
+              <a:t>)</a:t>
+            </a:r>
+            <a:r>
+              <a:rPr lang="pt-BR" sz="3200" dirty="0" smtClean="0">
+                <a:latin typeface="Aleo" panose="020F0502020204030203" pitchFamily="34" charset="0"/>
+              </a:rPr>
+              <a:t> para agrupamento hierárquico de artigos jornalísticos.</a:t>
+            </a:r>
+            <a:endParaRPr lang="pt-BR" sz="3200" dirty="0">
+              <a:latin typeface="Aleo" panose="020F0502020204030203" pitchFamily="34" charset="0"/>
+            </a:endParaRPr>
+          </a:p>
+          <a:p>
+            <a:pPr marL="0" indent="0">
+              <a:buNone/>
+            </a:pPr>
+            <a:endParaRPr lang="pt-BR" sz="3200" dirty="0">
+              <a:latin typeface="Aleo" panose="020F0502020204030203" pitchFamily="34" charset="0"/>
+            </a:endParaRPr>
+          </a:p>
+        </p:txBody>
+      </p:sp>
+      <p:sp>
+        <p:nvSpPr>
+          <p:cNvPr id="2" name="Espaço Reservado para Número de Slide 1"/>
+          <p:cNvSpPr>
+            <a:spLocks noGrp="1"/>
+          </p:cNvSpPr>
+          <p:nvPr>
+            <p:ph type="sldNum" sz="quarter" idx="12"/>
+          </p:nvPr>
+        </p:nvSpPr>
+        <p:spPr/>
+        <p:txBody>
+          <a:bodyPr/>
+          <a:lstStyle/>
+          <a:p>
+            <a:fld id="{D20560A7-4BF3-4730-B58B-149A6CD3B197}" type="slidenum">
+              <a:rPr lang="pt-BR" smtClean="0"/>
+              <a:t>10</a:t>
+            </a:fld>
+            <a:endParaRPr lang="pt-BR"/>
+          </a:p>
+        </p:txBody>
+      </p:sp>
+      <p:sp>
+        <p:nvSpPr>
+          <p:cNvPr id="9" name="CaixaDeTexto 8"/>
           <p:cNvSpPr txBox="1"/>
           <p:nvPr/>
         </p:nvSpPr>
         <p:spPr>
           <a:xfrm>
-            <a:off x="7177339" y="-629"/>
-            <a:ext cx="1967911" cy="461665"/>
+            <a:off x="7506788" y="-627"/>
+            <a:ext cx="1638462" cy="461665"/>
           </a:xfrm>
           <a:prstGeom prst="rect">
             <a:avLst/>
@@ -4132,118 +4241,34 @@
                 </a:solidFill>
                 <a:latin typeface="Aleo" panose="020F0502020204030203" pitchFamily="34" charset="0"/>
               </a:rPr>
-              <a:t>Introdução  </a:t>
+              <a:t>Objetivo</a:t>
+            </a:r>
+            <a:r>
+              <a:rPr lang="pt-BR" sz="2400" dirty="0" smtClean="0">
+                <a:solidFill>
+                  <a:schemeClr val="bg1"/>
+                </a:solidFill>
+              </a:rPr>
+              <a:t>  </a:t>
             </a:r>
             <a:endParaRPr lang="pt-BR" sz="2400" dirty="0">
               <a:solidFill>
                 <a:schemeClr val="bg1"/>
               </a:solidFill>
-              <a:latin typeface="Aleo" panose="020F0502020204030203" pitchFamily="34" charset="0"/>
             </a:endParaRPr>
-          </a:p>
-        </p:txBody>
-      </p:sp>
-      <p:sp>
-        <p:nvSpPr>
-          <p:cNvPr id="2" name="Espaço Reservado para Número de Slide 1"/>
-          <p:cNvSpPr>
-            <a:spLocks noGrp="1"/>
-          </p:cNvSpPr>
-          <p:nvPr>
-            <p:ph type="sldNum" sz="quarter" idx="12"/>
-          </p:nvPr>
-        </p:nvSpPr>
-        <p:spPr/>
-        <p:txBody>
-          <a:bodyPr/>
-          <a:lstStyle/>
-          <a:p>
-            <a:fld id="{D20560A7-4BF3-4730-B58B-149A6CD3B197}" type="slidenum">
-              <a:rPr lang="pt-BR" smtClean="0"/>
-              <a:t>10</a:t>
-            </a:fld>
-            <a:endParaRPr lang="pt-BR"/>
-          </a:p>
-        </p:txBody>
-      </p:sp>
-      <p:sp>
-        <p:nvSpPr>
-          <p:cNvPr id="7" name="CaixaDeTexto 6"/>
-          <p:cNvSpPr txBox="1"/>
-          <p:nvPr/>
-        </p:nvSpPr>
-        <p:spPr>
-          <a:xfrm>
-            <a:off x="601361" y="4131574"/>
-            <a:ext cx="4641399" cy="369332"/>
-          </a:xfrm>
-          <a:prstGeom prst="rect">
-            <a:avLst/>
-          </a:prstGeom>
-          <a:noFill/>
-        </p:spPr>
-        <p:txBody>
-          <a:bodyPr wrap="none" rtlCol="0">
-            <a:spAutoFit/>
-          </a:bodyPr>
-          <a:lstStyle/>
-          <a:p>
-            <a:r>
-              <a:rPr lang="pt-BR" dirty="0" smtClean="0"/>
-              <a:t>O conhecimento só é possível com organização </a:t>
-            </a:r>
-            <a:endParaRPr lang="pt-BR" dirty="0"/>
-          </a:p>
-        </p:txBody>
-      </p:sp>
-      <p:sp>
-        <p:nvSpPr>
-          <p:cNvPr id="4" name="CaixaDeTexto 3"/>
-          <p:cNvSpPr txBox="1"/>
-          <p:nvPr/>
-        </p:nvSpPr>
-        <p:spPr>
-          <a:xfrm>
-            <a:off x="2503170" y="5692140"/>
-            <a:ext cx="4455259" cy="369332"/>
-          </a:xfrm>
-          <a:prstGeom prst="rect">
-            <a:avLst/>
-          </a:prstGeom>
-          <a:noFill/>
-        </p:spPr>
-        <p:txBody>
-          <a:bodyPr wrap="none" rtlCol="0">
-            <a:spAutoFit/>
-          </a:bodyPr>
-          <a:lstStyle/>
-          <a:p>
-            <a:r>
-              <a:rPr lang="pt-BR" dirty="0" smtClean="0"/>
-              <a:t>Nós aprendemos muitas vezes por associação</a:t>
-            </a:r>
-            <a:endParaRPr lang="pt-BR" dirty="0"/>
           </a:p>
         </p:txBody>
       </p:sp>
     </p:spTree>
     <p:extLst>
       <p:ext uri="{BB962C8B-B14F-4D97-AF65-F5344CB8AC3E}">
-        <p14:creationId xmlns:p14="http://schemas.microsoft.com/office/powerpoint/2010/main" val="3820519706"/>
+        <p14:creationId xmlns:p14="http://schemas.microsoft.com/office/powerpoint/2010/main" val="2602932420"/>
       </p:ext>
     </p:extLst>
   </p:cSld>
   <p:clrMapOvr>
     <a:masterClrMapping/>
   </p:clrMapOvr>
-  <mc:AlternateContent xmlns:mc="http://schemas.openxmlformats.org/markup-compatibility/2006">
-    <mc:Choice xmlns:p14="http://schemas.microsoft.com/office/powerpoint/2010/main" Requires="p14">
-      <p:transition spd="slow" p14:dur="2000"/>
-    </mc:Choice>
-    <mc:Fallback>
-      <p:transition spd="slow"/>
-    </mc:Fallback>
-  </mc:AlternateContent>
   <p:timing>
     <p:tnLst>
       <p:par>
@@ -4283,8 +4308,8 @@
         </p:nvSpPr>
         <p:spPr>
           <a:xfrm>
-            <a:off x="628650" y="2623911"/>
-            <a:ext cx="7886700" cy="2877003"/>
+            <a:off x="527052" y="1738536"/>
+            <a:ext cx="8108950" cy="3602720"/>
           </a:xfrm>
         </p:spPr>
         <p:txBody>
@@ -4297,46 +4322,80 @@
               <a:buNone/>
             </a:pPr>
             <a:r>
-              <a:rPr lang="pt-BR" sz="3200" b="1" dirty="0" smtClean="0">
-                <a:solidFill>
-                  <a:srgbClr val="187792"/>
-                </a:solidFill>
-                <a:latin typeface="Aleo" panose="020F0502020204030203" pitchFamily="34" charset="0"/>
-              </a:rPr>
-              <a:t>Principal objetivo do trabalho</a:t>
-            </a:r>
+              <a:rPr lang="pt-BR" sz="3200" dirty="0" smtClean="0">
+                <a:latin typeface="Aleo" panose="020F0502020204030203" pitchFamily="34" charset="0"/>
+              </a:rPr>
+              <a:t>Porém </a:t>
+            </a:r>
+            <a:r>
+              <a:rPr lang="pt-BR" sz="3200" dirty="0" smtClean="0">
+                <a:latin typeface="Aleo" panose="020F0502020204030203" pitchFamily="34" charset="0"/>
+              </a:rPr>
+              <a:t>com o </a:t>
+            </a:r>
+            <a:r>
+              <a:rPr lang="pt-BR" sz="3200" dirty="0" smtClean="0">
+                <a:latin typeface="Aleo" panose="020F0502020204030203" pitchFamily="34" charset="0"/>
+              </a:rPr>
+              <a:t>trabalho também </a:t>
+            </a:r>
+            <a:r>
+              <a:rPr lang="pt-BR" sz="3200" dirty="0" smtClean="0">
+                <a:latin typeface="Aleo" panose="020F0502020204030203" pitchFamily="34" charset="0"/>
+              </a:rPr>
+              <a:t>se pretende:</a:t>
+            </a:r>
+            <a:endParaRPr lang="pt-BR" sz="3200" dirty="0" smtClean="0">
+              <a:latin typeface="Aleo" panose="020F0502020204030203" pitchFamily="34" charset="0"/>
+            </a:endParaRPr>
           </a:p>
           <a:p>
             <a:pPr marL="0" indent="0">
               <a:buNone/>
             </a:pPr>
-            <a:r>
-              <a:rPr lang="pt-BR" sz="3200" dirty="0" smtClean="0">
-                <a:latin typeface="Aleo" panose="020F0502020204030203" pitchFamily="34" charset="0"/>
-              </a:rPr>
-              <a:t>Criação de uma biblioteca (na linguagem </a:t>
-            </a:r>
-            <a:r>
-              <a:rPr lang="pt-BR" sz="3200" dirty="0" err="1" smtClean="0">
-                <a:latin typeface="Aleo" panose="020F0502020204030203" pitchFamily="34" charset="0"/>
-              </a:rPr>
-              <a:t>Ruby</a:t>
-            </a:r>
-            <a:r>
-              <a:rPr lang="pt-BR" sz="3200" dirty="0">
-                <a:latin typeface="Aleo" panose="020F0502020204030203" pitchFamily="34" charset="0"/>
-              </a:rPr>
-              <a:t>)</a:t>
-            </a:r>
-            <a:r>
-              <a:rPr lang="pt-BR" sz="3200" dirty="0" smtClean="0">
-                <a:latin typeface="Aleo" panose="020F0502020204030203" pitchFamily="34" charset="0"/>
-              </a:rPr>
-              <a:t> para agrupamento hierárquico de artigos jornalísticos.</a:t>
-            </a:r>
-            <a:endParaRPr lang="pt-BR" sz="3200" dirty="0">
+            <a:endParaRPr lang="pt-BR" sz="3200" dirty="0" smtClean="0">
               <a:latin typeface="Aleo" panose="020F0502020204030203" pitchFamily="34" charset="0"/>
             </a:endParaRPr>
+          </a:p>
+          <a:p>
+            <a:r>
+              <a:rPr lang="pt-BR" sz="3200" dirty="0" smtClean="0">
+                <a:latin typeface="Aleo" panose="020F0502020204030203" pitchFamily="34" charset="0"/>
+              </a:rPr>
+              <a:t>Estudar as </a:t>
+            </a:r>
+            <a:r>
+              <a:rPr lang="pt-BR" sz="3200" dirty="0" smtClean="0">
+                <a:latin typeface="Aleo" panose="020F0502020204030203" pitchFamily="34" charset="0"/>
+              </a:rPr>
+              <a:t>principais classes de algoritmos para agrupamento;</a:t>
+            </a:r>
+          </a:p>
+          <a:p>
+            <a:r>
+              <a:rPr lang="pt-BR" sz="3200" dirty="0" smtClean="0">
+                <a:latin typeface="Aleo" panose="020F0502020204030203" pitchFamily="34" charset="0"/>
+              </a:rPr>
+              <a:t>Criar um </a:t>
+            </a:r>
+            <a:r>
+              <a:rPr lang="pt-BR" sz="3200" dirty="0" smtClean="0">
+                <a:latin typeface="Aleo" panose="020F0502020204030203" pitchFamily="34" charset="0"/>
+              </a:rPr>
+              <a:t>sistema para visualização dos agrupamentos (</a:t>
+            </a:r>
+            <a:r>
+              <a:rPr lang="pt-BR" sz="3200" i="1" dirty="0" err="1" smtClean="0">
+                <a:latin typeface="Aleo" panose="020F0502020204030203" pitchFamily="34" charset="0"/>
+              </a:rPr>
+              <a:t>hVINA</a:t>
+            </a:r>
+            <a:r>
+              <a:rPr lang="pt-BR" sz="3200" dirty="0" smtClean="0">
+                <a:latin typeface="Aleo" panose="020F0502020204030203" pitchFamily="34" charset="0"/>
+              </a:rPr>
+              <a:t>).</a:t>
+            </a:r>
           </a:p>
           <a:p>
             <a:pPr marL="0" indent="0">
@@ -4432,7 +4491,7 @@
     </p:spTree>
     <p:extLst>
       <p:ext uri="{BB962C8B-B14F-4D97-AF65-F5344CB8AC3E}">
-        <p14:creationId xmlns:p14="http://schemas.microsoft.com/office/powerpoint/2010/main" val="2602932420"/>
+        <p14:creationId xmlns:p14="http://schemas.microsoft.com/office/powerpoint/2010/main" val="4181908012"/>
       </p:ext>
     </p:extLst>
   </p:cSld>
@@ -4478,8 +4537,8 @@
         </p:nvSpPr>
         <p:spPr>
           <a:xfrm>
-            <a:off x="527052" y="1738536"/>
-            <a:ext cx="8108950" cy="3602720"/>
+            <a:off x="628650" y="2159452"/>
+            <a:ext cx="7886700" cy="2877003"/>
           </a:xfrm>
         </p:spPr>
         <p:txBody>
@@ -4492,53 +4551,44 @@
               <a:buNone/>
             </a:pPr>
             <a:r>
-              <a:rPr lang="pt-BR" sz="3200" dirty="0" smtClean="0">
-                <a:latin typeface="Aleo" panose="020F0502020204030203" pitchFamily="34" charset="0"/>
-              </a:rPr>
-              <a:t>Porém o trabalho também tem os objetivos:</a:t>
+              <a:rPr lang="pt-BR" sz="3200" b="1" dirty="0" smtClean="0">
+                <a:solidFill>
+                  <a:srgbClr val="187792"/>
+                </a:solidFill>
+                <a:latin typeface="Aleo" panose="020F0502020204030203" pitchFamily="34" charset="0"/>
+              </a:rPr>
+              <a:t>O que é um agrupamento?</a:t>
             </a:r>
           </a:p>
           <a:p>
             <a:pPr marL="0" indent="0">
               <a:buNone/>
             </a:pPr>
-            <a:endParaRPr lang="pt-BR" sz="3200" dirty="0" smtClean="0">
+            <a:r>
+              <a:rPr lang="pt-BR" sz="3200" dirty="0" smtClean="0"/>
+              <a:t>É uma classificação de padrão que tem </a:t>
+            </a:r>
+            <a:r>
+              <a:rPr lang="pt-BR" sz="3200" dirty="0"/>
+              <a:t>como objetivo o </a:t>
+            </a:r>
+            <a:r>
+              <a:rPr lang="pt-BR" sz="3200" dirty="0" err="1"/>
+              <a:t>particionamento</a:t>
+            </a:r>
+            <a:r>
+              <a:rPr lang="pt-BR" sz="3200" dirty="0"/>
+              <a:t> de objetos em grupos cujo membros sejam similares entre si e diferentes dos membros de outros grupos</a:t>
+            </a:r>
+            <a:r>
+              <a:rPr lang="pt-BR" sz="3200" dirty="0" smtClean="0">
+                <a:latin typeface="Aleo" panose="020F0502020204030203" pitchFamily="34" charset="0"/>
+              </a:rPr>
+              <a:t>.</a:t>
+            </a:r>
+            <a:endParaRPr lang="pt-BR" sz="3200" dirty="0">
               <a:latin typeface="Aleo" panose="020F0502020204030203" pitchFamily="34" charset="0"/>
             </a:endParaRPr>
-          </a:p>
-          <a:p>
-            <a:pPr marL="514350" indent="-514350">
-              <a:buAutoNum type="arabicParenR"/>
-            </a:pPr>
-            <a:r>
-              <a:rPr lang="pt-BR" sz="3200" dirty="0" smtClean="0">
-                <a:latin typeface="Aleo" panose="020F0502020204030203" pitchFamily="34" charset="0"/>
-              </a:rPr>
-              <a:t>Estudo das principais classes de algoritmos para agrupamento;</a:t>
-            </a:r>
-          </a:p>
-          <a:p>
-            <a:pPr marL="0" indent="0">
-              <a:buNone/>
-            </a:pPr>
-            <a:r>
-              <a:rPr lang="pt-BR" sz="3200" dirty="0" smtClean="0">
-                <a:latin typeface="Aleo" panose="020F0502020204030203" pitchFamily="34" charset="0"/>
-              </a:rPr>
-              <a:t>2)  Criação de um sistema para visualização dos agrupamentos (</a:t>
-            </a:r>
-            <a:r>
-              <a:rPr lang="pt-BR" sz="3200" dirty="0" err="1" smtClean="0">
-                <a:latin typeface="Aleo" panose="020F0502020204030203" pitchFamily="34" charset="0"/>
-              </a:rPr>
-              <a:t>hVINA</a:t>
-            </a:r>
-            <a:r>
-              <a:rPr lang="pt-BR" sz="3200" dirty="0" smtClean="0">
-                <a:latin typeface="Aleo" panose="020F0502020204030203" pitchFamily="34" charset="0"/>
-              </a:rPr>
-              <a:t>).</a:t>
-            </a:r>
           </a:p>
           <a:p>
             <a:pPr marL="0" indent="0">
@@ -4581,8 +4631,8 @@
         </p:nvSpPr>
         <p:spPr>
           <a:xfrm>
-            <a:off x="7506788" y="-627"/>
-            <a:ext cx="1638462" cy="461665"/>
+            <a:off x="7471714" y="-627"/>
+            <a:ext cx="1673536" cy="461665"/>
           </a:xfrm>
           <a:prstGeom prst="rect">
             <a:avLst/>
@@ -4613,7 +4663,7 @@
                 </a:solidFill>
                 <a:latin typeface="Aleo" panose="020F0502020204030203" pitchFamily="34" charset="0"/>
               </a:rPr>
-              <a:t>Objetivo</a:t>
+              <a:t>Conceito</a:t>
             </a:r>
             <a:r>
               <a:rPr lang="pt-BR" sz="2400" dirty="0" smtClean="0">
@@ -4634,7 +4684,7 @@
     </p:spTree>
     <p:extLst>
       <p:ext uri="{BB962C8B-B14F-4D97-AF65-F5344CB8AC3E}">
-        <p14:creationId xmlns:p14="http://schemas.microsoft.com/office/powerpoint/2010/main" val="4181908012"/>
+        <p14:creationId xmlns:p14="http://schemas.microsoft.com/office/powerpoint/2010/main" val="296552667"/>
       </p:ext>
     </p:extLst>
   </p:cSld>
@@ -4680,8 +4730,8 @@
         </p:nvSpPr>
         <p:spPr>
           <a:xfrm>
-            <a:off x="628650" y="2159452"/>
-            <a:ext cx="7886700" cy="2877003"/>
+            <a:off x="628650" y="2870650"/>
+            <a:ext cx="7886700" cy="1135291"/>
           </a:xfrm>
         </p:spPr>
         <p:txBody>
@@ -4690,7 +4740,7 @@
           </a:bodyPr>
           <a:lstStyle/>
           <a:p>
-            <a:pPr marL="0" indent="0">
+            <a:pPr marL="0" indent="0" algn="ctr">
               <a:buNone/>
             </a:pPr>
             <a:r>
@@ -4700,50 +4750,55 @@
                 </a:solidFill>
                 <a:latin typeface="Aleo" panose="020F0502020204030203" pitchFamily="34" charset="0"/>
               </a:rPr>
-              <a:t>O que é um agrupamento?</a:t>
-            </a:r>
-          </a:p>
-          <a:p>
-            <a:pPr marL="0" indent="0">
+              <a:t>Mas </a:t>
+            </a:r>
+            <a:r>
+              <a:rPr lang="pt-BR" sz="3200" b="1" dirty="0" smtClean="0">
+                <a:solidFill>
+                  <a:srgbClr val="187792"/>
+                </a:solidFill>
+                <a:latin typeface="Aleo" panose="020F0502020204030203" pitchFamily="34" charset="0"/>
+              </a:rPr>
+              <a:t>agrupamento não </a:t>
+            </a:r>
+            <a:r>
+              <a:rPr lang="pt-BR" sz="3200" b="1" dirty="0" smtClean="0">
+                <a:solidFill>
+                  <a:srgbClr val="187792"/>
+                </a:solidFill>
+                <a:latin typeface="Aleo" panose="020F0502020204030203" pitchFamily="34" charset="0"/>
+              </a:rPr>
+              <a:t>é a mesma </a:t>
+            </a:r>
+            <a:endParaRPr lang="pt-BR" sz="3200" b="1" dirty="0" smtClean="0">
+              <a:solidFill>
+                <a:srgbClr val="187792"/>
+              </a:solidFill>
+              <a:latin typeface="Aleo" panose="020F0502020204030203" pitchFamily="34" charset="0"/>
+            </a:endParaRPr>
+          </a:p>
+          <a:p>
+            <a:pPr marL="0" indent="0" algn="ctr">
               <a:buNone/>
             </a:pPr>
             <a:r>
-              <a:rPr lang="pt-BR" sz="3200" dirty="0" smtClean="0"/>
-              <a:t>É uma classificação de padrão </a:t>
-            </a:r>
-            <a:r>
-              <a:rPr lang="pt-BR" sz="3200" smtClean="0"/>
-              <a:t>que tem </a:t>
-            </a:r>
-            <a:r>
-              <a:rPr lang="pt-BR" sz="3200" dirty="0"/>
-              <a:t>como objetivo o </a:t>
-            </a:r>
-            <a:r>
-              <a:rPr lang="pt-BR" sz="3200" dirty="0" err="1"/>
-              <a:t>particionamento</a:t>
-            </a:r>
-            <a:r>
-              <a:rPr lang="pt-BR" sz="3200" dirty="0"/>
-              <a:t> de objetos em grupos cujo membros sejam similares entre si e diferentes dos membros de outros grupos</a:t>
-            </a:r>
-            <a:r>
-              <a:rPr lang="pt-BR" sz="3200" dirty="0" smtClean="0">
-                <a:latin typeface="Aleo" panose="020F0502020204030203" pitchFamily="34" charset="0"/>
-              </a:rPr>
-              <a:t>.</a:t>
-            </a:r>
-            <a:endParaRPr lang="pt-BR" sz="3200" dirty="0">
-              <a:latin typeface="Aleo" panose="020F0502020204030203" pitchFamily="34" charset="0"/>
-            </a:endParaRPr>
-          </a:p>
-          <a:p>
-            <a:pPr marL="0" indent="0">
-              <a:buNone/>
-            </a:pPr>
-            <a:endParaRPr lang="pt-BR" sz="3200" dirty="0">
-              <a:latin typeface="Aleo" panose="020F0502020204030203" pitchFamily="34" charset="0"/>
-            </a:endParaRPr>
+              <a:rPr lang="pt-BR" sz="3200" b="1" dirty="0" smtClean="0">
+                <a:solidFill>
+                  <a:srgbClr val="187792"/>
+                </a:solidFill>
+                <a:latin typeface="Aleo" panose="020F0502020204030203" pitchFamily="34" charset="0"/>
+              </a:rPr>
+              <a:t>coisa </a:t>
+            </a:r>
+            <a:r>
+              <a:rPr lang="pt-BR" sz="3200" b="1" dirty="0" smtClean="0">
+                <a:solidFill>
+                  <a:srgbClr val="187792"/>
+                </a:solidFill>
+                <a:latin typeface="Aleo" panose="020F0502020204030203" pitchFamily="34" charset="0"/>
+              </a:rPr>
+              <a:t>que classificação?</a:t>
+            </a:r>
           </a:p>
         </p:txBody>
       </p:sp>
@@ -4831,7 +4886,7 @@
     </p:spTree>
     <p:extLst>
       <p:ext uri="{BB962C8B-B14F-4D97-AF65-F5344CB8AC3E}">
-        <p14:creationId xmlns:p14="http://schemas.microsoft.com/office/powerpoint/2010/main" val="296552667"/>
+        <p14:creationId xmlns:p14="http://schemas.microsoft.com/office/powerpoint/2010/main" val="1470039262"/>
       </p:ext>
     </p:extLst>
   </p:cSld>
@@ -4877,27 +4932,27 @@
         </p:nvSpPr>
         <p:spPr>
           <a:xfrm>
-            <a:off x="628650" y="2870650"/>
-            <a:ext cx="7886700" cy="1135291"/>
+            <a:off x="3662135" y="3071813"/>
+            <a:ext cx="1867810" cy="745444"/>
           </a:xfrm>
         </p:spPr>
         <p:txBody>
           <a:bodyPr>
-            <a:normAutofit/>
+            <a:noAutofit/>
           </a:bodyPr>
           <a:lstStyle/>
           <a:p>
-            <a:pPr marL="0" indent="0" algn="ctr">
+            <a:pPr marL="0" indent="0">
               <a:buNone/>
             </a:pPr>
             <a:r>
-              <a:rPr lang="pt-BR" sz="3200" b="1" dirty="0" smtClean="0">
-                <a:solidFill>
-                  <a:srgbClr val="187792"/>
-                </a:solidFill>
-                <a:latin typeface="Aleo" panose="020F0502020204030203" pitchFamily="34" charset="0"/>
-              </a:rPr>
-              <a:t>Mas não é a mesma coisa que classificação?</a:t>
+              <a:rPr lang="pt-BR" sz="5400" b="1" dirty="0" smtClean="0">
+                <a:solidFill>
+                  <a:srgbClr val="C00000"/>
+                </a:solidFill>
+                <a:latin typeface="Aleo" panose="020F0502020204030203" pitchFamily="34" charset="0"/>
+              </a:rPr>
+              <a:t>NÃO</a:t>
             </a:r>
           </a:p>
         </p:txBody>
@@ -4986,7 +5041,7 @@
     </p:spTree>
     <p:extLst>
       <p:ext uri="{BB962C8B-B14F-4D97-AF65-F5344CB8AC3E}">
-        <p14:creationId xmlns:p14="http://schemas.microsoft.com/office/powerpoint/2010/main" val="1470039262"/>
+        <p14:creationId xmlns:p14="http://schemas.microsoft.com/office/powerpoint/2010/main" val="1745922899"/>
       </p:ext>
     </p:extLst>
   </p:cSld>
@@ -5032,13 +5087,13 @@
         </p:nvSpPr>
         <p:spPr>
           <a:xfrm>
-            <a:off x="3662135" y="3071813"/>
-            <a:ext cx="1867810" cy="745444"/>
+            <a:off x="628650" y="2623911"/>
+            <a:ext cx="7886700" cy="2877003"/>
           </a:xfrm>
         </p:spPr>
         <p:txBody>
           <a:bodyPr>
-            <a:noAutofit/>
+            <a:normAutofit/>
           </a:bodyPr>
           <a:lstStyle/>
           <a:p>
@@ -5046,14 +5101,25 @@
               <a:buNone/>
             </a:pPr>
             <a:r>
-              <a:rPr lang="pt-BR" sz="5400" b="1" dirty="0" smtClean="0">
-                <a:solidFill>
-                  <a:srgbClr val="C00000"/>
-                </a:solidFill>
-                <a:latin typeface="Aleo" panose="020F0502020204030203" pitchFamily="34" charset="0"/>
-              </a:rPr>
-              <a:t>NÃO</a:t>
-            </a:r>
+              <a:rPr lang="pt-BR" sz="3200" b="1" dirty="0" smtClean="0">
+                <a:solidFill>
+                  <a:srgbClr val="187792"/>
+                </a:solidFill>
+                <a:latin typeface="Aleo" panose="020F0502020204030203" pitchFamily="34" charset="0"/>
+              </a:rPr>
+              <a:t>[TODO: Explicar a diferença entre os dois]</a:t>
+            </a:r>
+            <a:endParaRPr lang="pt-BR" sz="3200" dirty="0">
+              <a:latin typeface="Aleo" panose="020F0502020204030203" pitchFamily="34" charset="0"/>
+            </a:endParaRPr>
+          </a:p>
+          <a:p>
+            <a:pPr marL="0" indent="0">
+              <a:buNone/>
+            </a:pPr>
+            <a:endParaRPr lang="pt-BR" sz="3200" dirty="0">
+              <a:latin typeface="Aleo" panose="020F0502020204030203" pitchFamily="34" charset="0"/>
+            </a:endParaRPr>
           </a:p>
         </p:txBody>
       </p:sp>
@@ -5141,7 +5207,7 @@
     </p:spTree>
     <p:extLst>
       <p:ext uri="{BB962C8B-B14F-4D97-AF65-F5344CB8AC3E}">
-        <p14:creationId xmlns:p14="http://schemas.microsoft.com/office/powerpoint/2010/main" val="1745922899"/>
+        <p14:creationId xmlns:p14="http://schemas.microsoft.com/office/powerpoint/2010/main" val="3133876611"/>
       </p:ext>
     </p:extLst>
   </p:cSld>
@@ -5177,54 +5243,6 @@
       </p:grpSpPr>
       <p:sp>
         <p:nvSpPr>
-          <p:cNvPr id="3" name="Espaço Reservado para Conteúdo 2"/>
-          <p:cNvSpPr>
-            <a:spLocks noGrp="1"/>
-          </p:cNvSpPr>
-          <p:nvPr>
-            <p:ph idx="1"/>
-          </p:nvPr>
-        </p:nvSpPr>
-        <p:spPr>
-          <a:xfrm>
-            <a:off x="628650" y="2623911"/>
-            <a:ext cx="7886700" cy="2877003"/>
-          </a:xfrm>
-        </p:spPr>
-        <p:txBody>
-          <a:bodyPr>
-            <a:normAutofit/>
-          </a:bodyPr>
-          <a:lstStyle/>
-          <a:p>
-            <a:pPr marL="0" indent="0">
-              <a:buNone/>
-            </a:pPr>
-            <a:r>
-              <a:rPr lang="pt-BR" sz="3200" b="1" dirty="0" smtClean="0">
-                <a:solidFill>
-                  <a:srgbClr val="187792"/>
-                </a:solidFill>
-                <a:latin typeface="Aleo" panose="020F0502020204030203" pitchFamily="34" charset="0"/>
-              </a:rPr>
-              <a:t>[TODO: Explicar a diferença entre os dois]</a:t>
-            </a:r>
-            <a:endParaRPr lang="pt-BR" sz="3200" dirty="0">
-              <a:latin typeface="Aleo" panose="020F0502020204030203" pitchFamily="34" charset="0"/>
-            </a:endParaRPr>
-          </a:p>
-          <a:p>
-            <a:pPr marL="0" indent="0">
-              <a:buNone/>
-            </a:pPr>
-            <a:endParaRPr lang="pt-BR" sz="3200" dirty="0">
-              <a:latin typeface="Aleo" panose="020F0502020204030203" pitchFamily="34" charset="0"/>
-            </a:endParaRPr>
-          </a:p>
-        </p:txBody>
-      </p:sp>
-      <p:sp>
-        <p:nvSpPr>
           <p:cNvPr id="2" name="Espaço Reservado para Número de Slide 1"/>
           <p:cNvSpPr>
             <a:spLocks noGrp="1"/>
@@ -5304,10 +5322,51 @@
           </a:p>
         </p:txBody>
       </p:sp>
+      <p:pic>
+        <p:nvPicPr>
+          <p:cNvPr id="2050" name="Picture 2" descr="http://cfile30.uf.tistory.com/image/156899344FEA735C2ADC9A"/>
+          <p:cNvPicPr>
+            <a:picLocks noChangeAspect="1" noChangeArrowheads="1"/>
+          </p:cNvPicPr>
+          <p:nvPr/>
+        </p:nvPicPr>
+        <p:blipFill>
+          <a:blip r:embed="rId2">
+            <a:extLst>
+              <a:ext uri="{28A0092B-C50C-407E-A947-70E740481C1C}">
+                <a14:useLocalDpi xmlns:a14="http://schemas.microsoft.com/office/drawing/2010/main" val="0"/>
+              </a:ext>
+            </a:extLst>
+          </a:blip>
+          <a:srcRect/>
+          <a:stretch>
+            <a:fillRect/>
+          </a:stretch>
+        </p:blipFill>
+        <p:spPr bwMode="auto">
+          <a:xfrm>
+            <a:off x="1571625" y="1755778"/>
+            <a:ext cx="6000750" cy="3381375"/>
+          </a:xfrm>
+          <a:prstGeom prst="rect">
+            <a:avLst/>
+          </a:prstGeom>
+          <a:noFill/>
+          <a:extLst>
+            <a:ext uri="{909E8E84-426E-40DD-AFC4-6F175D3DCCD1}">
+              <a14:hiddenFill xmlns:a14="http://schemas.microsoft.com/office/drawing/2010/main">
+                <a:solidFill>
+                  <a:srgbClr val="FFFFFF"/>
+                </a:solidFill>
+              </a14:hiddenFill>
+            </a:ext>
+          </a:extLst>
+        </p:spPr>
+      </p:pic>
     </p:spTree>
     <p:extLst>
       <p:ext uri="{BB962C8B-B14F-4D97-AF65-F5344CB8AC3E}">
-        <p14:creationId xmlns:p14="http://schemas.microsoft.com/office/powerpoint/2010/main" val="3133876611"/>
+        <p14:creationId xmlns:p14="http://schemas.microsoft.com/office/powerpoint/2010/main" val="572258283"/>
       </p:ext>
     </p:extLst>
   </p:cSld>
@@ -5343,6 +5402,81 @@
       </p:grpSpPr>
       <p:sp>
         <p:nvSpPr>
+          <p:cNvPr id="3" name="Espaço Reservado para Conteúdo 2"/>
+          <p:cNvSpPr>
+            <a:spLocks noGrp="1"/>
+          </p:cNvSpPr>
+          <p:nvPr>
+            <p:ph idx="1"/>
+          </p:nvPr>
+        </p:nvSpPr>
+        <p:spPr>
+          <a:xfrm>
+            <a:off x="628650" y="2623911"/>
+            <a:ext cx="7886700" cy="2877003"/>
+          </a:xfrm>
+        </p:spPr>
+        <p:txBody>
+          <a:bodyPr>
+            <a:normAutofit/>
+          </a:bodyPr>
+          <a:lstStyle/>
+          <a:p>
+            <a:pPr marL="0" indent="0">
+              <a:buNone/>
+            </a:pPr>
+            <a:r>
+              <a:rPr lang="pt-BR" sz="3200" b="1" dirty="0" smtClean="0">
+                <a:solidFill>
+                  <a:srgbClr val="187792"/>
+                </a:solidFill>
+                <a:latin typeface="Aleo" panose="020F0502020204030203" pitchFamily="34" charset="0"/>
+              </a:rPr>
+              <a:t>[TODO: Deixar claro a importância de se utilizar </a:t>
+            </a:r>
+            <a:r>
+              <a:rPr lang="pt-BR" sz="3200" b="1" dirty="0" smtClean="0">
+                <a:solidFill>
+                  <a:srgbClr val="187792"/>
+                </a:solidFill>
+                <a:latin typeface="Aleo" panose="020F0502020204030203" pitchFamily="34" charset="0"/>
+              </a:rPr>
+              <a:t>agrupamento</a:t>
+            </a:r>
+            <a:r>
+              <a:rPr lang="pt-BR" sz="3200" b="1" dirty="0" smtClean="0">
+                <a:solidFill>
+                  <a:srgbClr val="187792"/>
+                </a:solidFill>
+                <a:latin typeface="Aleo" panose="020F0502020204030203" pitchFamily="34" charset="0"/>
+              </a:rPr>
+              <a:t> </a:t>
+            </a:r>
+            <a:r>
+              <a:rPr lang="pt-BR" sz="3200" b="1" dirty="0" smtClean="0">
+                <a:solidFill>
+                  <a:srgbClr val="187792"/>
+                </a:solidFill>
+                <a:latin typeface="Aleo" panose="020F0502020204030203" pitchFamily="34" charset="0"/>
+              </a:rPr>
+              <a:t>e não classificação]</a:t>
+            </a:r>
+            <a:endParaRPr lang="pt-BR" sz="3200" dirty="0">
+              <a:latin typeface="Aleo" panose="020F0502020204030203" pitchFamily="34" charset="0"/>
+            </a:endParaRPr>
+          </a:p>
+          <a:p>
+            <a:pPr marL="0" indent="0">
+              <a:buNone/>
+            </a:pPr>
+            <a:endParaRPr lang="pt-BR" sz="3200" dirty="0">
+              <a:latin typeface="Aleo" panose="020F0502020204030203" pitchFamily="34" charset="0"/>
+            </a:endParaRPr>
+          </a:p>
+        </p:txBody>
+      </p:sp>
+      <p:sp>
+        <p:nvSpPr>
           <p:cNvPr id="2" name="Espaço Reservado para Número de Slide 1"/>
           <p:cNvSpPr>
             <a:spLocks noGrp="1"/>
@@ -5422,51 +5556,10 @@
           </a:p>
         </p:txBody>
       </p:sp>
-      <p:pic>
-        <p:nvPicPr>
-          <p:cNvPr id="2050" name="Picture 2" descr="http://cfile30.uf.tistory.com/image/156899344FEA735C2ADC9A"/>
-          <p:cNvPicPr>
-            <a:picLocks noChangeAspect="1" noChangeArrowheads="1"/>
-          </p:cNvPicPr>
-          <p:nvPr/>
-        </p:nvPicPr>
-        <p:blipFill>
-          <a:blip r:embed="rId2">
-            <a:extLst>
-              <a:ext uri="{28A0092B-C50C-407E-A947-70E740481C1C}">
-                <a14:useLocalDpi xmlns:a14="http://schemas.microsoft.com/office/drawing/2010/main" val="0"/>
-              </a:ext>
-            </a:extLst>
-          </a:blip>
-          <a:srcRect/>
-          <a:stretch>
-            <a:fillRect/>
-          </a:stretch>
-        </p:blipFill>
-        <p:spPr bwMode="auto">
-          <a:xfrm>
-            <a:off x="1571625" y="1755778"/>
-            <a:ext cx="6000750" cy="3381375"/>
-          </a:xfrm>
-          <a:prstGeom prst="rect">
-            <a:avLst/>
-          </a:prstGeom>
-          <a:noFill/>
-          <a:extLst>
-            <a:ext uri="{909E8E84-426E-40DD-AFC4-6F175D3DCCD1}">
-              <a14:hiddenFill xmlns:a14="http://schemas.microsoft.com/office/drawing/2010/main">
-                <a:solidFill>
-                  <a:srgbClr val="FFFFFF"/>
-                </a:solidFill>
-              </a14:hiddenFill>
-            </a:ext>
-          </a:extLst>
-        </p:spPr>
-      </p:pic>
     </p:spTree>
     <p:extLst>
       <p:ext uri="{BB962C8B-B14F-4D97-AF65-F5344CB8AC3E}">
-        <p14:creationId xmlns:p14="http://schemas.microsoft.com/office/powerpoint/2010/main" val="572258283"/>
+        <p14:creationId xmlns:p14="http://schemas.microsoft.com/office/powerpoint/2010/main" val="4264876323"/>
       </p:ext>
     </p:extLst>
   </p:cSld>
@@ -5532,7 +5625,16 @@
                 </a:solidFill>
                 <a:latin typeface="Aleo" panose="020F0502020204030203" pitchFamily="34" charset="0"/>
               </a:rPr>
-              <a:t>[TODO: Deixar claro a importância de se utilizar </a:t>
+              <a:t>[TODO: </a:t>
+            </a:r>
+            <a:r>
+              <a:rPr lang="pt-BR" sz="3200" b="1" dirty="0" smtClean="0">
+                <a:solidFill>
+                  <a:srgbClr val="187792"/>
+                </a:solidFill>
+                <a:latin typeface="Aleo" panose="020F0502020204030203" pitchFamily="34" charset="0"/>
+              </a:rPr>
+              <a:t>Falar um pouco de agrupamento plano </a:t>
             </a:r>
             <a:r>
               <a:rPr lang="pt-BR" sz="3200" b="1" dirty="0" err="1" smtClean="0">
@@ -5541,7 +5643,7 @@
                 </a:solidFill>
                 <a:latin typeface="Aleo" panose="020F0502020204030203" pitchFamily="34" charset="0"/>
               </a:rPr>
-              <a:t>clustering</a:t>
+              <a:t>vs</a:t>
             </a:r>
             <a:r>
               <a:rPr lang="pt-BR" sz="3200" b="1" dirty="0" smtClean="0">
@@ -5550,7 +5652,7 @@
                 </a:solidFill>
                 <a:latin typeface="Aleo" panose="020F0502020204030203" pitchFamily="34" charset="0"/>
               </a:rPr>
-              <a:t> e não classificação]</a:t>
+              <a:t> agrupamento hierárquico]</a:t>
             </a:r>
             <a:endParaRPr lang="pt-BR" sz="3200" dirty="0">
               <a:latin typeface="Aleo" panose="020F0502020204030203" pitchFamily="34" charset="0"/>
@@ -5650,7 +5752,7 @@
     </p:spTree>
     <p:extLst>
       <p:ext uri="{BB962C8B-B14F-4D97-AF65-F5344CB8AC3E}">
-        <p14:creationId xmlns:p14="http://schemas.microsoft.com/office/powerpoint/2010/main" val="4264876323"/>
+        <p14:creationId xmlns:p14="http://schemas.microsoft.com/office/powerpoint/2010/main" val="2175185383"/>
       </p:ext>
     </p:extLst>
   </p:cSld>
@@ -5668,7 +5770,7 @@
 </file>
 
 <file path=ppt/slides/slide19.xml><?xml version="1.0" encoding="utf-8"?>
-<p:sld xmlns:a="http://schemas.openxmlformats.org/drawingml/2006/main" xmlns:r="http://schemas.openxmlformats.org/officeDocument/2006/relationships" xmlns:p="http://schemas.openxmlformats.org/presentationml/2006/main" show="0">
+<p:sld xmlns:a="http://schemas.openxmlformats.org/drawingml/2006/main" xmlns:r="http://schemas.openxmlformats.org/officeDocument/2006/relationships" xmlns:p="http://schemas.openxmlformats.org/presentationml/2006/main">
   <p:cSld>
     <p:spTree>
       <p:nvGrpSpPr>
@@ -5838,7 +5940,9 @@
         </p:nvSpPr>
         <p:spPr/>
         <p:txBody>
-          <a:bodyPr/>
+          <a:bodyPr>
+            <a:normAutofit/>
+          </a:bodyPr>
           <a:lstStyle/>
           <a:p>
             <a:pPr marL="385763" indent="-385763">
@@ -5887,9 +5991,6 @@
               </a:rPr>
               <a:t>Solução</a:t>
             </a:r>
-            <a:endParaRPr lang="pt-BR" dirty="0" smtClean="0">
-              <a:latin typeface="Aleo" panose="020F0502020204030203" pitchFamily="34" charset="0"/>
-            </a:endParaRPr>
           </a:p>
           <a:p>
             <a:pPr marL="842963" lvl="1" indent="-385763">
@@ -5897,14 +5998,11 @@
               <a:buAutoNum type="arabicPeriod"/>
             </a:pPr>
             <a:r>
-              <a:rPr lang="pt-BR" dirty="0" smtClean="0">
+              <a:rPr lang="pt-BR" sz="2800" dirty="0" smtClean="0">
                 <a:latin typeface="Aleo" panose="020F0502020204030203" pitchFamily="34" charset="0"/>
               </a:rPr>
               <a:t>A biblioteca </a:t>
             </a:r>
-            <a:endParaRPr lang="pt-BR" dirty="0" smtClean="0">
-              <a:latin typeface="Aleo" panose="020F0502020204030203" pitchFamily="34" charset="0"/>
-            </a:endParaRPr>
           </a:p>
           <a:p>
             <a:pPr marL="842963" lvl="1" indent="-385763">
@@ -5912,33 +6010,18 @@
               <a:buAutoNum type="arabicPeriod"/>
             </a:pPr>
             <a:r>
-              <a:rPr lang="pt-BR" dirty="0" smtClean="0">
+              <a:rPr lang="pt-BR" sz="2800" dirty="0" smtClean="0">
                 <a:latin typeface="Aleo" panose="020F0502020204030203" pitchFamily="34" charset="0"/>
               </a:rPr>
               <a:t>O sistema </a:t>
             </a:r>
             <a:r>
-              <a:rPr lang="pt-BR" dirty="0" err="1" smtClean="0">
+              <a:rPr lang="pt-BR" sz="2800" dirty="0" err="1" smtClean="0">
                 <a:latin typeface="Aleo" panose="020F0502020204030203" pitchFamily="34" charset="0"/>
               </a:rPr>
               <a:t>hVINA</a:t>
             </a:r>
-            <a:endParaRPr lang="pt-BR" dirty="0" smtClean="0">
-              <a:latin typeface="Aleo" panose="020F0502020204030203" pitchFamily="34" charset="0"/>
-            </a:endParaRPr>
-          </a:p>
-          <a:p>
-            <a:pPr marL="385763" indent="-385763">
-              <a:buFont typeface="+mj-lt"/>
-              <a:buAutoNum type="arabicPeriod"/>
-            </a:pPr>
-            <a:r>
-              <a:rPr lang="pt-BR" dirty="0" smtClean="0">
-                <a:latin typeface="Aleo" panose="020F0502020204030203" pitchFamily="34" charset="0"/>
-              </a:rPr>
-              <a:t>Resultados</a:t>
-            </a:r>
-            <a:endParaRPr lang="pt-BR" dirty="0" smtClean="0">
+            <a:endParaRPr lang="pt-BR" sz="2800" dirty="0" smtClean="0">
               <a:latin typeface="Aleo" panose="020F0502020204030203" pitchFamily="34" charset="0"/>
             </a:endParaRPr>
           </a:p>
@@ -6029,136 +6112,55 @@
       </p:grpSpPr>
       <p:sp>
         <p:nvSpPr>
-          <p:cNvPr id="2" name="Título 1"/>
+          <p:cNvPr id="3" name="Espaço Reservado para Conteúdo 2"/>
           <p:cNvSpPr>
             <a:spLocks noGrp="1"/>
           </p:cNvSpPr>
           <p:nvPr>
-            <p:ph type="title"/>
-          </p:nvPr>
-        </p:nvSpPr>
-        <p:spPr/>
-        <p:txBody>
-          <a:bodyPr/>
-          <a:lstStyle/>
-          <a:p>
-            <a:r>
-              <a:rPr lang="pt-BR" dirty="0" smtClean="0">
-                <a:solidFill>
-                  <a:srgbClr val="187792"/>
-                </a:solidFill>
-                <a:latin typeface="Aleo" panose="020F0502020204030203" pitchFamily="34" charset="0"/>
-              </a:rPr>
-              <a:t>Imagens</a:t>
-            </a:r>
-            <a:endParaRPr lang="pt-BR" dirty="0">
-              <a:solidFill>
-                <a:srgbClr val="187792"/>
-              </a:solidFill>
-              <a:latin typeface="Aleo" panose="020F0502020204030203" pitchFamily="34" charset="0"/>
-            </a:endParaRPr>
-          </a:p>
-        </p:txBody>
-      </p:sp>
-      <p:sp>
-        <p:nvSpPr>
-          <p:cNvPr id="3" name="Espaço Reservado para Conteúdo 2"/>
-          <p:cNvSpPr>
-            <a:spLocks noGrp="1"/>
-          </p:cNvSpPr>
-          <p:nvPr>
             <p:ph idx="1"/>
           </p:nvPr>
         </p:nvSpPr>
-        <p:spPr/>
-        <p:txBody>
-          <a:bodyPr/>
-          <a:lstStyle/>
-          <a:p>
-            <a:r>
-              <a:rPr lang="pt-BR" sz="2000" dirty="0">
-                <a:latin typeface="Aleo" panose="020F0502020204030203" pitchFamily="34" charset="0"/>
-                <a:hlinkClick r:id="rId2"/>
-              </a:rPr>
-              <a:t>http://www.meetinireland.com/BusinessTourism/media/main_site/Blog/EUCHARISTIC-CONGRESS---</a:t>
-            </a:r>
-            <a:r>
-              <a:rPr lang="pt-BR" sz="2000" dirty="0" smtClean="0">
-                <a:latin typeface="Aleo" panose="020F0502020204030203" pitchFamily="34" charset="0"/>
-                <a:hlinkClick r:id="rId2"/>
-              </a:rPr>
-              <a:t>Fam-trip-in-Trinity.jpg</a:t>
-            </a:r>
-            <a:endParaRPr lang="pt-BR" sz="2000" dirty="0" smtClean="0">
-              <a:latin typeface="Aleo" panose="020F0502020204030203" pitchFamily="34" charset="0"/>
-            </a:endParaRPr>
-          </a:p>
-          <a:p>
-            <a:r>
-              <a:rPr lang="pt-BR" sz="2000" dirty="0">
-                <a:latin typeface="Aleo" panose="020F0502020204030203" pitchFamily="34" charset="0"/>
-                <a:hlinkClick r:id="rId3"/>
-              </a:rPr>
-              <a:t>https://</a:t>
-            </a:r>
-            <a:r>
-              <a:rPr lang="pt-BR" sz="2000" dirty="0" smtClean="0">
-                <a:latin typeface="Aleo" panose="020F0502020204030203" pitchFamily="34" charset="0"/>
-                <a:hlinkClick r:id="rId3"/>
-              </a:rPr>
-              <a:t>www.google.com/culturalinstitute/asset-viewer/the-universal-decimal-classification-index-formation/AAGWMxx6DKSL9g?exhibitId=QQ-RRh0A&amp;hl=pt-BR&amp;projectId=historic-moments</a:t>
-            </a:r>
-            <a:endParaRPr lang="pt-BR" sz="2000" dirty="0" smtClean="0">
-              <a:latin typeface="Aleo" panose="020F0502020204030203" pitchFamily="34" charset="0"/>
-            </a:endParaRPr>
-          </a:p>
-          <a:p>
-            <a:r>
-              <a:rPr lang="pt-BR" sz="2000" dirty="0">
-                <a:latin typeface="Aleo" panose="020F0502020204030203" pitchFamily="34" charset="0"/>
-                <a:hlinkClick r:id="rId4"/>
-              </a:rPr>
-              <a:t>http://</a:t>
-            </a:r>
-            <a:r>
-              <a:rPr lang="pt-BR" sz="2000" dirty="0" smtClean="0">
-                <a:latin typeface="Aleo" panose="020F0502020204030203" pitchFamily="34" charset="0"/>
-                <a:hlinkClick r:id="rId4"/>
-              </a:rPr>
-              <a:t>cfile30.uf.tistory.com/image/156899344FEA735C2ADC9A</a:t>
-            </a:r>
-            <a:endParaRPr lang="pt-BR" sz="2000" dirty="0" smtClean="0">
-              <a:latin typeface="Aleo" panose="020F0502020204030203" pitchFamily="34" charset="0"/>
-            </a:endParaRPr>
-          </a:p>
-          <a:p>
-            <a:endParaRPr lang="pt-BR" sz="2000" dirty="0" smtClean="0">
-              <a:latin typeface="Aleo" panose="020F0502020204030203" pitchFamily="34" charset="0"/>
-            </a:endParaRPr>
-          </a:p>
-          <a:p>
-            <a:endParaRPr lang="pt-BR" sz="2000" dirty="0" smtClean="0">
-              <a:latin typeface="Aleo" panose="020F0502020204030203" pitchFamily="34" charset="0"/>
-            </a:endParaRPr>
-          </a:p>
-          <a:p>
-            <a:endParaRPr lang="pt-BR" sz="2000" dirty="0" smtClean="0">
-              <a:latin typeface="Aleo" panose="020F0502020204030203" pitchFamily="34" charset="0"/>
-            </a:endParaRPr>
-          </a:p>
+        <p:spPr>
+          <a:xfrm>
+            <a:off x="628650" y="2623911"/>
+            <a:ext cx="7886700" cy="2877003"/>
+          </a:xfrm>
+        </p:spPr>
+        <p:txBody>
+          <a:bodyPr>
+            <a:normAutofit/>
+          </a:bodyPr>
+          <a:lstStyle/>
           <a:p>
             <a:pPr marL="0" indent="0">
               <a:buNone/>
             </a:pPr>
-            <a:endParaRPr lang="pt-BR" dirty="0">
+            <a:r>
+              <a:rPr lang="pt-BR" sz="3200" b="1" dirty="0" smtClean="0">
+                <a:solidFill>
+                  <a:srgbClr val="187792"/>
+                </a:solidFill>
+                <a:latin typeface="Aleo" panose="020F0502020204030203" pitchFamily="34" charset="0"/>
+              </a:rPr>
+              <a:t>[Falar da biblioteca]</a:t>
+            </a:r>
+            <a:endParaRPr lang="pt-BR" sz="3200" dirty="0">
               <a:latin typeface="Aleo" panose="020F0502020204030203" pitchFamily="34" charset="0"/>
             </a:endParaRPr>
           </a:p>
-        </p:txBody>
-      </p:sp>
-      <p:sp>
-        <p:nvSpPr>
-          <p:cNvPr id="4" name="Espaço Reservado para Número de Slide 3"/>
+          <a:p>
+            <a:pPr marL="0" indent="0">
+              <a:buNone/>
+            </a:pPr>
+            <a:endParaRPr lang="pt-BR" sz="3200" dirty="0">
+              <a:latin typeface="Aleo" panose="020F0502020204030203" pitchFamily="34" charset="0"/>
+            </a:endParaRPr>
+          </a:p>
+        </p:txBody>
+      </p:sp>
+      <p:sp>
+        <p:nvSpPr>
+          <p:cNvPr id="2" name="Espaço Reservado para Número de Slide 1"/>
           <p:cNvSpPr>
             <a:spLocks noGrp="1"/>
           </p:cNvSpPr>
@@ -6179,10 +6181,68 @@
           </a:p>
         </p:txBody>
       </p:sp>
+      <p:sp>
+        <p:nvSpPr>
+          <p:cNvPr id="9" name="CaixaDeTexto 8"/>
+          <p:cNvSpPr txBox="1"/>
+          <p:nvPr/>
+        </p:nvSpPr>
+        <p:spPr>
+          <a:xfrm>
+            <a:off x="7633297" y="-627"/>
+            <a:ext cx="1511953" cy="461665"/>
+          </a:xfrm>
+          <a:prstGeom prst="rect">
+            <a:avLst/>
+          </a:prstGeom>
+          <a:solidFill>
+            <a:srgbClr val="187792"/>
+          </a:solidFill>
+        </p:spPr>
+        <p:txBody>
+          <a:bodyPr wrap="none" rtlCol="0">
+            <a:spAutoFit/>
+          </a:bodyPr>
+          <a:lstStyle/>
+          <a:p>
+            <a:pPr algn="r"/>
+            <a:r>
+              <a:rPr lang="pt-BR" sz="2400" dirty="0">
+                <a:solidFill>
+                  <a:schemeClr val="bg1"/>
+                </a:solidFill>
+              </a:rPr>
+              <a:t>  </a:t>
+            </a:r>
+            <a:r>
+              <a:rPr lang="pt-BR" sz="2400" dirty="0" smtClean="0">
+                <a:solidFill>
+                  <a:schemeClr val="bg1"/>
+                </a:solidFill>
+                <a:latin typeface="Aleo" panose="020F0502020204030203" pitchFamily="34" charset="0"/>
+              </a:rPr>
+              <a:t>Solução</a:t>
+            </a:r>
+            <a:r>
+              <a:rPr lang="pt-BR" sz="2400" dirty="0" smtClean="0">
+                <a:solidFill>
+                  <a:schemeClr val="bg1"/>
+                </a:solidFill>
+              </a:rPr>
+              <a:t>  </a:t>
+            </a:r>
+            <a:endParaRPr lang="pt-BR" sz="2400" dirty="0">
+              <a:solidFill>
+                <a:schemeClr val="bg1"/>
+              </a:solidFill>
+            </a:endParaRPr>
+          </a:p>
+        </p:txBody>
+      </p:sp>
     </p:spTree>
     <p:extLst>
       <p:ext uri="{BB962C8B-B14F-4D97-AF65-F5344CB8AC3E}">
-        <p14:creationId xmlns:p14="http://schemas.microsoft.com/office/powerpoint/2010/main" val="3761091395"/>
+        <p14:creationId xmlns:p14="http://schemas.microsoft.com/office/powerpoint/2010/main" val="3160438624"/>
       </p:ext>
     </p:extLst>
   </p:cSld>
@@ -6218,74 +6278,7 @@
       </p:grpSpPr>
       <p:sp>
         <p:nvSpPr>
-          <p:cNvPr id="2" name="Título 1"/>
-          <p:cNvSpPr>
-            <a:spLocks noGrp="1"/>
-          </p:cNvSpPr>
-          <p:nvPr>
-            <p:ph type="title"/>
-          </p:nvPr>
-        </p:nvSpPr>
-        <p:spPr/>
-        <p:txBody>
-          <a:bodyPr/>
-          <a:lstStyle/>
-          <a:p>
-            <a:r>
-              <a:rPr lang="pt-BR" dirty="0" smtClean="0">
-                <a:solidFill>
-                  <a:srgbClr val="187792"/>
-                </a:solidFill>
-                <a:latin typeface="Aleo" panose="020F0502020204030203" pitchFamily="34" charset="0"/>
-              </a:rPr>
-              <a:t>Referências</a:t>
-            </a:r>
-            <a:endParaRPr lang="pt-BR" dirty="0">
-              <a:solidFill>
-                <a:srgbClr val="187792"/>
-              </a:solidFill>
-              <a:latin typeface="Aleo" panose="020F0502020204030203" pitchFamily="34" charset="0"/>
-            </a:endParaRPr>
-          </a:p>
-        </p:txBody>
-      </p:sp>
-      <p:sp>
-        <p:nvSpPr>
-          <p:cNvPr id="3" name="Espaço Reservado para Conteúdo 2"/>
-          <p:cNvSpPr>
-            <a:spLocks noGrp="1"/>
-          </p:cNvSpPr>
-          <p:nvPr>
-            <p:ph idx="1"/>
-          </p:nvPr>
-        </p:nvSpPr>
-        <p:spPr/>
-        <p:txBody>
-          <a:bodyPr/>
-          <a:lstStyle/>
-          <a:p>
-            <a:endParaRPr lang="pt-BR" sz="2000" dirty="0" smtClean="0">
-              <a:latin typeface="Aleo" panose="020F0502020204030203" pitchFamily="34" charset="0"/>
-            </a:endParaRPr>
-          </a:p>
-          <a:p>
-            <a:endParaRPr lang="pt-BR" sz="2000" dirty="0" smtClean="0">
-              <a:latin typeface="Aleo" panose="020F0502020204030203" pitchFamily="34" charset="0"/>
-            </a:endParaRPr>
-          </a:p>
-          <a:p>
-            <a:pPr marL="0" indent="0">
-              <a:buNone/>
-            </a:pPr>
-            <a:endParaRPr lang="pt-BR" dirty="0">
-              <a:latin typeface="Aleo" panose="020F0502020204030203" pitchFamily="34" charset="0"/>
-            </a:endParaRPr>
-          </a:p>
-        </p:txBody>
-      </p:sp>
-      <p:sp>
-        <p:nvSpPr>
-          <p:cNvPr id="4" name="Espaço Reservado para Número de Slide 3"/>
+          <p:cNvPr id="2" name="Espaço Reservado para Número de Slide 1"/>
           <p:cNvSpPr>
             <a:spLocks noGrp="1"/>
           </p:cNvSpPr>
@@ -6306,10 +6299,265 @@
           </a:p>
         </p:txBody>
       </p:sp>
+      <p:sp>
+        <p:nvSpPr>
+          <p:cNvPr id="9" name="CaixaDeTexto 8"/>
+          <p:cNvSpPr txBox="1"/>
+          <p:nvPr/>
+        </p:nvSpPr>
+        <p:spPr>
+          <a:xfrm>
+            <a:off x="7633297" y="-627"/>
+            <a:ext cx="1511953" cy="461665"/>
+          </a:xfrm>
+          <a:prstGeom prst="rect">
+            <a:avLst/>
+          </a:prstGeom>
+          <a:solidFill>
+            <a:srgbClr val="187792"/>
+          </a:solidFill>
+        </p:spPr>
+        <p:txBody>
+          <a:bodyPr wrap="none" rtlCol="0">
+            <a:spAutoFit/>
+          </a:bodyPr>
+          <a:lstStyle/>
+          <a:p>
+            <a:pPr algn="r"/>
+            <a:r>
+              <a:rPr lang="pt-BR" sz="2400" dirty="0">
+                <a:solidFill>
+                  <a:schemeClr val="bg1"/>
+                </a:solidFill>
+              </a:rPr>
+              <a:t>  </a:t>
+            </a:r>
+            <a:r>
+              <a:rPr lang="pt-BR" sz="2400" dirty="0" smtClean="0">
+                <a:solidFill>
+                  <a:schemeClr val="bg1"/>
+                </a:solidFill>
+                <a:latin typeface="Aleo" panose="020F0502020204030203" pitchFamily="34" charset="0"/>
+              </a:rPr>
+              <a:t>Solução</a:t>
+            </a:r>
+            <a:r>
+              <a:rPr lang="pt-BR" sz="2400" dirty="0" smtClean="0">
+                <a:solidFill>
+                  <a:schemeClr val="bg1"/>
+                </a:solidFill>
+              </a:rPr>
+              <a:t>  </a:t>
+            </a:r>
+            <a:endParaRPr lang="pt-BR" sz="2400" dirty="0">
+              <a:solidFill>
+                <a:schemeClr val="bg1"/>
+              </a:solidFill>
+            </a:endParaRPr>
+          </a:p>
+        </p:txBody>
+      </p:sp>
+      <p:pic>
+        <p:nvPicPr>
+          <p:cNvPr id="5" name="Imagem 4"/>
+          <p:cNvPicPr>
+            <a:picLocks noChangeAspect="1"/>
+          </p:cNvPicPr>
+          <p:nvPr/>
+        </p:nvPicPr>
+        <p:blipFill>
+          <a:blip r:embed="rId2">
+            <a:extLst>
+              <a:ext uri="{28A0092B-C50C-407E-A947-70E740481C1C}">
+                <a14:useLocalDpi xmlns:a14="http://schemas.microsoft.com/office/drawing/2010/main" val="0"/>
+              </a:ext>
+            </a:extLst>
+          </a:blip>
+          <a:stretch>
+            <a:fillRect/>
+          </a:stretch>
+        </p:blipFill>
+        <p:spPr>
+          <a:xfrm>
+            <a:off x="76200" y="2661890"/>
+            <a:ext cx="8991600" cy="1560672"/>
+          </a:xfrm>
+          <a:prstGeom prst="rect">
+            <a:avLst/>
+          </a:prstGeom>
+        </p:spPr>
+      </p:pic>
+      <p:sp>
+        <p:nvSpPr>
+          <p:cNvPr id="6" name="Chave dupla 5"/>
+          <p:cNvSpPr/>
+          <p:nvPr/>
+        </p:nvSpPr>
+        <p:spPr>
+          <a:xfrm rot="16200000">
+            <a:off x="2878714" y="-192475"/>
+            <a:ext cx="1532375" cy="7188202"/>
+          </a:xfrm>
+          <a:prstGeom prst="bracePair">
+            <a:avLst/>
+          </a:prstGeom>
+        </p:spPr>
+        <p:style>
+          <a:lnRef idx="1">
+            <a:schemeClr val="accent1"/>
+          </a:lnRef>
+          <a:fillRef idx="0">
+            <a:schemeClr val="accent1"/>
+          </a:fillRef>
+          <a:effectRef idx="0">
+            <a:schemeClr val="accent1"/>
+          </a:effectRef>
+          <a:fontRef idx="minor">
+            <a:schemeClr val="tx1"/>
+          </a:fontRef>
+        </p:style>
+        <p:txBody>
+          <a:bodyPr rtlCol="0" anchor="ctr"/>
+          <a:lstStyle/>
+          <a:p>
+            <a:pPr algn="ctr"/>
+            <a:endParaRPr lang="pt-BR"/>
+          </a:p>
+        </p:txBody>
+      </p:sp>
+      <p:sp>
+        <p:nvSpPr>
+          <p:cNvPr id="8" name="Retângulo 7"/>
+          <p:cNvSpPr/>
+          <p:nvPr/>
+        </p:nvSpPr>
+        <p:spPr>
+          <a:xfrm>
+            <a:off x="50800" y="2349688"/>
+            <a:ext cx="7366597" cy="571500"/>
+          </a:xfrm>
+          <a:prstGeom prst="rect">
+            <a:avLst/>
+          </a:prstGeom>
+          <a:solidFill>
+            <a:schemeClr val="bg1"/>
+          </a:solidFill>
+          <a:ln>
+            <a:noFill/>
+          </a:ln>
+        </p:spPr>
+        <p:style>
+          <a:lnRef idx="2">
+            <a:schemeClr val="accent1">
+              <a:shade val="50000"/>
+            </a:schemeClr>
+          </a:lnRef>
+          <a:fillRef idx="1">
+            <a:schemeClr val="accent1"/>
+          </a:fillRef>
+          <a:effectRef idx="0">
+            <a:schemeClr val="accent1"/>
+          </a:effectRef>
+          <a:fontRef idx="minor">
+            <a:schemeClr val="lt1"/>
+          </a:fontRef>
+        </p:style>
+        <p:txBody>
+          <a:bodyPr rtlCol="0" anchor="ctr"/>
+          <a:lstStyle/>
+          <a:p>
+            <a:pPr algn="ctr"/>
+            <a:endParaRPr lang="pt-BR"/>
+          </a:p>
+        </p:txBody>
+      </p:sp>
+      <p:sp>
+        <p:nvSpPr>
+          <p:cNvPr id="10" name="CaixaDeTexto 9"/>
+          <p:cNvSpPr txBox="1"/>
+          <p:nvPr/>
+        </p:nvSpPr>
+        <p:spPr>
+          <a:xfrm>
+            <a:off x="2566095" y="4268898"/>
+            <a:ext cx="2163862" cy="369332"/>
+          </a:xfrm>
+          <a:prstGeom prst="rect">
+            <a:avLst/>
+          </a:prstGeom>
+          <a:noFill/>
+        </p:spPr>
+        <p:txBody>
+          <a:bodyPr wrap="none" rtlCol="0">
+            <a:spAutoFit/>
+          </a:bodyPr>
+          <a:lstStyle/>
+          <a:p>
+            <a:pPr algn="ctr"/>
+            <a:r>
+              <a:rPr lang="pt-BR" dirty="0" smtClean="0">
+                <a:latin typeface="Aleo" panose="020F0502020204030203" pitchFamily="34" charset="0"/>
+              </a:rPr>
+              <a:t>Pré-processamento</a:t>
+            </a:r>
+            <a:endParaRPr lang="pt-BR" dirty="0">
+              <a:latin typeface="Aleo" panose="020F0502020204030203" pitchFamily="34" charset="0"/>
+            </a:endParaRPr>
+          </a:p>
+        </p:txBody>
+      </p:sp>
+      <p:sp>
+        <p:nvSpPr>
+          <p:cNvPr id="12" name="Espaço Reservado para Conteúdo 2"/>
+          <p:cNvSpPr>
+            <a:spLocks noGrp="1"/>
+          </p:cNvSpPr>
+          <p:nvPr>
+            <p:ph idx="1"/>
+          </p:nvPr>
+        </p:nvSpPr>
+        <p:spPr>
+          <a:xfrm>
+            <a:off x="101600" y="1911499"/>
+            <a:ext cx="5060950" cy="581064"/>
+          </a:xfrm>
+        </p:spPr>
+        <p:txBody>
+          <a:bodyPr>
+            <a:normAutofit/>
+          </a:bodyPr>
+          <a:lstStyle/>
+          <a:p>
+            <a:pPr marL="0" indent="0">
+              <a:buNone/>
+            </a:pPr>
+            <a:r>
+              <a:rPr lang="pt-BR" sz="3200" b="1" dirty="0" smtClean="0">
+                <a:solidFill>
+                  <a:srgbClr val="187792"/>
+                </a:solidFill>
+                <a:latin typeface="Aleo" panose="020F0502020204030203" pitchFamily="34" charset="0"/>
+              </a:rPr>
+              <a:t>Arquitetura da biblioteca</a:t>
+            </a:r>
+            <a:endParaRPr lang="pt-BR" sz="3200" dirty="0">
+              <a:latin typeface="Aleo" panose="020F0502020204030203" pitchFamily="34" charset="0"/>
+            </a:endParaRPr>
+          </a:p>
+          <a:p>
+            <a:pPr marL="0" indent="0">
+              <a:buNone/>
+            </a:pPr>
+            <a:endParaRPr lang="pt-BR" sz="3200" dirty="0">
+              <a:latin typeface="Aleo" panose="020F0502020204030203" pitchFamily="34" charset="0"/>
+            </a:endParaRPr>
+          </a:p>
+        </p:txBody>
+      </p:sp>
     </p:spTree>
     <p:extLst>
       <p:ext uri="{BB962C8B-B14F-4D97-AF65-F5344CB8AC3E}">
-        <p14:creationId xmlns:p14="http://schemas.microsoft.com/office/powerpoint/2010/main" val="1622633798"/>
+        <p14:creationId xmlns:p14="http://schemas.microsoft.com/office/powerpoint/2010/main" val="3292347316"/>
       </p:ext>
     </p:extLst>
   </p:cSld>
@@ -6345,70 +6593,4671 @@
       </p:grpSpPr>
       <p:sp>
         <p:nvSpPr>
-          <p:cNvPr id="2" name="Título 1"/>
+          <p:cNvPr id="2" name="Espaço Reservado para Número de Slide 1"/>
           <p:cNvSpPr>
             <a:spLocks noGrp="1"/>
           </p:cNvSpPr>
           <p:nvPr>
-            <p:ph type="title"/>
-          </p:nvPr>
+            <p:ph type="sldNum" sz="quarter" idx="12"/>
+          </p:nvPr>
+        </p:nvSpPr>
+        <p:spPr/>
+        <p:txBody>
+          <a:bodyPr/>
+          <a:lstStyle/>
+          <a:p>
+            <a:fld id="{D20560A7-4BF3-4730-B58B-149A6CD3B197}" type="slidenum">
+              <a:rPr lang="pt-BR" smtClean="0"/>
+              <a:t>22</a:t>
+            </a:fld>
+            <a:endParaRPr lang="pt-BR"/>
+          </a:p>
+        </p:txBody>
+      </p:sp>
+      <p:sp>
+        <p:nvSpPr>
+          <p:cNvPr id="9" name="CaixaDeTexto 8"/>
+          <p:cNvSpPr txBox="1"/>
+          <p:nvPr/>
         </p:nvSpPr>
         <p:spPr>
           <a:xfrm>
-            <a:off x="623888" y="2914650"/>
-            <a:ext cx="7886700" cy="1019176"/>
+            <a:off x="7633297" y="-627"/>
+            <a:ext cx="1511953" cy="461665"/>
+          </a:xfrm>
+          <a:prstGeom prst="rect">
+            <a:avLst/>
+          </a:prstGeom>
+          <a:solidFill>
+            <a:srgbClr val="187792"/>
+          </a:solidFill>
+        </p:spPr>
+        <p:txBody>
+          <a:bodyPr wrap="none" rtlCol="0">
+            <a:spAutoFit/>
+          </a:bodyPr>
+          <a:lstStyle/>
+          <a:p>
+            <a:pPr algn="r"/>
+            <a:r>
+              <a:rPr lang="pt-BR" sz="2400" dirty="0">
+                <a:solidFill>
+                  <a:schemeClr val="bg1"/>
+                </a:solidFill>
+              </a:rPr>
+              <a:t>  </a:t>
+            </a:r>
+            <a:r>
+              <a:rPr lang="pt-BR" sz="2400" dirty="0" smtClean="0">
+                <a:solidFill>
+                  <a:schemeClr val="bg1"/>
+                </a:solidFill>
+                <a:latin typeface="Aleo" panose="020F0502020204030203" pitchFamily="34" charset="0"/>
+              </a:rPr>
+              <a:t>Solução</a:t>
+            </a:r>
+            <a:r>
+              <a:rPr lang="pt-BR" sz="2400" dirty="0" smtClean="0">
+                <a:solidFill>
+                  <a:schemeClr val="bg1"/>
+                </a:solidFill>
+              </a:rPr>
+              <a:t>  </a:t>
+            </a:r>
+            <a:endParaRPr lang="pt-BR" sz="2400" dirty="0">
+              <a:solidFill>
+                <a:schemeClr val="bg1"/>
+              </a:solidFill>
+            </a:endParaRPr>
+          </a:p>
+        </p:txBody>
+      </p:sp>
+      <p:sp>
+        <p:nvSpPr>
+          <p:cNvPr id="14" name="Espaço Reservado para Conteúdo 2"/>
+          <p:cNvSpPr txBox="1">
+            <a:spLocks/>
+          </p:cNvSpPr>
+          <p:nvPr/>
+        </p:nvSpPr>
+        <p:spPr>
+          <a:xfrm>
+            <a:off x="616851" y="2441265"/>
+            <a:ext cx="7886702" cy="1883989"/>
+          </a:xfrm>
+          <a:prstGeom prst="rect">
+            <a:avLst/>
+          </a:prstGeom>
+        </p:spPr>
+        <p:txBody>
+          <a:bodyPr vert="horz" lIns="91440" tIns="45720" rIns="91440" bIns="45720" rtlCol="0" anchor="ctr">
+            <a:normAutofit/>
+          </a:bodyPr>
+          <a:lstStyle>
+            <a:lvl1pPr marL="228600" indent="-228600" algn="l" defTabSz="914400" rtl="0" eaLnBrk="1" latinLnBrk="0" hangingPunct="1">
+              <a:lnSpc>
+                <a:spcPct val="90000"/>
+              </a:lnSpc>
+              <a:spcBef>
+                <a:spcPts val="1000"/>
+              </a:spcBef>
+              <a:buFont typeface="Arial" panose="020B0604020202020204" pitchFamily="34" charset="0"/>
+              <a:buChar char="•"/>
+              <a:defRPr sz="2800" kern="1200">
+                <a:solidFill>
+                  <a:schemeClr val="tx1"/>
+                </a:solidFill>
+                <a:latin typeface="+mn-lt"/>
+                <a:ea typeface="+mn-ea"/>
+                <a:cs typeface="+mn-cs"/>
+              </a:defRPr>
+            </a:lvl1pPr>
+            <a:lvl2pPr marL="685800" indent="-228600" algn="l" defTabSz="914400" rtl="0" eaLnBrk="1" latinLnBrk="0" hangingPunct="1">
+              <a:lnSpc>
+                <a:spcPct val="90000"/>
+              </a:lnSpc>
+              <a:spcBef>
+                <a:spcPts val="500"/>
+              </a:spcBef>
+              <a:buFont typeface="Arial" panose="020B0604020202020204" pitchFamily="34" charset="0"/>
+              <a:buChar char="•"/>
+              <a:defRPr sz="2400" kern="1200">
+                <a:solidFill>
+                  <a:schemeClr val="tx1"/>
+                </a:solidFill>
+                <a:latin typeface="+mn-lt"/>
+                <a:ea typeface="+mn-ea"/>
+                <a:cs typeface="+mn-cs"/>
+              </a:defRPr>
+            </a:lvl2pPr>
+            <a:lvl3pPr marL="1143000" indent="-228600" algn="l" defTabSz="914400" rtl="0" eaLnBrk="1" latinLnBrk="0" hangingPunct="1">
+              <a:lnSpc>
+                <a:spcPct val="90000"/>
+              </a:lnSpc>
+              <a:spcBef>
+                <a:spcPts val="500"/>
+              </a:spcBef>
+              <a:buFont typeface="Arial" panose="020B0604020202020204" pitchFamily="34" charset="0"/>
+              <a:buChar char="•"/>
+              <a:defRPr sz="2000" kern="1200">
+                <a:solidFill>
+                  <a:schemeClr val="tx1"/>
+                </a:solidFill>
+                <a:latin typeface="+mn-lt"/>
+                <a:ea typeface="+mn-ea"/>
+                <a:cs typeface="+mn-cs"/>
+              </a:defRPr>
+            </a:lvl3pPr>
+            <a:lvl4pPr marL="1600200" indent="-228600" algn="l" defTabSz="914400" rtl="0" eaLnBrk="1" latinLnBrk="0" hangingPunct="1">
+              <a:lnSpc>
+                <a:spcPct val="90000"/>
+              </a:lnSpc>
+              <a:spcBef>
+                <a:spcPts val="500"/>
+              </a:spcBef>
+              <a:buFont typeface="Arial" panose="020B0604020202020204" pitchFamily="34" charset="0"/>
+              <a:buChar char="•"/>
+              <a:defRPr sz="1800" kern="1200">
+                <a:solidFill>
+                  <a:schemeClr val="tx1"/>
+                </a:solidFill>
+                <a:latin typeface="+mn-lt"/>
+                <a:ea typeface="+mn-ea"/>
+                <a:cs typeface="+mn-cs"/>
+              </a:defRPr>
+            </a:lvl4pPr>
+            <a:lvl5pPr marL="2057400" indent="-228600" algn="l" defTabSz="914400" rtl="0" eaLnBrk="1" latinLnBrk="0" hangingPunct="1">
+              <a:lnSpc>
+                <a:spcPct val="90000"/>
+              </a:lnSpc>
+              <a:spcBef>
+                <a:spcPts val="500"/>
+              </a:spcBef>
+              <a:buFont typeface="Arial" panose="020B0604020202020204" pitchFamily="34" charset="0"/>
+              <a:buChar char="•"/>
+              <a:defRPr sz="1800" kern="1200">
+                <a:solidFill>
+                  <a:schemeClr val="tx1"/>
+                </a:solidFill>
+                <a:latin typeface="+mn-lt"/>
+                <a:ea typeface="+mn-ea"/>
+                <a:cs typeface="+mn-cs"/>
+              </a:defRPr>
+            </a:lvl5pPr>
+            <a:lvl6pPr marL="2514600" indent="-228600" algn="l" defTabSz="914400" rtl="0" eaLnBrk="1" latinLnBrk="0" hangingPunct="1">
+              <a:lnSpc>
+                <a:spcPct val="90000"/>
+              </a:lnSpc>
+              <a:spcBef>
+                <a:spcPts val="500"/>
+              </a:spcBef>
+              <a:buFont typeface="Arial" panose="020B0604020202020204" pitchFamily="34" charset="0"/>
+              <a:buChar char="•"/>
+              <a:defRPr sz="1800" kern="1200">
+                <a:solidFill>
+                  <a:schemeClr val="tx1"/>
+                </a:solidFill>
+                <a:latin typeface="+mn-lt"/>
+                <a:ea typeface="+mn-ea"/>
+                <a:cs typeface="+mn-cs"/>
+              </a:defRPr>
+            </a:lvl6pPr>
+            <a:lvl7pPr marL="2971800" indent="-228600" algn="l" defTabSz="914400" rtl="0" eaLnBrk="1" latinLnBrk="0" hangingPunct="1">
+              <a:lnSpc>
+                <a:spcPct val="90000"/>
+              </a:lnSpc>
+              <a:spcBef>
+                <a:spcPts val="500"/>
+              </a:spcBef>
+              <a:buFont typeface="Arial" panose="020B0604020202020204" pitchFamily="34" charset="0"/>
+              <a:buChar char="•"/>
+              <a:defRPr sz="1800" kern="1200">
+                <a:solidFill>
+                  <a:schemeClr val="tx1"/>
+                </a:solidFill>
+                <a:latin typeface="+mn-lt"/>
+                <a:ea typeface="+mn-ea"/>
+                <a:cs typeface="+mn-cs"/>
+              </a:defRPr>
+            </a:lvl7pPr>
+            <a:lvl8pPr marL="3429000" indent="-228600" algn="l" defTabSz="914400" rtl="0" eaLnBrk="1" latinLnBrk="0" hangingPunct="1">
+              <a:lnSpc>
+                <a:spcPct val="90000"/>
+              </a:lnSpc>
+              <a:spcBef>
+                <a:spcPts val="500"/>
+              </a:spcBef>
+              <a:buFont typeface="Arial" panose="020B0604020202020204" pitchFamily="34" charset="0"/>
+              <a:buChar char="•"/>
+              <a:defRPr sz="1800" kern="1200">
+                <a:solidFill>
+                  <a:schemeClr val="tx1"/>
+                </a:solidFill>
+                <a:latin typeface="+mn-lt"/>
+                <a:ea typeface="+mn-ea"/>
+                <a:cs typeface="+mn-cs"/>
+              </a:defRPr>
+            </a:lvl8pPr>
+            <a:lvl9pPr marL="3886200" indent="-228600" algn="l" defTabSz="914400" rtl="0" eaLnBrk="1" latinLnBrk="0" hangingPunct="1">
+              <a:lnSpc>
+                <a:spcPct val="90000"/>
+              </a:lnSpc>
+              <a:spcBef>
+                <a:spcPts val="500"/>
+              </a:spcBef>
+              <a:buFont typeface="Arial" panose="020B0604020202020204" pitchFamily="34" charset="0"/>
+              <a:buChar char="•"/>
+              <a:defRPr sz="1800" kern="1200">
+                <a:solidFill>
+                  <a:schemeClr val="tx1"/>
+                </a:solidFill>
+                <a:latin typeface="+mn-lt"/>
+                <a:ea typeface="+mn-ea"/>
+                <a:cs typeface="+mn-cs"/>
+              </a:defRPr>
+            </a:lvl9pPr>
+          </a:lstStyle>
+          <a:p>
+            <a:pPr marL="0" indent="0" algn="ctr">
+              <a:buNone/>
+            </a:pPr>
+            <a:r>
+              <a:rPr lang="pt-BR" sz="3200" dirty="0" smtClean="0">
+                <a:latin typeface="Aleo" panose="020F0502020204030203" pitchFamily="34" charset="0"/>
+              </a:rPr>
+              <a:t>O primeiro passo é determinar o idioma utilizado na coleção de artigos.</a:t>
+            </a:r>
+            <a:endParaRPr lang="pt-BR" sz="3200" dirty="0" smtClean="0"/>
+          </a:p>
+        </p:txBody>
+      </p:sp>
+      <p:pic>
+        <p:nvPicPr>
+          <p:cNvPr id="17" name="Imagem 16"/>
+          <p:cNvPicPr>
+            <a:picLocks noChangeAspect="1"/>
+          </p:cNvPicPr>
+          <p:nvPr/>
+        </p:nvPicPr>
+        <p:blipFill>
+          <a:blip r:embed="rId2">
+            <a:extLst>
+              <a:ext uri="{28A0092B-C50C-407E-A947-70E740481C1C}">
+                <a14:useLocalDpi xmlns:a14="http://schemas.microsoft.com/office/drawing/2010/main" val="0"/>
+              </a:ext>
+            </a:extLst>
+          </a:blip>
+          <a:stretch>
+            <a:fillRect/>
+          </a:stretch>
+        </p:blipFill>
+        <p:spPr>
+          <a:xfrm>
+            <a:off x="2286000" y="5906598"/>
+            <a:ext cx="4572000" cy="793562"/>
+          </a:xfrm>
+          <a:prstGeom prst="rect">
+            <a:avLst/>
+          </a:prstGeom>
+        </p:spPr>
+      </p:pic>
+      <p:sp>
+        <p:nvSpPr>
+          <p:cNvPr id="18" name="Espaço Reservado para Conteúdo 2"/>
+          <p:cNvSpPr>
+            <a:spLocks noGrp="1"/>
+          </p:cNvSpPr>
+          <p:nvPr>
+            <p:ph idx="1"/>
+          </p:nvPr>
+        </p:nvSpPr>
+        <p:spPr>
+          <a:xfrm>
+            <a:off x="2501900" y="5820947"/>
+            <a:ext cx="304800" cy="349101"/>
           </a:xfrm>
         </p:spPr>
         <p:txBody>
+          <a:bodyPr>
+            <a:normAutofit/>
+          </a:bodyPr>
+          <a:lstStyle/>
+          <a:p>
+            <a:pPr marL="0" indent="0">
+              <a:buNone/>
+            </a:pPr>
+            <a:r>
+              <a:rPr lang="pt-BR" sz="1800" b="1" dirty="0" smtClean="0">
+                <a:solidFill>
+                  <a:srgbClr val="187792"/>
+                </a:solidFill>
+                <a:latin typeface="Aleo" panose="020F0502020204030203" pitchFamily="34" charset="0"/>
+              </a:rPr>
+              <a:t>1</a:t>
+            </a:r>
+            <a:endParaRPr lang="pt-BR" sz="1800" dirty="0">
+              <a:latin typeface="Aleo" panose="020F0502020204030203" pitchFamily="34" charset="0"/>
+            </a:endParaRPr>
+          </a:p>
+          <a:p>
+            <a:pPr marL="0" indent="0">
+              <a:buNone/>
+            </a:pPr>
+            <a:endParaRPr lang="pt-BR" sz="1800" dirty="0">
+              <a:latin typeface="Aleo" panose="020F0502020204030203" pitchFamily="34" charset="0"/>
+            </a:endParaRPr>
+          </a:p>
+        </p:txBody>
+      </p:sp>
+    </p:spTree>
+    <p:extLst>
+      <p:ext uri="{BB962C8B-B14F-4D97-AF65-F5344CB8AC3E}">
+        <p14:creationId xmlns:p14="http://schemas.microsoft.com/office/powerpoint/2010/main" val="2819697909"/>
+      </p:ext>
+    </p:extLst>
+  </p:cSld>
+  <p:clrMapOvr>
+    <a:masterClrMapping/>
+  </p:clrMapOvr>
+  <p:timing>
+    <p:tnLst>
+      <p:par>
+        <p:cTn id="1" dur="indefinite" restart="never" nodeType="tmRoot"/>
+      </p:par>
+    </p:tnLst>
+  </p:timing>
+</p:sld>
+</file>
+
+<file path=ppt/slides/slide23.xml><?xml version="1.0" encoding="utf-8"?>
+<p:sld xmlns:a="http://schemas.openxmlformats.org/drawingml/2006/main" xmlns:r="http://schemas.openxmlformats.org/officeDocument/2006/relationships" xmlns:p="http://schemas.openxmlformats.org/presentationml/2006/main">
+  <p:cSld>
+    <p:spTree>
+      <p:nvGrpSpPr>
+        <p:cNvPr id="1" name=""/>
+        <p:cNvGrpSpPr/>
+        <p:nvPr/>
+      </p:nvGrpSpPr>
+      <p:grpSpPr>
+        <a:xfrm>
+          <a:off x="0" y="0"/>
+          <a:ext cx="0" cy="0"/>
+          <a:chOff x="0" y="0"/>
+          <a:chExt cx="0" cy="0"/>
+        </a:xfrm>
+      </p:grpSpPr>
+      <p:sp>
+        <p:nvSpPr>
+          <p:cNvPr id="2" name="Espaço Reservado para Número de Slide 1"/>
+          <p:cNvSpPr>
+            <a:spLocks noGrp="1"/>
+          </p:cNvSpPr>
+          <p:nvPr>
+            <p:ph type="sldNum" sz="quarter" idx="12"/>
+          </p:nvPr>
+        </p:nvSpPr>
+        <p:spPr/>
+        <p:txBody>
           <a:bodyPr/>
           <a:lstStyle/>
           <a:p>
+            <a:fld id="{D20560A7-4BF3-4730-B58B-149A6CD3B197}" type="slidenum">
+              <a:rPr lang="pt-BR" smtClean="0"/>
+              <a:t>23</a:t>
+            </a:fld>
+            <a:endParaRPr lang="pt-BR"/>
+          </a:p>
+        </p:txBody>
+      </p:sp>
+      <p:sp>
+        <p:nvSpPr>
+          <p:cNvPr id="9" name="CaixaDeTexto 8"/>
+          <p:cNvSpPr txBox="1"/>
+          <p:nvPr/>
+        </p:nvSpPr>
+        <p:spPr>
+          <a:xfrm>
+            <a:off x="7633297" y="-627"/>
+            <a:ext cx="1511953" cy="461665"/>
+          </a:xfrm>
+          <a:prstGeom prst="rect">
+            <a:avLst/>
+          </a:prstGeom>
+          <a:solidFill>
+            <a:srgbClr val="187792"/>
+          </a:solidFill>
+        </p:spPr>
+        <p:txBody>
+          <a:bodyPr wrap="none" rtlCol="0">
+            <a:spAutoFit/>
+          </a:bodyPr>
+          <a:lstStyle/>
+          <a:p>
+            <a:pPr algn="r"/>
+            <a:r>
+              <a:rPr lang="pt-BR" sz="2400" dirty="0">
+                <a:solidFill>
+                  <a:schemeClr val="bg1"/>
+                </a:solidFill>
+              </a:rPr>
+              <a:t>  </a:t>
+            </a:r>
+            <a:r>
+              <a:rPr lang="pt-BR" sz="2400" dirty="0" smtClean="0">
+                <a:solidFill>
+                  <a:schemeClr val="bg1"/>
+                </a:solidFill>
+                <a:latin typeface="Aleo" panose="020F0502020204030203" pitchFamily="34" charset="0"/>
+              </a:rPr>
+              <a:t>Solução</a:t>
+            </a:r>
+            <a:r>
+              <a:rPr lang="pt-BR" sz="2400" dirty="0" smtClean="0">
+                <a:solidFill>
+                  <a:schemeClr val="bg1"/>
+                </a:solidFill>
+              </a:rPr>
+              <a:t>  </a:t>
+            </a:r>
+            <a:endParaRPr lang="pt-BR" sz="2400" dirty="0">
+              <a:solidFill>
+                <a:schemeClr val="bg1"/>
+              </a:solidFill>
+            </a:endParaRPr>
+          </a:p>
+        </p:txBody>
+      </p:sp>
+      <p:pic>
+        <p:nvPicPr>
+          <p:cNvPr id="5" name="Imagem 4"/>
+          <p:cNvPicPr>
+            <a:picLocks noChangeAspect="1"/>
+          </p:cNvPicPr>
+          <p:nvPr/>
+        </p:nvPicPr>
+        <p:blipFill>
+          <a:blip r:embed="rId2">
+            <a:extLst>
+              <a:ext uri="{28A0092B-C50C-407E-A947-70E740481C1C}">
+                <a14:useLocalDpi xmlns:a14="http://schemas.microsoft.com/office/drawing/2010/main" val="0"/>
+              </a:ext>
+            </a:extLst>
+          </a:blip>
+          <a:stretch>
+            <a:fillRect/>
+          </a:stretch>
+        </p:blipFill>
+        <p:spPr>
+          <a:xfrm>
+            <a:off x="2286000" y="5906598"/>
+            <a:ext cx="4572000" cy="793562"/>
+          </a:xfrm>
+          <a:prstGeom prst="rect">
+            <a:avLst/>
+          </a:prstGeom>
+        </p:spPr>
+      </p:pic>
+      <p:sp>
+        <p:nvSpPr>
+          <p:cNvPr id="11" name="Espaço Reservado para Conteúdo 2"/>
+          <p:cNvSpPr>
+            <a:spLocks noGrp="1"/>
+          </p:cNvSpPr>
+          <p:nvPr>
+            <p:ph idx="1"/>
+          </p:nvPr>
+        </p:nvSpPr>
+        <p:spPr>
+          <a:xfrm>
+            <a:off x="2501900" y="5820947"/>
+            <a:ext cx="304800" cy="349101"/>
+          </a:xfrm>
+        </p:spPr>
+        <p:txBody>
+          <a:bodyPr>
+            <a:normAutofit/>
+          </a:bodyPr>
+          <a:lstStyle/>
+          <a:p>
+            <a:pPr marL="0" indent="0">
+              <a:buNone/>
+            </a:pPr>
+            <a:r>
+              <a:rPr lang="pt-BR" sz="1800" b="1" dirty="0" smtClean="0">
+                <a:solidFill>
+                  <a:srgbClr val="187792"/>
+                </a:solidFill>
+                <a:latin typeface="Aleo" panose="020F0502020204030203" pitchFamily="34" charset="0"/>
+              </a:rPr>
+              <a:t>1</a:t>
+            </a:r>
+            <a:endParaRPr lang="pt-BR" sz="1800" dirty="0">
+              <a:latin typeface="Aleo" panose="020F0502020204030203" pitchFamily="34" charset="0"/>
+            </a:endParaRPr>
+          </a:p>
+          <a:p>
+            <a:pPr marL="0" indent="0">
+              <a:buNone/>
+            </a:pPr>
+            <a:endParaRPr lang="pt-BR" sz="1800" dirty="0">
+              <a:latin typeface="Aleo" panose="020F0502020204030203" pitchFamily="34" charset="0"/>
+            </a:endParaRPr>
+          </a:p>
+        </p:txBody>
+      </p:sp>
+      <p:sp>
+        <p:nvSpPr>
+          <p:cNvPr id="14" name="Espaço Reservado para Conteúdo 2"/>
+          <p:cNvSpPr txBox="1">
+            <a:spLocks/>
+          </p:cNvSpPr>
+          <p:nvPr/>
+        </p:nvSpPr>
+        <p:spPr>
+          <a:xfrm>
+            <a:off x="500739" y="1657497"/>
+            <a:ext cx="7886702" cy="3765403"/>
+          </a:xfrm>
+          <a:prstGeom prst="rect">
+            <a:avLst/>
+          </a:prstGeom>
+        </p:spPr>
+        <p:txBody>
+          <a:bodyPr vert="horz" lIns="91440" tIns="45720" rIns="91440" bIns="45720" rtlCol="0">
+            <a:normAutofit/>
+          </a:bodyPr>
+          <a:lstStyle>
+            <a:lvl1pPr marL="228600" indent="-228600" algn="l" defTabSz="914400" rtl="0" eaLnBrk="1" latinLnBrk="0" hangingPunct="1">
+              <a:lnSpc>
+                <a:spcPct val="90000"/>
+              </a:lnSpc>
+              <a:spcBef>
+                <a:spcPts val="1000"/>
+              </a:spcBef>
+              <a:buFont typeface="Arial" panose="020B0604020202020204" pitchFamily="34" charset="0"/>
+              <a:buChar char="•"/>
+              <a:defRPr sz="2800" kern="1200">
+                <a:solidFill>
+                  <a:schemeClr val="tx1"/>
+                </a:solidFill>
+                <a:latin typeface="+mn-lt"/>
+                <a:ea typeface="+mn-ea"/>
+                <a:cs typeface="+mn-cs"/>
+              </a:defRPr>
+            </a:lvl1pPr>
+            <a:lvl2pPr marL="685800" indent="-228600" algn="l" defTabSz="914400" rtl="0" eaLnBrk="1" latinLnBrk="0" hangingPunct="1">
+              <a:lnSpc>
+                <a:spcPct val="90000"/>
+              </a:lnSpc>
+              <a:spcBef>
+                <a:spcPts val="500"/>
+              </a:spcBef>
+              <a:buFont typeface="Arial" panose="020B0604020202020204" pitchFamily="34" charset="0"/>
+              <a:buChar char="•"/>
+              <a:defRPr sz="2400" kern="1200">
+                <a:solidFill>
+                  <a:schemeClr val="tx1"/>
+                </a:solidFill>
+                <a:latin typeface="+mn-lt"/>
+                <a:ea typeface="+mn-ea"/>
+                <a:cs typeface="+mn-cs"/>
+              </a:defRPr>
+            </a:lvl2pPr>
+            <a:lvl3pPr marL="1143000" indent="-228600" algn="l" defTabSz="914400" rtl="0" eaLnBrk="1" latinLnBrk="0" hangingPunct="1">
+              <a:lnSpc>
+                <a:spcPct val="90000"/>
+              </a:lnSpc>
+              <a:spcBef>
+                <a:spcPts val="500"/>
+              </a:spcBef>
+              <a:buFont typeface="Arial" panose="020B0604020202020204" pitchFamily="34" charset="0"/>
+              <a:buChar char="•"/>
+              <a:defRPr sz="2000" kern="1200">
+                <a:solidFill>
+                  <a:schemeClr val="tx1"/>
+                </a:solidFill>
+                <a:latin typeface="+mn-lt"/>
+                <a:ea typeface="+mn-ea"/>
+                <a:cs typeface="+mn-cs"/>
+              </a:defRPr>
+            </a:lvl3pPr>
+            <a:lvl4pPr marL="1600200" indent="-228600" algn="l" defTabSz="914400" rtl="0" eaLnBrk="1" latinLnBrk="0" hangingPunct="1">
+              <a:lnSpc>
+                <a:spcPct val="90000"/>
+              </a:lnSpc>
+              <a:spcBef>
+                <a:spcPts val="500"/>
+              </a:spcBef>
+              <a:buFont typeface="Arial" panose="020B0604020202020204" pitchFamily="34" charset="0"/>
+              <a:buChar char="•"/>
+              <a:defRPr sz="1800" kern="1200">
+                <a:solidFill>
+                  <a:schemeClr val="tx1"/>
+                </a:solidFill>
+                <a:latin typeface="+mn-lt"/>
+                <a:ea typeface="+mn-ea"/>
+                <a:cs typeface="+mn-cs"/>
+              </a:defRPr>
+            </a:lvl4pPr>
+            <a:lvl5pPr marL="2057400" indent="-228600" algn="l" defTabSz="914400" rtl="0" eaLnBrk="1" latinLnBrk="0" hangingPunct="1">
+              <a:lnSpc>
+                <a:spcPct val="90000"/>
+              </a:lnSpc>
+              <a:spcBef>
+                <a:spcPts val="500"/>
+              </a:spcBef>
+              <a:buFont typeface="Arial" panose="020B0604020202020204" pitchFamily="34" charset="0"/>
+              <a:buChar char="•"/>
+              <a:defRPr sz="1800" kern="1200">
+                <a:solidFill>
+                  <a:schemeClr val="tx1"/>
+                </a:solidFill>
+                <a:latin typeface="+mn-lt"/>
+                <a:ea typeface="+mn-ea"/>
+                <a:cs typeface="+mn-cs"/>
+              </a:defRPr>
+            </a:lvl5pPr>
+            <a:lvl6pPr marL="2514600" indent="-228600" algn="l" defTabSz="914400" rtl="0" eaLnBrk="1" latinLnBrk="0" hangingPunct="1">
+              <a:lnSpc>
+                <a:spcPct val="90000"/>
+              </a:lnSpc>
+              <a:spcBef>
+                <a:spcPts val="500"/>
+              </a:spcBef>
+              <a:buFont typeface="Arial" panose="020B0604020202020204" pitchFamily="34" charset="0"/>
+              <a:buChar char="•"/>
+              <a:defRPr sz="1800" kern="1200">
+                <a:solidFill>
+                  <a:schemeClr val="tx1"/>
+                </a:solidFill>
+                <a:latin typeface="+mn-lt"/>
+                <a:ea typeface="+mn-ea"/>
+                <a:cs typeface="+mn-cs"/>
+              </a:defRPr>
+            </a:lvl6pPr>
+            <a:lvl7pPr marL="2971800" indent="-228600" algn="l" defTabSz="914400" rtl="0" eaLnBrk="1" latinLnBrk="0" hangingPunct="1">
+              <a:lnSpc>
+                <a:spcPct val="90000"/>
+              </a:lnSpc>
+              <a:spcBef>
+                <a:spcPts val="500"/>
+              </a:spcBef>
+              <a:buFont typeface="Arial" panose="020B0604020202020204" pitchFamily="34" charset="0"/>
+              <a:buChar char="•"/>
+              <a:defRPr sz="1800" kern="1200">
+                <a:solidFill>
+                  <a:schemeClr val="tx1"/>
+                </a:solidFill>
+                <a:latin typeface="+mn-lt"/>
+                <a:ea typeface="+mn-ea"/>
+                <a:cs typeface="+mn-cs"/>
+              </a:defRPr>
+            </a:lvl7pPr>
+            <a:lvl8pPr marL="3429000" indent="-228600" algn="l" defTabSz="914400" rtl="0" eaLnBrk="1" latinLnBrk="0" hangingPunct="1">
+              <a:lnSpc>
+                <a:spcPct val="90000"/>
+              </a:lnSpc>
+              <a:spcBef>
+                <a:spcPts val="500"/>
+              </a:spcBef>
+              <a:buFont typeface="Arial" panose="020B0604020202020204" pitchFamily="34" charset="0"/>
+              <a:buChar char="•"/>
+              <a:defRPr sz="1800" kern="1200">
+                <a:solidFill>
+                  <a:schemeClr val="tx1"/>
+                </a:solidFill>
+                <a:latin typeface="+mn-lt"/>
+                <a:ea typeface="+mn-ea"/>
+                <a:cs typeface="+mn-cs"/>
+              </a:defRPr>
+            </a:lvl8pPr>
+            <a:lvl9pPr marL="3886200" indent="-228600" algn="l" defTabSz="914400" rtl="0" eaLnBrk="1" latinLnBrk="0" hangingPunct="1">
+              <a:lnSpc>
+                <a:spcPct val="90000"/>
+              </a:lnSpc>
+              <a:spcBef>
+                <a:spcPts val="500"/>
+              </a:spcBef>
+              <a:buFont typeface="Arial" panose="020B0604020202020204" pitchFamily="34" charset="0"/>
+              <a:buChar char="•"/>
+              <a:defRPr sz="1800" kern="1200">
+                <a:solidFill>
+                  <a:schemeClr val="tx1"/>
+                </a:solidFill>
+                <a:latin typeface="+mn-lt"/>
+                <a:ea typeface="+mn-ea"/>
+                <a:cs typeface="+mn-cs"/>
+              </a:defRPr>
+            </a:lvl9pPr>
+          </a:lstStyle>
+          <a:p>
+            <a:pPr marL="0" indent="0">
+              <a:buFont typeface="Arial" panose="020B0604020202020204" pitchFamily="34" charset="0"/>
+              <a:buNone/>
+            </a:pPr>
+            <a:r>
+              <a:rPr lang="pt-BR" sz="3200" b="1" dirty="0" smtClean="0">
+                <a:solidFill>
+                  <a:srgbClr val="187792"/>
+                </a:solidFill>
+                <a:latin typeface="Aleo" panose="020F0502020204030203" pitchFamily="34" charset="0"/>
+              </a:rPr>
+              <a:t>Detecção de idioma</a:t>
+            </a:r>
+          </a:p>
+          <a:p>
+            <a:pPr marL="0" indent="0">
+              <a:buNone/>
+            </a:pPr>
+            <a:r>
+              <a:rPr lang="pt-BR" sz="3200" dirty="0" smtClean="0">
+                <a:latin typeface="Aleo" panose="020F0502020204030203" pitchFamily="34" charset="0"/>
+              </a:rPr>
+              <a:t>Em si é um problema de classificação de padrão, onde as classes são os idiomas.</a:t>
+            </a:r>
+            <a:r>
+              <a:rPr lang="pt-BR" sz="3200" dirty="0"/>
+              <a:t/>
+            </a:r>
+            <a:br>
+              <a:rPr lang="pt-BR" sz="3200" dirty="0"/>
+            </a:br>
+            <a:endParaRPr lang="pt-BR" sz="3200" dirty="0" smtClean="0"/>
+          </a:p>
+        </p:txBody>
+      </p:sp>
+    </p:spTree>
+    <p:extLst>
+      <p:ext uri="{BB962C8B-B14F-4D97-AF65-F5344CB8AC3E}">
+        <p14:creationId xmlns:p14="http://schemas.microsoft.com/office/powerpoint/2010/main" val="3544672600"/>
+      </p:ext>
+    </p:extLst>
+  </p:cSld>
+  <p:clrMapOvr>
+    <a:masterClrMapping/>
+  </p:clrMapOvr>
+  <p:timing>
+    <p:tnLst>
+      <p:par>
+        <p:cTn id="1" dur="indefinite" restart="never" nodeType="tmRoot"/>
+      </p:par>
+    </p:tnLst>
+  </p:timing>
+</p:sld>
+</file>
+
+<file path=ppt/slides/slide24.xml><?xml version="1.0" encoding="utf-8"?>
+<p:sld xmlns:a="http://schemas.openxmlformats.org/drawingml/2006/main" xmlns:r="http://schemas.openxmlformats.org/officeDocument/2006/relationships" xmlns:p="http://schemas.openxmlformats.org/presentationml/2006/main" show="0">
+  <p:cSld>
+    <p:spTree>
+      <p:nvGrpSpPr>
+        <p:cNvPr id="1" name=""/>
+        <p:cNvGrpSpPr/>
+        <p:nvPr/>
+      </p:nvGrpSpPr>
+      <p:grpSpPr>
+        <a:xfrm>
+          <a:off x="0" y="0"/>
+          <a:ext cx="0" cy="0"/>
+          <a:chOff x="0" y="0"/>
+          <a:chExt cx="0" cy="0"/>
+        </a:xfrm>
+      </p:grpSpPr>
+      <p:sp>
+        <p:nvSpPr>
+          <p:cNvPr id="2" name="Espaço Reservado para Número de Slide 1"/>
+          <p:cNvSpPr>
+            <a:spLocks noGrp="1"/>
+          </p:cNvSpPr>
+          <p:nvPr>
+            <p:ph type="sldNum" sz="quarter" idx="12"/>
+          </p:nvPr>
+        </p:nvSpPr>
+        <p:spPr/>
+        <p:txBody>
+          <a:bodyPr/>
+          <a:lstStyle/>
+          <a:p>
+            <a:fld id="{D20560A7-4BF3-4730-B58B-149A6CD3B197}" type="slidenum">
+              <a:rPr lang="pt-BR" smtClean="0"/>
+              <a:t>24</a:t>
+            </a:fld>
+            <a:endParaRPr lang="pt-BR"/>
+          </a:p>
+        </p:txBody>
+      </p:sp>
+      <p:sp>
+        <p:nvSpPr>
+          <p:cNvPr id="9" name="CaixaDeTexto 8"/>
+          <p:cNvSpPr txBox="1"/>
+          <p:nvPr/>
+        </p:nvSpPr>
+        <p:spPr>
+          <a:xfrm>
+            <a:off x="7633297" y="-627"/>
+            <a:ext cx="1511953" cy="461665"/>
+          </a:xfrm>
+          <a:prstGeom prst="rect">
+            <a:avLst/>
+          </a:prstGeom>
+          <a:solidFill>
+            <a:srgbClr val="187792"/>
+          </a:solidFill>
+        </p:spPr>
+        <p:txBody>
+          <a:bodyPr wrap="none" rtlCol="0">
+            <a:spAutoFit/>
+          </a:bodyPr>
+          <a:lstStyle/>
+          <a:p>
+            <a:pPr algn="r"/>
+            <a:r>
+              <a:rPr lang="pt-BR" sz="2400" dirty="0">
+                <a:solidFill>
+                  <a:schemeClr val="bg1"/>
+                </a:solidFill>
+              </a:rPr>
+              <a:t>  </a:t>
+            </a:r>
+            <a:r>
+              <a:rPr lang="pt-BR" sz="2400" dirty="0" smtClean="0">
+                <a:solidFill>
+                  <a:schemeClr val="bg1"/>
+                </a:solidFill>
+                <a:latin typeface="Aleo" panose="020F0502020204030203" pitchFamily="34" charset="0"/>
+              </a:rPr>
+              <a:t>Solução</a:t>
+            </a:r>
+            <a:r>
+              <a:rPr lang="pt-BR" sz="2400" dirty="0" smtClean="0">
+                <a:solidFill>
+                  <a:schemeClr val="bg1"/>
+                </a:solidFill>
+              </a:rPr>
+              <a:t>  </a:t>
+            </a:r>
+            <a:endParaRPr lang="pt-BR" sz="2400" dirty="0">
+              <a:solidFill>
+                <a:schemeClr val="bg1"/>
+              </a:solidFill>
+            </a:endParaRPr>
+          </a:p>
+        </p:txBody>
+      </p:sp>
+      <p:pic>
+        <p:nvPicPr>
+          <p:cNvPr id="5" name="Imagem 4"/>
+          <p:cNvPicPr>
+            <a:picLocks noChangeAspect="1"/>
+          </p:cNvPicPr>
+          <p:nvPr/>
+        </p:nvPicPr>
+        <p:blipFill>
+          <a:blip r:embed="rId2">
+            <a:extLst>
+              <a:ext uri="{28A0092B-C50C-407E-A947-70E740481C1C}">
+                <a14:useLocalDpi xmlns:a14="http://schemas.microsoft.com/office/drawing/2010/main" val="0"/>
+              </a:ext>
+            </a:extLst>
+          </a:blip>
+          <a:stretch>
+            <a:fillRect/>
+          </a:stretch>
+        </p:blipFill>
+        <p:spPr>
+          <a:xfrm>
+            <a:off x="2286000" y="5906598"/>
+            <a:ext cx="4572000" cy="793562"/>
+          </a:xfrm>
+          <a:prstGeom prst="rect">
+            <a:avLst/>
+          </a:prstGeom>
+        </p:spPr>
+      </p:pic>
+      <p:sp>
+        <p:nvSpPr>
+          <p:cNvPr id="11" name="Espaço Reservado para Conteúdo 2"/>
+          <p:cNvSpPr>
+            <a:spLocks noGrp="1"/>
+          </p:cNvSpPr>
+          <p:nvPr>
+            <p:ph idx="1"/>
+          </p:nvPr>
+        </p:nvSpPr>
+        <p:spPr>
+          <a:xfrm>
+            <a:off x="2501900" y="5820947"/>
+            <a:ext cx="304800" cy="349101"/>
+          </a:xfrm>
+        </p:spPr>
+        <p:txBody>
+          <a:bodyPr>
+            <a:normAutofit/>
+          </a:bodyPr>
+          <a:lstStyle/>
+          <a:p>
+            <a:pPr marL="0" indent="0">
+              <a:buNone/>
+            </a:pPr>
+            <a:r>
+              <a:rPr lang="pt-BR" sz="1800" b="1" dirty="0" smtClean="0">
+                <a:solidFill>
+                  <a:srgbClr val="187792"/>
+                </a:solidFill>
+                <a:latin typeface="Aleo" panose="020F0502020204030203" pitchFamily="34" charset="0"/>
+              </a:rPr>
+              <a:t>1</a:t>
+            </a:r>
+            <a:endParaRPr lang="pt-BR" sz="1800" dirty="0">
+              <a:latin typeface="Aleo" panose="020F0502020204030203" pitchFamily="34" charset="0"/>
+            </a:endParaRPr>
+          </a:p>
+          <a:p>
+            <a:pPr marL="0" indent="0">
+              <a:buNone/>
+            </a:pPr>
+            <a:endParaRPr lang="pt-BR" sz="1800" dirty="0">
+              <a:latin typeface="Aleo" panose="020F0502020204030203" pitchFamily="34" charset="0"/>
+            </a:endParaRPr>
+          </a:p>
+        </p:txBody>
+      </p:sp>
+      <p:sp>
+        <p:nvSpPr>
+          <p:cNvPr id="14" name="Espaço Reservado para Conteúdo 2"/>
+          <p:cNvSpPr txBox="1">
+            <a:spLocks/>
+          </p:cNvSpPr>
+          <p:nvPr/>
+        </p:nvSpPr>
+        <p:spPr>
+          <a:xfrm>
+            <a:off x="500738" y="1657497"/>
+            <a:ext cx="8280401" cy="3765403"/>
+          </a:xfrm>
+          <a:prstGeom prst="rect">
+            <a:avLst/>
+          </a:prstGeom>
+        </p:spPr>
+        <p:txBody>
+          <a:bodyPr vert="horz" lIns="91440" tIns="45720" rIns="91440" bIns="45720" rtlCol="0">
+            <a:normAutofit/>
+          </a:bodyPr>
+          <a:lstStyle>
+            <a:lvl1pPr marL="228600" indent="-228600" algn="l" defTabSz="914400" rtl="0" eaLnBrk="1" latinLnBrk="0" hangingPunct="1">
+              <a:lnSpc>
+                <a:spcPct val="90000"/>
+              </a:lnSpc>
+              <a:spcBef>
+                <a:spcPts val="1000"/>
+              </a:spcBef>
+              <a:buFont typeface="Arial" panose="020B0604020202020204" pitchFamily="34" charset="0"/>
+              <a:buChar char="•"/>
+              <a:defRPr sz="2800" kern="1200">
+                <a:solidFill>
+                  <a:schemeClr val="tx1"/>
+                </a:solidFill>
+                <a:latin typeface="+mn-lt"/>
+                <a:ea typeface="+mn-ea"/>
+                <a:cs typeface="+mn-cs"/>
+              </a:defRPr>
+            </a:lvl1pPr>
+            <a:lvl2pPr marL="685800" indent="-228600" algn="l" defTabSz="914400" rtl="0" eaLnBrk="1" latinLnBrk="0" hangingPunct="1">
+              <a:lnSpc>
+                <a:spcPct val="90000"/>
+              </a:lnSpc>
+              <a:spcBef>
+                <a:spcPts val="500"/>
+              </a:spcBef>
+              <a:buFont typeface="Arial" panose="020B0604020202020204" pitchFamily="34" charset="0"/>
+              <a:buChar char="•"/>
+              <a:defRPr sz="2400" kern="1200">
+                <a:solidFill>
+                  <a:schemeClr val="tx1"/>
+                </a:solidFill>
+                <a:latin typeface="+mn-lt"/>
+                <a:ea typeface="+mn-ea"/>
+                <a:cs typeface="+mn-cs"/>
+              </a:defRPr>
+            </a:lvl2pPr>
+            <a:lvl3pPr marL="1143000" indent="-228600" algn="l" defTabSz="914400" rtl="0" eaLnBrk="1" latinLnBrk="0" hangingPunct="1">
+              <a:lnSpc>
+                <a:spcPct val="90000"/>
+              </a:lnSpc>
+              <a:spcBef>
+                <a:spcPts val="500"/>
+              </a:spcBef>
+              <a:buFont typeface="Arial" panose="020B0604020202020204" pitchFamily="34" charset="0"/>
+              <a:buChar char="•"/>
+              <a:defRPr sz="2000" kern="1200">
+                <a:solidFill>
+                  <a:schemeClr val="tx1"/>
+                </a:solidFill>
+                <a:latin typeface="+mn-lt"/>
+                <a:ea typeface="+mn-ea"/>
+                <a:cs typeface="+mn-cs"/>
+              </a:defRPr>
+            </a:lvl3pPr>
+            <a:lvl4pPr marL="1600200" indent="-228600" algn="l" defTabSz="914400" rtl="0" eaLnBrk="1" latinLnBrk="0" hangingPunct="1">
+              <a:lnSpc>
+                <a:spcPct val="90000"/>
+              </a:lnSpc>
+              <a:spcBef>
+                <a:spcPts val="500"/>
+              </a:spcBef>
+              <a:buFont typeface="Arial" panose="020B0604020202020204" pitchFamily="34" charset="0"/>
+              <a:buChar char="•"/>
+              <a:defRPr sz="1800" kern="1200">
+                <a:solidFill>
+                  <a:schemeClr val="tx1"/>
+                </a:solidFill>
+                <a:latin typeface="+mn-lt"/>
+                <a:ea typeface="+mn-ea"/>
+                <a:cs typeface="+mn-cs"/>
+              </a:defRPr>
+            </a:lvl4pPr>
+            <a:lvl5pPr marL="2057400" indent="-228600" algn="l" defTabSz="914400" rtl="0" eaLnBrk="1" latinLnBrk="0" hangingPunct="1">
+              <a:lnSpc>
+                <a:spcPct val="90000"/>
+              </a:lnSpc>
+              <a:spcBef>
+                <a:spcPts val="500"/>
+              </a:spcBef>
+              <a:buFont typeface="Arial" panose="020B0604020202020204" pitchFamily="34" charset="0"/>
+              <a:buChar char="•"/>
+              <a:defRPr sz="1800" kern="1200">
+                <a:solidFill>
+                  <a:schemeClr val="tx1"/>
+                </a:solidFill>
+                <a:latin typeface="+mn-lt"/>
+                <a:ea typeface="+mn-ea"/>
+                <a:cs typeface="+mn-cs"/>
+              </a:defRPr>
+            </a:lvl5pPr>
+            <a:lvl6pPr marL="2514600" indent="-228600" algn="l" defTabSz="914400" rtl="0" eaLnBrk="1" latinLnBrk="0" hangingPunct="1">
+              <a:lnSpc>
+                <a:spcPct val="90000"/>
+              </a:lnSpc>
+              <a:spcBef>
+                <a:spcPts val="500"/>
+              </a:spcBef>
+              <a:buFont typeface="Arial" panose="020B0604020202020204" pitchFamily="34" charset="0"/>
+              <a:buChar char="•"/>
+              <a:defRPr sz="1800" kern="1200">
+                <a:solidFill>
+                  <a:schemeClr val="tx1"/>
+                </a:solidFill>
+                <a:latin typeface="+mn-lt"/>
+                <a:ea typeface="+mn-ea"/>
+                <a:cs typeface="+mn-cs"/>
+              </a:defRPr>
+            </a:lvl6pPr>
+            <a:lvl7pPr marL="2971800" indent="-228600" algn="l" defTabSz="914400" rtl="0" eaLnBrk="1" latinLnBrk="0" hangingPunct="1">
+              <a:lnSpc>
+                <a:spcPct val="90000"/>
+              </a:lnSpc>
+              <a:spcBef>
+                <a:spcPts val="500"/>
+              </a:spcBef>
+              <a:buFont typeface="Arial" panose="020B0604020202020204" pitchFamily="34" charset="0"/>
+              <a:buChar char="•"/>
+              <a:defRPr sz="1800" kern="1200">
+                <a:solidFill>
+                  <a:schemeClr val="tx1"/>
+                </a:solidFill>
+                <a:latin typeface="+mn-lt"/>
+                <a:ea typeface="+mn-ea"/>
+                <a:cs typeface="+mn-cs"/>
+              </a:defRPr>
+            </a:lvl7pPr>
+            <a:lvl8pPr marL="3429000" indent="-228600" algn="l" defTabSz="914400" rtl="0" eaLnBrk="1" latinLnBrk="0" hangingPunct="1">
+              <a:lnSpc>
+                <a:spcPct val="90000"/>
+              </a:lnSpc>
+              <a:spcBef>
+                <a:spcPts val="500"/>
+              </a:spcBef>
+              <a:buFont typeface="Arial" panose="020B0604020202020204" pitchFamily="34" charset="0"/>
+              <a:buChar char="•"/>
+              <a:defRPr sz="1800" kern="1200">
+                <a:solidFill>
+                  <a:schemeClr val="tx1"/>
+                </a:solidFill>
+                <a:latin typeface="+mn-lt"/>
+                <a:ea typeface="+mn-ea"/>
+                <a:cs typeface="+mn-cs"/>
+              </a:defRPr>
+            </a:lvl8pPr>
+            <a:lvl9pPr marL="3886200" indent="-228600" algn="l" defTabSz="914400" rtl="0" eaLnBrk="1" latinLnBrk="0" hangingPunct="1">
+              <a:lnSpc>
+                <a:spcPct val="90000"/>
+              </a:lnSpc>
+              <a:spcBef>
+                <a:spcPts val="500"/>
+              </a:spcBef>
+              <a:buFont typeface="Arial" panose="020B0604020202020204" pitchFamily="34" charset="0"/>
+              <a:buChar char="•"/>
+              <a:defRPr sz="1800" kern="1200">
+                <a:solidFill>
+                  <a:schemeClr val="tx1"/>
+                </a:solidFill>
+                <a:latin typeface="+mn-lt"/>
+                <a:ea typeface="+mn-ea"/>
+                <a:cs typeface="+mn-cs"/>
+              </a:defRPr>
+            </a:lvl9pPr>
+          </a:lstStyle>
+          <a:p>
+            <a:pPr marL="0" indent="0">
+              <a:buFont typeface="Arial" panose="020B0604020202020204" pitchFamily="34" charset="0"/>
+              <a:buNone/>
+            </a:pPr>
+            <a:r>
+              <a:rPr lang="pt-BR" sz="3200" b="1" dirty="0" smtClean="0">
+                <a:solidFill>
+                  <a:srgbClr val="187792"/>
+                </a:solidFill>
+                <a:latin typeface="Aleo" panose="020F0502020204030203" pitchFamily="34" charset="0"/>
+              </a:rPr>
+              <a:t>Detecção de idioma</a:t>
+            </a:r>
+          </a:p>
+          <a:p>
+            <a:pPr marL="0" indent="0">
+              <a:buNone/>
+            </a:pPr>
+            <a:r>
+              <a:rPr lang="pt-BR" sz="3200" dirty="0" smtClean="0">
+                <a:latin typeface="Aleo" panose="020F0502020204030203" pitchFamily="34" charset="0"/>
+              </a:rPr>
+              <a:t>Existem </a:t>
+            </a:r>
+            <a:r>
+              <a:rPr lang="pt-BR" sz="3200" dirty="0">
+                <a:latin typeface="Aleo" panose="020F0502020204030203" pitchFamily="34" charset="0"/>
+              </a:rPr>
+              <a:t>diversas abordagens, porém a utilizada na biblioteca </a:t>
+            </a:r>
+            <a:r>
+              <a:rPr lang="pt-BR" sz="3200" dirty="0" smtClean="0">
+                <a:latin typeface="Aleo" panose="020F0502020204030203" pitchFamily="34" charset="0"/>
+              </a:rPr>
+              <a:t>é modelos n-gramas.</a:t>
+            </a:r>
+            <a:r>
+              <a:rPr lang="pt-BR" sz="3200" dirty="0"/>
+              <a:t/>
+            </a:r>
+            <a:br>
+              <a:rPr lang="pt-BR" sz="3200" dirty="0"/>
+            </a:br>
+            <a:endParaRPr lang="pt-BR" sz="3200" dirty="0" smtClean="0"/>
+          </a:p>
+        </p:txBody>
+      </p:sp>
+    </p:spTree>
+    <p:extLst>
+      <p:ext uri="{BB962C8B-B14F-4D97-AF65-F5344CB8AC3E}">
+        <p14:creationId xmlns:p14="http://schemas.microsoft.com/office/powerpoint/2010/main" val="981442409"/>
+      </p:ext>
+    </p:extLst>
+  </p:cSld>
+  <p:clrMapOvr>
+    <a:masterClrMapping/>
+  </p:clrMapOvr>
+  <mc:AlternateContent xmlns:mc="http://schemas.openxmlformats.org/markup-compatibility/2006">
+    <mc:Choice xmlns:p14="http://schemas.microsoft.com/office/powerpoint/2010/main" Requires="p14">
+      <p:transition spd="slow" p14:dur="2000"/>
+    </mc:Choice>
+    <mc:Fallback>
+      <p:transition spd="slow"/>
+    </mc:Fallback>
+  </mc:AlternateContent>
+  <p:timing>
+    <p:tnLst>
+      <p:par>
+        <p:cTn id="1" dur="indefinite" restart="never" nodeType="tmRoot"/>
+      </p:par>
+    </p:tnLst>
+  </p:timing>
+</p:sld>
+</file>
+
+<file path=ppt/slides/slide25.xml><?xml version="1.0" encoding="utf-8"?>
+<p:sld xmlns:a="http://schemas.openxmlformats.org/drawingml/2006/main" xmlns:r="http://schemas.openxmlformats.org/officeDocument/2006/relationships" xmlns:p="http://schemas.openxmlformats.org/presentationml/2006/main">
+  <p:cSld>
+    <p:spTree>
+      <p:nvGrpSpPr>
+        <p:cNvPr id="1" name=""/>
+        <p:cNvGrpSpPr/>
+        <p:nvPr/>
+      </p:nvGrpSpPr>
+      <p:grpSpPr>
+        <a:xfrm>
+          <a:off x="0" y="0"/>
+          <a:ext cx="0" cy="0"/>
+          <a:chOff x="0" y="0"/>
+          <a:chExt cx="0" cy="0"/>
+        </a:xfrm>
+      </p:grpSpPr>
+      <p:sp>
+        <p:nvSpPr>
+          <p:cNvPr id="2" name="Espaço Reservado para Número de Slide 1"/>
+          <p:cNvSpPr>
+            <a:spLocks noGrp="1"/>
+          </p:cNvSpPr>
+          <p:nvPr>
+            <p:ph type="sldNum" sz="quarter" idx="12"/>
+          </p:nvPr>
+        </p:nvSpPr>
+        <p:spPr/>
+        <p:txBody>
+          <a:bodyPr/>
+          <a:lstStyle/>
+          <a:p>
+            <a:fld id="{D20560A7-4BF3-4730-B58B-149A6CD3B197}" type="slidenum">
+              <a:rPr lang="pt-BR" smtClean="0"/>
+              <a:t>25</a:t>
+            </a:fld>
+            <a:endParaRPr lang="pt-BR"/>
+          </a:p>
+        </p:txBody>
+      </p:sp>
+      <p:sp>
+        <p:nvSpPr>
+          <p:cNvPr id="9" name="CaixaDeTexto 8"/>
+          <p:cNvSpPr txBox="1"/>
+          <p:nvPr/>
+        </p:nvSpPr>
+        <p:spPr>
+          <a:xfrm>
+            <a:off x="7633297" y="-627"/>
+            <a:ext cx="1511953" cy="461665"/>
+          </a:xfrm>
+          <a:prstGeom prst="rect">
+            <a:avLst/>
+          </a:prstGeom>
+          <a:solidFill>
+            <a:srgbClr val="187792"/>
+          </a:solidFill>
+        </p:spPr>
+        <p:txBody>
+          <a:bodyPr wrap="none" rtlCol="0">
+            <a:spAutoFit/>
+          </a:bodyPr>
+          <a:lstStyle/>
+          <a:p>
+            <a:pPr algn="r"/>
+            <a:r>
+              <a:rPr lang="pt-BR" sz="2400" dirty="0">
+                <a:solidFill>
+                  <a:schemeClr val="bg1"/>
+                </a:solidFill>
+              </a:rPr>
+              <a:t>  </a:t>
+            </a:r>
+            <a:r>
+              <a:rPr lang="pt-BR" sz="2400" dirty="0" smtClean="0">
+                <a:solidFill>
+                  <a:schemeClr val="bg1"/>
+                </a:solidFill>
+                <a:latin typeface="Aleo" panose="020F0502020204030203" pitchFamily="34" charset="0"/>
+              </a:rPr>
+              <a:t>Solução</a:t>
+            </a:r>
+            <a:r>
+              <a:rPr lang="pt-BR" sz="2400" dirty="0" smtClean="0">
+                <a:solidFill>
+                  <a:schemeClr val="bg1"/>
+                </a:solidFill>
+              </a:rPr>
+              <a:t>  </a:t>
+            </a:r>
+            <a:endParaRPr lang="pt-BR" sz="2400" dirty="0">
+              <a:solidFill>
+                <a:schemeClr val="bg1"/>
+              </a:solidFill>
+            </a:endParaRPr>
+          </a:p>
+        </p:txBody>
+      </p:sp>
+      <p:pic>
+        <p:nvPicPr>
+          <p:cNvPr id="5" name="Imagem 4"/>
+          <p:cNvPicPr>
+            <a:picLocks noChangeAspect="1"/>
+          </p:cNvPicPr>
+          <p:nvPr/>
+        </p:nvPicPr>
+        <p:blipFill>
+          <a:blip r:embed="rId2">
+            <a:extLst>
+              <a:ext uri="{28A0092B-C50C-407E-A947-70E740481C1C}">
+                <a14:useLocalDpi xmlns:a14="http://schemas.microsoft.com/office/drawing/2010/main" val="0"/>
+              </a:ext>
+            </a:extLst>
+          </a:blip>
+          <a:stretch>
+            <a:fillRect/>
+          </a:stretch>
+        </p:blipFill>
+        <p:spPr>
+          <a:xfrm>
+            <a:off x="2286000" y="5906598"/>
+            <a:ext cx="4572000" cy="793562"/>
+          </a:xfrm>
+          <a:prstGeom prst="rect">
+            <a:avLst/>
+          </a:prstGeom>
+        </p:spPr>
+      </p:pic>
+      <p:sp>
+        <p:nvSpPr>
+          <p:cNvPr id="11" name="Espaço Reservado para Conteúdo 2"/>
+          <p:cNvSpPr>
+            <a:spLocks noGrp="1"/>
+          </p:cNvSpPr>
+          <p:nvPr>
+            <p:ph idx="1"/>
+          </p:nvPr>
+        </p:nvSpPr>
+        <p:spPr>
+          <a:xfrm>
+            <a:off x="2501900" y="5820947"/>
+            <a:ext cx="304800" cy="349101"/>
+          </a:xfrm>
+        </p:spPr>
+        <p:txBody>
+          <a:bodyPr>
+            <a:normAutofit/>
+          </a:bodyPr>
+          <a:lstStyle/>
+          <a:p>
+            <a:pPr marL="0" indent="0">
+              <a:buNone/>
+            </a:pPr>
+            <a:r>
+              <a:rPr lang="pt-BR" sz="1800" b="1" dirty="0" smtClean="0">
+                <a:solidFill>
+                  <a:srgbClr val="187792"/>
+                </a:solidFill>
+                <a:latin typeface="Aleo" panose="020F0502020204030203" pitchFamily="34" charset="0"/>
+              </a:rPr>
+              <a:t>1</a:t>
+            </a:r>
+            <a:endParaRPr lang="pt-BR" sz="1800" dirty="0">
+              <a:latin typeface="Aleo" panose="020F0502020204030203" pitchFamily="34" charset="0"/>
+            </a:endParaRPr>
+          </a:p>
+          <a:p>
+            <a:pPr marL="0" indent="0">
+              <a:buNone/>
+            </a:pPr>
+            <a:endParaRPr lang="pt-BR" sz="1800" dirty="0">
+              <a:latin typeface="Aleo" panose="020F0502020204030203" pitchFamily="34" charset="0"/>
+            </a:endParaRPr>
+          </a:p>
+        </p:txBody>
+      </p:sp>
+      <p:sp>
+        <p:nvSpPr>
+          <p:cNvPr id="14" name="Espaço Reservado para Conteúdo 2"/>
+          <p:cNvSpPr txBox="1">
+            <a:spLocks/>
+          </p:cNvSpPr>
+          <p:nvPr/>
+        </p:nvSpPr>
+        <p:spPr>
+          <a:xfrm>
+            <a:off x="428168" y="1657498"/>
+            <a:ext cx="8280401" cy="1158274"/>
+          </a:xfrm>
+          <a:prstGeom prst="rect">
+            <a:avLst/>
+          </a:prstGeom>
+          <a:effectLst>
+            <a:outerShdw blurRad="50800" dist="38100" dir="2700000" algn="tl" rotWithShape="0">
+              <a:prstClr val="black">
+                <a:alpha val="40000"/>
+              </a:prstClr>
+            </a:outerShdw>
+          </a:effectLst>
+        </p:spPr>
+        <p:style>
+          <a:lnRef idx="2">
+            <a:schemeClr val="dk1"/>
+          </a:lnRef>
+          <a:fillRef idx="1">
+            <a:schemeClr val="lt1"/>
+          </a:fillRef>
+          <a:effectRef idx="0">
+            <a:schemeClr val="dk1"/>
+          </a:effectRef>
+          <a:fontRef idx="minor">
+            <a:schemeClr val="dk1"/>
+          </a:fontRef>
+        </p:style>
+        <p:txBody>
+          <a:bodyPr vert="horz" lIns="91440" tIns="45720" rIns="91440" bIns="45720" rtlCol="0" anchor="ctr">
+            <a:normAutofit/>
+          </a:bodyPr>
+          <a:lstStyle>
+            <a:lvl1pPr marL="228600" indent="-228600" algn="l" defTabSz="914400" rtl="0" eaLnBrk="1" latinLnBrk="0" hangingPunct="1">
+              <a:lnSpc>
+                <a:spcPct val="90000"/>
+              </a:lnSpc>
+              <a:spcBef>
+                <a:spcPts val="1000"/>
+              </a:spcBef>
+              <a:buFont typeface="Arial" panose="020B0604020202020204" pitchFamily="34" charset="0"/>
+              <a:buChar char="•"/>
+              <a:defRPr sz="2800" kern="1200">
+                <a:solidFill>
+                  <a:schemeClr val="tx1"/>
+                </a:solidFill>
+                <a:latin typeface="+mn-lt"/>
+                <a:ea typeface="+mn-ea"/>
+                <a:cs typeface="+mn-cs"/>
+              </a:defRPr>
+            </a:lvl1pPr>
+            <a:lvl2pPr marL="685800" indent="-228600" algn="l" defTabSz="914400" rtl="0" eaLnBrk="1" latinLnBrk="0" hangingPunct="1">
+              <a:lnSpc>
+                <a:spcPct val="90000"/>
+              </a:lnSpc>
+              <a:spcBef>
+                <a:spcPts val="500"/>
+              </a:spcBef>
+              <a:buFont typeface="Arial" panose="020B0604020202020204" pitchFamily="34" charset="0"/>
+              <a:buChar char="•"/>
+              <a:defRPr sz="2400" kern="1200">
+                <a:solidFill>
+                  <a:schemeClr val="tx1"/>
+                </a:solidFill>
+                <a:latin typeface="+mn-lt"/>
+                <a:ea typeface="+mn-ea"/>
+                <a:cs typeface="+mn-cs"/>
+              </a:defRPr>
+            </a:lvl2pPr>
+            <a:lvl3pPr marL="1143000" indent="-228600" algn="l" defTabSz="914400" rtl="0" eaLnBrk="1" latinLnBrk="0" hangingPunct="1">
+              <a:lnSpc>
+                <a:spcPct val="90000"/>
+              </a:lnSpc>
+              <a:spcBef>
+                <a:spcPts val="500"/>
+              </a:spcBef>
+              <a:buFont typeface="Arial" panose="020B0604020202020204" pitchFamily="34" charset="0"/>
+              <a:buChar char="•"/>
+              <a:defRPr sz="2000" kern="1200">
+                <a:solidFill>
+                  <a:schemeClr val="tx1"/>
+                </a:solidFill>
+                <a:latin typeface="+mn-lt"/>
+                <a:ea typeface="+mn-ea"/>
+                <a:cs typeface="+mn-cs"/>
+              </a:defRPr>
+            </a:lvl3pPr>
+            <a:lvl4pPr marL="1600200" indent="-228600" algn="l" defTabSz="914400" rtl="0" eaLnBrk="1" latinLnBrk="0" hangingPunct="1">
+              <a:lnSpc>
+                <a:spcPct val="90000"/>
+              </a:lnSpc>
+              <a:spcBef>
+                <a:spcPts val="500"/>
+              </a:spcBef>
+              <a:buFont typeface="Arial" panose="020B0604020202020204" pitchFamily="34" charset="0"/>
+              <a:buChar char="•"/>
+              <a:defRPr sz="1800" kern="1200">
+                <a:solidFill>
+                  <a:schemeClr val="tx1"/>
+                </a:solidFill>
+                <a:latin typeface="+mn-lt"/>
+                <a:ea typeface="+mn-ea"/>
+                <a:cs typeface="+mn-cs"/>
+              </a:defRPr>
+            </a:lvl4pPr>
+            <a:lvl5pPr marL="2057400" indent="-228600" algn="l" defTabSz="914400" rtl="0" eaLnBrk="1" latinLnBrk="0" hangingPunct="1">
+              <a:lnSpc>
+                <a:spcPct val="90000"/>
+              </a:lnSpc>
+              <a:spcBef>
+                <a:spcPts val="500"/>
+              </a:spcBef>
+              <a:buFont typeface="Arial" panose="020B0604020202020204" pitchFamily="34" charset="0"/>
+              <a:buChar char="•"/>
+              <a:defRPr sz="1800" kern="1200">
+                <a:solidFill>
+                  <a:schemeClr val="tx1"/>
+                </a:solidFill>
+                <a:latin typeface="+mn-lt"/>
+                <a:ea typeface="+mn-ea"/>
+                <a:cs typeface="+mn-cs"/>
+              </a:defRPr>
+            </a:lvl5pPr>
+            <a:lvl6pPr marL="2514600" indent="-228600" algn="l" defTabSz="914400" rtl="0" eaLnBrk="1" latinLnBrk="0" hangingPunct="1">
+              <a:lnSpc>
+                <a:spcPct val="90000"/>
+              </a:lnSpc>
+              <a:spcBef>
+                <a:spcPts val="500"/>
+              </a:spcBef>
+              <a:buFont typeface="Arial" panose="020B0604020202020204" pitchFamily="34" charset="0"/>
+              <a:buChar char="•"/>
+              <a:defRPr sz="1800" kern="1200">
+                <a:solidFill>
+                  <a:schemeClr val="tx1"/>
+                </a:solidFill>
+                <a:latin typeface="+mn-lt"/>
+                <a:ea typeface="+mn-ea"/>
+                <a:cs typeface="+mn-cs"/>
+              </a:defRPr>
+            </a:lvl6pPr>
+            <a:lvl7pPr marL="2971800" indent="-228600" algn="l" defTabSz="914400" rtl="0" eaLnBrk="1" latinLnBrk="0" hangingPunct="1">
+              <a:lnSpc>
+                <a:spcPct val="90000"/>
+              </a:lnSpc>
+              <a:spcBef>
+                <a:spcPts val="500"/>
+              </a:spcBef>
+              <a:buFont typeface="Arial" panose="020B0604020202020204" pitchFamily="34" charset="0"/>
+              <a:buChar char="•"/>
+              <a:defRPr sz="1800" kern="1200">
+                <a:solidFill>
+                  <a:schemeClr val="tx1"/>
+                </a:solidFill>
+                <a:latin typeface="+mn-lt"/>
+                <a:ea typeface="+mn-ea"/>
+                <a:cs typeface="+mn-cs"/>
+              </a:defRPr>
+            </a:lvl7pPr>
+            <a:lvl8pPr marL="3429000" indent="-228600" algn="l" defTabSz="914400" rtl="0" eaLnBrk="1" latinLnBrk="0" hangingPunct="1">
+              <a:lnSpc>
+                <a:spcPct val="90000"/>
+              </a:lnSpc>
+              <a:spcBef>
+                <a:spcPts val="500"/>
+              </a:spcBef>
+              <a:buFont typeface="Arial" panose="020B0604020202020204" pitchFamily="34" charset="0"/>
+              <a:buChar char="•"/>
+              <a:defRPr sz="1800" kern="1200">
+                <a:solidFill>
+                  <a:schemeClr val="tx1"/>
+                </a:solidFill>
+                <a:latin typeface="+mn-lt"/>
+                <a:ea typeface="+mn-ea"/>
+                <a:cs typeface="+mn-cs"/>
+              </a:defRPr>
+            </a:lvl8pPr>
+            <a:lvl9pPr marL="3886200" indent="-228600" algn="l" defTabSz="914400" rtl="0" eaLnBrk="1" latinLnBrk="0" hangingPunct="1">
+              <a:lnSpc>
+                <a:spcPct val="90000"/>
+              </a:lnSpc>
+              <a:spcBef>
+                <a:spcPts val="500"/>
+              </a:spcBef>
+              <a:buFont typeface="Arial" panose="020B0604020202020204" pitchFamily="34" charset="0"/>
+              <a:buChar char="•"/>
+              <a:defRPr sz="1800" kern="1200">
+                <a:solidFill>
+                  <a:schemeClr val="tx1"/>
+                </a:solidFill>
+                <a:latin typeface="+mn-lt"/>
+                <a:ea typeface="+mn-ea"/>
+                <a:cs typeface="+mn-cs"/>
+              </a:defRPr>
+            </a:lvl9pPr>
+          </a:lstStyle>
+          <a:p>
+            <a:pPr marL="0" indent="0">
+              <a:buNone/>
+            </a:pPr>
+            <a:r>
+              <a:rPr lang="pt-BR" sz="2000" dirty="0" smtClean="0"/>
+              <a:t>Capitu</a:t>
+            </a:r>
+            <a:r>
+              <a:rPr lang="pt-BR" sz="2000" dirty="0"/>
+              <a:t>, apesar daqueles olhos que o diabo lhe deu... Você já reparou nos olhos dela? São assim de cigana oblíqua e dissimulada</a:t>
+            </a:r>
+            <a:r>
+              <a:rPr lang="pt-BR" sz="2000" dirty="0" smtClean="0"/>
+              <a:t>.</a:t>
+            </a:r>
+          </a:p>
+        </p:txBody>
+      </p:sp>
+      <p:sp>
+        <p:nvSpPr>
+          <p:cNvPr id="4" name="Seta para baixo 3"/>
+          <p:cNvSpPr/>
+          <p:nvPr/>
+        </p:nvSpPr>
+        <p:spPr>
+          <a:xfrm>
+            <a:off x="4096654" y="3203806"/>
+            <a:ext cx="943428" cy="978408"/>
+          </a:xfrm>
+          <a:prstGeom prst="downArrow">
+            <a:avLst/>
+          </a:prstGeom>
+        </p:spPr>
+        <p:style>
+          <a:lnRef idx="2">
+            <a:schemeClr val="accent1">
+              <a:shade val="50000"/>
+            </a:schemeClr>
+          </a:lnRef>
+          <a:fillRef idx="1">
+            <a:schemeClr val="accent1"/>
+          </a:fillRef>
+          <a:effectRef idx="0">
+            <a:schemeClr val="accent1"/>
+          </a:effectRef>
+          <a:fontRef idx="minor">
+            <a:schemeClr val="lt1"/>
+          </a:fontRef>
+        </p:style>
+        <p:txBody>
+          <a:bodyPr rtlCol="0" anchor="ctr"/>
+          <a:lstStyle/>
+          <a:p>
             <a:pPr algn="ctr"/>
-            <a:r>
-              <a:rPr lang="pt-BR" dirty="0" smtClean="0">
+            <a:endParaRPr lang="pt-BR"/>
+          </a:p>
+        </p:txBody>
+      </p:sp>
+      <p:sp>
+        <p:nvSpPr>
+          <p:cNvPr id="10" name="Espaço Reservado para Conteúdo 2"/>
+          <p:cNvSpPr txBox="1">
+            <a:spLocks/>
+          </p:cNvSpPr>
+          <p:nvPr/>
+        </p:nvSpPr>
+        <p:spPr>
+          <a:xfrm>
+            <a:off x="3635374" y="4510306"/>
+            <a:ext cx="1873251" cy="671984"/>
+          </a:xfrm>
+          <a:prstGeom prst="rect">
+            <a:avLst/>
+          </a:prstGeom>
+        </p:spPr>
+        <p:txBody>
+          <a:bodyPr vert="horz" lIns="91440" tIns="45720" rIns="91440" bIns="45720" rtlCol="0" anchor="ctr">
+            <a:normAutofit/>
+          </a:bodyPr>
+          <a:lstStyle>
+            <a:lvl1pPr marL="228600" indent="-228600" algn="l" defTabSz="914400" rtl="0" eaLnBrk="1" latinLnBrk="0" hangingPunct="1">
+              <a:lnSpc>
+                <a:spcPct val="90000"/>
+              </a:lnSpc>
+              <a:spcBef>
+                <a:spcPts val="1000"/>
+              </a:spcBef>
+              <a:buFont typeface="Arial" panose="020B0604020202020204" pitchFamily="34" charset="0"/>
+              <a:buChar char="•"/>
+              <a:defRPr sz="2800" kern="1200">
+                <a:solidFill>
+                  <a:schemeClr val="tx1"/>
+                </a:solidFill>
+                <a:latin typeface="+mn-lt"/>
+                <a:ea typeface="+mn-ea"/>
+                <a:cs typeface="+mn-cs"/>
+              </a:defRPr>
+            </a:lvl1pPr>
+            <a:lvl2pPr marL="685800" indent="-228600" algn="l" defTabSz="914400" rtl="0" eaLnBrk="1" latinLnBrk="0" hangingPunct="1">
+              <a:lnSpc>
+                <a:spcPct val="90000"/>
+              </a:lnSpc>
+              <a:spcBef>
+                <a:spcPts val="500"/>
+              </a:spcBef>
+              <a:buFont typeface="Arial" panose="020B0604020202020204" pitchFamily="34" charset="0"/>
+              <a:buChar char="•"/>
+              <a:defRPr sz="2400" kern="1200">
+                <a:solidFill>
+                  <a:schemeClr val="tx1"/>
+                </a:solidFill>
+                <a:latin typeface="+mn-lt"/>
+                <a:ea typeface="+mn-ea"/>
+                <a:cs typeface="+mn-cs"/>
+              </a:defRPr>
+            </a:lvl2pPr>
+            <a:lvl3pPr marL="1143000" indent="-228600" algn="l" defTabSz="914400" rtl="0" eaLnBrk="1" latinLnBrk="0" hangingPunct="1">
+              <a:lnSpc>
+                <a:spcPct val="90000"/>
+              </a:lnSpc>
+              <a:spcBef>
+                <a:spcPts val="500"/>
+              </a:spcBef>
+              <a:buFont typeface="Arial" panose="020B0604020202020204" pitchFamily="34" charset="0"/>
+              <a:buChar char="•"/>
+              <a:defRPr sz="2000" kern="1200">
+                <a:solidFill>
+                  <a:schemeClr val="tx1"/>
+                </a:solidFill>
+                <a:latin typeface="+mn-lt"/>
+                <a:ea typeface="+mn-ea"/>
+                <a:cs typeface="+mn-cs"/>
+              </a:defRPr>
+            </a:lvl3pPr>
+            <a:lvl4pPr marL="1600200" indent="-228600" algn="l" defTabSz="914400" rtl="0" eaLnBrk="1" latinLnBrk="0" hangingPunct="1">
+              <a:lnSpc>
+                <a:spcPct val="90000"/>
+              </a:lnSpc>
+              <a:spcBef>
+                <a:spcPts val="500"/>
+              </a:spcBef>
+              <a:buFont typeface="Arial" panose="020B0604020202020204" pitchFamily="34" charset="0"/>
+              <a:buChar char="•"/>
+              <a:defRPr sz="1800" kern="1200">
+                <a:solidFill>
+                  <a:schemeClr val="tx1"/>
+                </a:solidFill>
+                <a:latin typeface="+mn-lt"/>
+                <a:ea typeface="+mn-ea"/>
+                <a:cs typeface="+mn-cs"/>
+              </a:defRPr>
+            </a:lvl4pPr>
+            <a:lvl5pPr marL="2057400" indent="-228600" algn="l" defTabSz="914400" rtl="0" eaLnBrk="1" latinLnBrk="0" hangingPunct="1">
+              <a:lnSpc>
+                <a:spcPct val="90000"/>
+              </a:lnSpc>
+              <a:spcBef>
+                <a:spcPts val="500"/>
+              </a:spcBef>
+              <a:buFont typeface="Arial" panose="020B0604020202020204" pitchFamily="34" charset="0"/>
+              <a:buChar char="•"/>
+              <a:defRPr sz="1800" kern="1200">
+                <a:solidFill>
+                  <a:schemeClr val="tx1"/>
+                </a:solidFill>
+                <a:latin typeface="+mn-lt"/>
+                <a:ea typeface="+mn-ea"/>
+                <a:cs typeface="+mn-cs"/>
+              </a:defRPr>
+            </a:lvl5pPr>
+            <a:lvl6pPr marL="2514600" indent="-228600" algn="l" defTabSz="914400" rtl="0" eaLnBrk="1" latinLnBrk="0" hangingPunct="1">
+              <a:lnSpc>
+                <a:spcPct val="90000"/>
+              </a:lnSpc>
+              <a:spcBef>
+                <a:spcPts val="500"/>
+              </a:spcBef>
+              <a:buFont typeface="Arial" panose="020B0604020202020204" pitchFamily="34" charset="0"/>
+              <a:buChar char="•"/>
+              <a:defRPr sz="1800" kern="1200">
+                <a:solidFill>
+                  <a:schemeClr val="tx1"/>
+                </a:solidFill>
+                <a:latin typeface="+mn-lt"/>
+                <a:ea typeface="+mn-ea"/>
+                <a:cs typeface="+mn-cs"/>
+              </a:defRPr>
+            </a:lvl6pPr>
+            <a:lvl7pPr marL="2971800" indent="-228600" algn="l" defTabSz="914400" rtl="0" eaLnBrk="1" latinLnBrk="0" hangingPunct="1">
+              <a:lnSpc>
+                <a:spcPct val="90000"/>
+              </a:lnSpc>
+              <a:spcBef>
+                <a:spcPts val="500"/>
+              </a:spcBef>
+              <a:buFont typeface="Arial" panose="020B0604020202020204" pitchFamily="34" charset="0"/>
+              <a:buChar char="•"/>
+              <a:defRPr sz="1800" kern="1200">
+                <a:solidFill>
+                  <a:schemeClr val="tx1"/>
+                </a:solidFill>
+                <a:latin typeface="+mn-lt"/>
+                <a:ea typeface="+mn-ea"/>
+                <a:cs typeface="+mn-cs"/>
+              </a:defRPr>
+            </a:lvl7pPr>
+            <a:lvl8pPr marL="3429000" indent="-228600" algn="l" defTabSz="914400" rtl="0" eaLnBrk="1" latinLnBrk="0" hangingPunct="1">
+              <a:lnSpc>
+                <a:spcPct val="90000"/>
+              </a:lnSpc>
+              <a:spcBef>
+                <a:spcPts val="500"/>
+              </a:spcBef>
+              <a:buFont typeface="Arial" panose="020B0604020202020204" pitchFamily="34" charset="0"/>
+              <a:buChar char="•"/>
+              <a:defRPr sz="1800" kern="1200">
+                <a:solidFill>
+                  <a:schemeClr val="tx1"/>
+                </a:solidFill>
+                <a:latin typeface="+mn-lt"/>
+                <a:ea typeface="+mn-ea"/>
+                <a:cs typeface="+mn-cs"/>
+              </a:defRPr>
+            </a:lvl8pPr>
+            <a:lvl9pPr marL="3886200" indent="-228600" algn="l" defTabSz="914400" rtl="0" eaLnBrk="1" latinLnBrk="0" hangingPunct="1">
+              <a:lnSpc>
+                <a:spcPct val="90000"/>
+              </a:lnSpc>
+              <a:spcBef>
+                <a:spcPts val="500"/>
+              </a:spcBef>
+              <a:buFont typeface="Arial" panose="020B0604020202020204" pitchFamily="34" charset="0"/>
+              <a:buChar char="•"/>
+              <a:defRPr sz="1800" kern="1200">
+                <a:solidFill>
+                  <a:schemeClr val="tx1"/>
+                </a:solidFill>
+                <a:latin typeface="+mn-lt"/>
+                <a:ea typeface="+mn-ea"/>
+                <a:cs typeface="+mn-cs"/>
+              </a:defRPr>
+            </a:lvl9pPr>
+          </a:lstStyle>
+          <a:p>
+            <a:pPr marL="0" indent="0" algn="ctr">
+              <a:buNone/>
+            </a:pPr>
+            <a:r>
+              <a:rPr lang="pt-BR" sz="3200" dirty="0" err="1" smtClean="0">
+                <a:latin typeface="Aleo" panose="020F0502020204030203" pitchFamily="34" charset="0"/>
+              </a:rPr>
+              <a:t>pt-br</a:t>
+            </a:r>
+            <a:endParaRPr lang="pt-BR" sz="3200" dirty="0" smtClean="0"/>
+          </a:p>
+        </p:txBody>
+      </p:sp>
+    </p:spTree>
+    <p:extLst>
+      <p:ext uri="{BB962C8B-B14F-4D97-AF65-F5344CB8AC3E}">
+        <p14:creationId xmlns:p14="http://schemas.microsoft.com/office/powerpoint/2010/main" val="3843060565"/>
+      </p:ext>
+    </p:extLst>
+  </p:cSld>
+  <p:clrMapOvr>
+    <a:masterClrMapping/>
+  </p:clrMapOvr>
+  <p:timing>
+    <p:tnLst>
+      <p:par>
+        <p:cTn id="1" dur="indefinite" restart="never" nodeType="tmRoot"/>
+      </p:par>
+    </p:tnLst>
+  </p:timing>
+</p:sld>
+</file>
+
+<file path=ppt/slides/slide26.xml><?xml version="1.0" encoding="utf-8"?>
+<p:sld xmlns:a="http://schemas.openxmlformats.org/drawingml/2006/main" xmlns:r="http://schemas.openxmlformats.org/officeDocument/2006/relationships" xmlns:p="http://schemas.openxmlformats.org/presentationml/2006/main">
+  <p:cSld>
+    <p:spTree>
+      <p:nvGrpSpPr>
+        <p:cNvPr id="1" name=""/>
+        <p:cNvGrpSpPr/>
+        <p:nvPr/>
+      </p:nvGrpSpPr>
+      <p:grpSpPr>
+        <a:xfrm>
+          <a:off x="0" y="0"/>
+          <a:ext cx="0" cy="0"/>
+          <a:chOff x="0" y="0"/>
+          <a:chExt cx="0" cy="0"/>
+        </a:xfrm>
+      </p:grpSpPr>
+      <p:sp>
+        <p:nvSpPr>
+          <p:cNvPr id="2" name="Espaço Reservado para Número de Slide 1"/>
+          <p:cNvSpPr>
+            <a:spLocks noGrp="1"/>
+          </p:cNvSpPr>
+          <p:nvPr>
+            <p:ph type="sldNum" sz="quarter" idx="12"/>
+          </p:nvPr>
+        </p:nvSpPr>
+        <p:spPr/>
+        <p:txBody>
+          <a:bodyPr/>
+          <a:lstStyle/>
+          <a:p>
+            <a:fld id="{D20560A7-4BF3-4730-B58B-149A6CD3B197}" type="slidenum">
+              <a:rPr lang="pt-BR" smtClean="0"/>
+              <a:t>26</a:t>
+            </a:fld>
+            <a:endParaRPr lang="pt-BR"/>
+          </a:p>
+        </p:txBody>
+      </p:sp>
+      <p:sp>
+        <p:nvSpPr>
+          <p:cNvPr id="9" name="CaixaDeTexto 8"/>
+          <p:cNvSpPr txBox="1"/>
+          <p:nvPr/>
+        </p:nvSpPr>
+        <p:spPr>
+          <a:xfrm>
+            <a:off x="7633297" y="-627"/>
+            <a:ext cx="1511953" cy="461665"/>
+          </a:xfrm>
+          <a:prstGeom prst="rect">
+            <a:avLst/>
+          </a:prstGeom>
+          <a:solidFill>
+            <a:srgbClr val="187792"/>
+          </a:solidFill>
+        </p:spPr>
+        <p:txBody>
+          <a:bodyPr wrap="none" rtlCol="0">
+            <a:spAutoFit/>
+          </a:bodyPr>
+          <a:lstStyle/>
+          <a:p>
+            <a:pPr algn="r"/>
+            <a:r>
+              <a:rPr lang="pt-BR" sz="2400" dirty="0">
+                <a:solidFill>
+                  <a:schemeClr val="bg1"/>
+                </a:solidFill>
+              </a:rPr>
+              <a:t>  </a:t>
+            </a:r>
+            <a:r>
+              <a:rPr lang="pt-BR" sz="2400" dirty="0" smtClean="0">
+                <a:solidFill>
+                  <a:schemeClr val="bg1"/>
+                </a:solidFill>
+                <a:latin typeface="Aleo" panose="020F0502020204030203" pitchFamily="34" charset="0"/>
+              </a:rPr>
+              <a:t>Solução</a:t>
+            </a:r>
+            <a:r>
+              <a:rPr lang="pt-BR" sz="2400" dirty="0" smtClean="0">
+                <a:solidFill>
+                  <a:schemeClr val="bg1"/>
+                </a:solidFill>
+              </a:rPr>
+              <a:t>  </a:t>
+            </a:r>
+            <a:endParaRPr lang="pt-BR" sz="2400" dirty="0">
+              <a:solidFill>
+                <a:schemeClr val="bg1"/>
+              </a:solidFill>
+            </a:endParaRPr>
+          </a:p>
+        </p:txBody>
+      </p:sp>
+      <p:pic>
+        <p:nvPicPr>
+          <p:cNvPr id="5" name="Imagem 4"/>
+          <p:cNvPicPr>
+            <a:picLocks noChangeAspect="1"/>
+          </p:cNvPicPr>
+          <p:nvPr/>
+        </p:nvPicPr>
+        <p:blipFill>
+          <a:blip r:embed="rId2">
+            <a:extLst>
+              <a:ext uri="{28A0092B-C50C-407E-A947-70E740481C1C}">
+                <a14:useLocalDpi xmlns:a14="http://schemas.microsoft.com/office/drawing/2010/main" val="0"/>
+              </a:ext>
+            </a:extLst>
+          </a:blip>
+          <a:stretch>
+            <a:fillRect/>
+          </a:stretch>
+        </p:blipFill>
+        <p:spPr>
+          <a:xfrm>
+            <a:off x="2286000" y="5906598"/>
+            <a:ext cx="4572000" cy="793562"/>
+          </a:xfrm>
+          <a:prstGeom prst="rect">
+            <a:avLst/>
+          </a:prstGeom>
+        </p:spPr>
+      </p:pic>
+      <p:sp>
+        <p:nvSpPr>
+          <p:cNvPr id="11" name="Espaço Reservado para Conteúdo 2"/>
+          <p:cNvSpPr>
+            <a:spLocks noGrp="1"/>
+          </p:cNvSpPr>
+          <p:nvPr>
+            <p:ph idx="1"/>
+          </p:nvPr>
+        </p:nvSpPr>
+        <p:spPr>
+          <a:xfrm>
+            <a:off x="3467100" y="5820947"/>
+            <a:ext cx="304800" cy="349101"/>
+          </a:xfrm>
+        </p:spPr>
+        <p:txBody>
+          <a:bodyPr>
+            <a:normAutofit/>
+          </a:bodyPr>
+          <a:lstStyle/>
+          <a:p>
+            <a:pPr marL="0" indent="0">
+              <a:buNone/>
+            </a:pPr>
+            <a:r>
+              <a:rPr lang="pt-BR" sz="1800" b="1" dirty="0" smtClean="0">
                 <a:solidFill>
                   <a:srgbClr val="187792"/>
                 </a:solidFill>
                 <a:latin typeface="Aleo" panose="020F0502020204030203" pitchFamily="34" charset="0"/>
               </a:rPr>
-              <a:t>Obrigado!!</a:t>
-            </a:r>
-            <a:endParaRPr lang="pt-BR" dirty="0">
+              <a:t>2</a:t>
+            </a:r>
+            <a:endParaRPr lang="pt-BR" sz="1800" dirty="0">
+              <a:latin typeface="Aleo" panose="020F0502020204030203" pitchFamily="34" charset="0"/>
+            </a:endParaRPr>
+          </a:p>
+          <a:p>
+            <a:pPr marL="0" indent="0">
+              <a:buNone/>
+            </a:pPr>
+            <a:endParaRPr lang="pt-BR" sz="1800" dirty="0">
+              <a:latin typeface="Aleo" panose="020F0502020204030203" pitchFamily="34" charset="0"/>
+            </a:endParaRPr>
+          </a:p>
+        </p:txBody>
+      </p:sp>
+      <p:sp>
+        <p:nvSpPr>
+          <p:cNvPr id="14" name="Espaço Reservado para Conteúdo 2"/>
+          <p:cNvSpPr txBox="1">
+            <a:spLocks/>
+          </p:cNvSpPr>
+          <p:nvPr/>
+        </p:nvSpPr>
+        <p:spPr>
+          <a:xfrm>
+            <a:off x="500739" y="1657497"/>
+            <a:ext cx="7886702" cy="3654731"/>
+          </a:xfrm>
+          <a:prstGeom prst="rect">
+            <a:avLst/>
+          </a:prstGeom>
+        </p:spPr>
+        <p:txBody>
+          <a:bodyPr vert="horz" lIns="91440" tIns="45720" rIns="91440" bIns="45720" rtlCol="0">
+            <a:normAutofit/>
+          </a:bodyPr>
+          <a:lstStyle>
+            <a:lvl1pPr marL="228600" indent="-228600" algn="l" defTabSz="914400" rtl="0" eaLnBrk="1" latinLnBrk="0" hangingPunct="1">
+              <a:lnSpc>
+                <a:spcPct val="90000"/>
+              </a:lnSpc>
+              <a:spcBef>
+                <a:spcPts val="1000"/>
+              </a:spcBef>
+              <a:buFont typeface="Arial" panose="020B0604020202020204" pitchFamily="34" charset="0"/>
+              <a:buChar char="•"/>
+              <a:defRPr sz="2800" kern="1200">
+                <a:solidFill>
+                  <a:schemeClr val="tx1"/>
+                </a:solidFill>
+                <a:latin typeface="+mn-lt"/>
+                <a:ea typeface="+mn-ea"/>
+                <a:cs typeface="+mn-cs"/>
+              </a:defRPr>
+            </a:lvl1pPr>
+            <a:lvl2pPr marL="685800" indent="-228600" algn="l" defTabSz="914400" rtl="0" eaLnBrk="1" latinLnBrk="0" hangingPunct="1">
+              <a:lnSpc>
+                <a:spcPct val="90000"/>
+              </a:lnSpc>
+              <a:spcBef>
+                <a:spcPts val="500"/>
+              </a:spcBef>
+              <a:buFont typeface="Arial" panose="020B0604020202020204" pitchFamily="34" charset="0"/>
+              <a:buChar char="•"/>
+              <a:defRPr sz="2400" kern="1200">
+                <a:solidFill>
+                  <a:schemeClr val="tx1"/>
+                </a:solidFill>
+                <a:latin typeface="+mn-lt"/>
+                <a:ea typeface="+mn-ea"/>
+                <a:cs typeface="+mn-cs"/>
+              </a:defRPr>
+            </a:lvl2pPr>
+            <a:lvl3pPr marL="1143000" indent="-228600" algn="l" defTabSz="914400" rtl="0" eaLnBrk="1" latinLnBrk="0" hangingPunct="1">
+              <a:lnSpc>
+                <a:spcPct val="90000"/>
+              </a:lnSpc>
+              <a:spcBef>
+                <a:spcPts val="500"/>
+              </a:spcBef>
+              <a:buFont typeface="Arial" panose="020B0604020202020204" pitchFamily="34" charset="0"/>
+              <a:buChar char="•"/>
+              <a:defRPr sz="2000" kern="1200">
+                <a:solidFill>
+                  <a:schemeClr val="tx1"/>
+                </a:solidFill>
+                <a:latin typeface="+mn-lt"/>
+                <a:ea typeface="+mn-ea"/>
+                <a:cs typeface="+mn-cs"/>
+              </a:defRPr>
+            </a:lvl3pPr>
+            <a:lvl4pPr marL="1600200" indent="-228600" algn="l" defTabSz="914400" rtl="0" eaLnBrk="1" latinLnBrk="0" hangingPunct="1">
+              <a:lnSpc>
+                <a:spcPct val="90000"/>
+              </a:lnSpc>
+              <a:spcBef>
+                <a:spcPts val="500"/>
+              </a:spcBef>
+              <a:buFont typeface="Arial" panose="020B0604020202020204" pitchFamily="34" charset="0"/>
+              <a:buChar char="•"/>
+              <a:defRPr sz="1800" kern="1200">
+                <a:solidFill>
+                  <a:schemeClr val="tx1"/>
+                </a:solidFill>
+                <a:latin typeface="+mn-lt"/>
+                <a:ea typeface="+mn-ea"/>
+                <a:cs typeface="+mn-cs"/>
+              </a:defRPr>
+            </a:lvl4pPr>
+            <a:lvl5pPr marL="2057400" indent="-228600" algn="l" defTabSz="914400" rtl="0" eaLnBrk="1" latinLnBrk="0" hangingPunct="1">
+              <a:lnSpc>
+                <a:spcPct val="90000"/>
+              </a:lnSpc>
+              <a:spcBef>
+                <a:spcPts val="500"/>
+              </a:spcBef>
+              <a:buFont typeface="Arial" panose="020B0604020202020204" pitchFamily="34" charset="0"/>
+              <a:buChar char="•"/>
+              <a:defRPr sz="1800" kern="1200">
+                <a:solidFill>
+                  <a:schemeClr val="tx1"/>
+                </a:solidFill>
+                <a:latin typeface="+mn-lt"/>
+                <a:ea typeface="+mn-ea"/>
+                <a:cs typeface="+mn-cs"/>
+              </a:defRPr>
+            </a:lvl5pPr>
+            <a:lvl6pPr marL="2514600" indent="-228600" algn="l" defTabSz="914400" rtl="0" eaLnBrk="1" latinLnBrk="0" hangingPunct="1">
+              <a:lnSpc>
+                <a:spcPct val="90000"/>
+              </a:lnSpc>
+              <a:spcBef>
+                <a:spcPts val="500"/>
+              </a:spcBef>
+              <a:buFont typeface="Arial" panose="020B0604020202020204" pitchFamily="34" charset="0"/>
+              <a:buChar char="•"/>
+              <a:defRPr sz="1800" kern="1200">
+                <a:solidFill>
+                  <a:schemeClr val="tx1"/>
+                </a:solidFill>
+                <a:latin typeface="+mn-lt"/>
+                <a:ea typeface="+mn-ea"/>
+                <a:cs typeface="+mn-cs"/>
+              </a:defRPr>
+            </a:lvl6pPr>
+            <a:lvl7pPr marL="2971800" indent="-228600" algn="l" defTabSz="914400" rtl="0" eaLnBrk="1" latinLnBrk="0" hangingPunct="1">
+              <a:lnSpc>
+                <a:spcPct val="90000"/>
+              </a:lnSpc>
+              <a:spcBef>
+                <a:spcPts val="500"/>
+              </a:spcBef>
+              <a:buFont typeface="Arial" panose="020B0604020202020204" pitchFamily="34" charset="0"/>
+              <a:buChar char="•"/>
+              <a:defRPr sz="1800" kern="1200">
+                <a:solidFill>
+                  <a:schemeClr val="tx1"/>
+                </a:solidFill>
+                <a:latin typeface="+mn-lt"/>
+                <a:ea typeface="+mn-ea"/>
+                <a:cs typeface="+mn-cs"/>
+              </a:defRPr>
+            </a:lvl7pPr>
+            <a:lvl8pPr marL="3429000" indent="-228600" algn="l" defTabSz="914400" rtl="0" eaLnBrk="1" latinLnBrk="0" hangingPunct="1">
+              <a:lnSpc>
+                <a:spcPct val="90000"/>
+              </a:lnSpc>
+              <a:spcBef>
+                <a:spcPts val="500"/>
+              </a:spcBef>
+              <a:buFont typeface="Arial" panose="020B0604020202020204" pitchFamily="34" charset="0"/>
+              <a:buChar char="•"/>
+              <a:defRPr sz="1800" kern="1200">
+                <a:solidFill>
+                  <a:schemeClr val="tx1"/>
+                </a:solidFill>
+                <a:latin typeface="+mn-lt"/>
+                <a:ea typeface="+mn-ea"/>
+                <a:cs typeface="+mn-cs"/>
+              </a:defRPr>
+            </a:lvl8pPr>
+            <a:lvl9pPr marL="3886200" indent="-228600" algn="l" defTabSz="914400" rtl="0" eaLnBrk="1" latinLnBrk="0" hangingPunct="1">
+              <a:lnSpc>
+                <a:spcPct val="90000"/>
+              </a:lnSpc>
+              <a:spcBef>
+                <a:spcPts val="500"/>
+              </a:spcBef>
+              <a:buFont typeface="Arial" panose="020B0604020202020204" pitchFamily="34" charset="0"/>
+              <a:buChar char="•"/>
+              <a:defRPr sz="1800" kern="1200">
+                <a:solidFill>
+                  <a:schemeClr val="tx1"/>
+                </a:solidFill>
+                <a:latin typeface="+mn-lt"/>
+                <a:ea typeface="+mn-ea"/>
+                <a:cs typeface="+mn-cs"/>
+              </a:defRPr>
+            </a:lvl9pPr>
+          </a:lstStyle>
+          <a:p>
+            <a:pPr marL="0" indent="0">
+              <a:buFont typeface="Arial" panose="020B0604020202020204" pitchFamily="34" charset="0"/>
+              <a:buNone/>
+            </a:pPr>
+            <a:r>
+              <a:rPr lang="pt-BR" sz="3200" b="1" dirty="0" err="1" smtClean="0">
+                <a:solidFill>
+                  <a:srgbClr val="187792"/>
+                </a:solidFill>
+                <a:latin typeface="Aleo" panose="020F0502020204030203" pitchFamily="34" charset="0"/>
+              </a:rPr>
+              <a:t>Tokenização</a:t>
+            </a:r>
+            <a:endParaRPr lang="pt-BR" sz="3200" b="1" dirty="0" smtClean="0">
               <a:solidFill>
                 <a:srgbClr val="187792"/>
               </a:solidFill>
               <a:latin typeface="Aleo" panose="020F0502020204030203" pitchFamily="34" charset="0"/>
             </a:endParaRPr>
           </a:p>
-        </p:txBody>
-      </p:sp>
-      <p:sp>
-        <p:nvSpPr>
-          <p:cNvPr id="4" name="Espaço Reservado para Número de Slide 3"/>
-          <p:cNvSpPr>
-            <a:spLocks noGrp="1"/>
-          </p:cNvSpPr>
-          <p:nvPr>
-            <p:ph type="sldNum" sz="quarter" idx="12"/>
-          </p:nvPr>
-        </p:nvSpPr>
-        <p:spPr/>
-        <p:txBody>
-          <a:bodyPr/>
-          <a:lstStyle/>
-          <a:p>
-            <a:fld id="{D20560A7-4BF3-4730-B58B-149A6CD3B197}" type="slidenum">
-              <a:rPr lang="pt-BR" smtClean="0"/>
-              <a:t>22</a:t>
-            </a:fld>
-            <a:endParaRPr lang="pt-BR"/>
+          <a:p>
+            <a:pPr marL="0" indent="0">
+              <a:buNone/>
+            </a:pPr>
+            <a:r>
+              <a:rPr lang="pt-BR" sz="3200" dirty="0">
+                <a:latin typeface="Aleo" panose="020F0502020204030203" pitchFamily="34" charset="0"/>
+              </a:rPr>
+              <a:t>Segmenta os textos em </a:t>
+            </a:r>
+            <a:r>
+              <a:rPr lang="pt-BR" sz="3200" dirty="0" smtClean="0">
+                <a:latin typeface="Aleo" panose="020F0502020204030203" pitchFamily="34" charset="0"/>
+              </a:rPr>
+              <a:t>palavras.</a:t>
+            </a:r>
+            <a:r>
+              <a:rPr lang="pt-BR" sz="3200" dirty="0">
+                <a:latin typeface="Aleo" panose="020F0502020204030203" pitchFamily="34" charset="0"/>
+              </a:rPr>
+              <a:t/>
+            </a:r>
+            <a:br>
+              <a:rPr lang="pt-BR" sz="3200" dirty="0">
+                <a:latin typeface="Aleo" panose="020F0502020204030203" pitchFamily="34" charset="0"/>
+              </a:rPr>
+            </a:br>
+            <a:r>
+              <a:rPr lang="pt-BR" sz="3200" dirty="0"/>
+              <a:t/>
+            </a:r>
+            <a:br>
+              <a:rPr lang="pt-BR" sz="3200" dirty="0"/>
+            </a:br>
+            <a:endParaRPr lang="pt-BR" sz="3200" dirty="0">
+              <a:latin typeface="Aleo" panose="020F0502020204030203" pitchFamily="34" charset="0"/>
+            </a:endParaRPr>
           </a:p>
         </p:txBody>
       </p:sp>
     </p:spTree>
     <p:extLst>
       <p:ext uri="{BB962C8B-B14F-4D97-AF65-F5344CB8AC3E}">
-        <p14:creationId xmlns:p14="http://schemas.microsoft.com/office/powerpoint/2010/main" val="1161361182"/>
+        <p14:creationId xmlns:p14="http://schemas.microsoft.com/office/powerpoint/2010/main" val="896970742"/>
+      </p:ext>
+    </p:extLst>
+  </p:cSld>
+  <p:clrMapOvr>
+    <a:masterClrMapping/>
+  </p:clrMapOvr>
+  <p:timing>
+    <p:tnLst>
+      <p:par>
+        <p:cTn id="1" dur="indefinite" restart="never" nodeType="tmRoot"/>
+      </p:par>
+    </p:tnLst>
+  </p:timing>
+</p:sld>
+</file>
+
+<file path=ppt/slides/slide27.xml><?xml version="1.0" encoding="utf-8"?>
+<p:sld xmlns:a="http://schemas.openxmlformats.org/drawingml/2006/main" xmlns:r="http://schemas.openxmlformats.org/officeDocument/2006/relationships" xmlns:p="http://schemas.openxmlformats.org/presentationml/2006/main">
+  <p:cSld>
+    <p:spTree>
+      <p:nvGrpSpPr>
+        <p:cNvPr id="1" name=""/>
+        <p:cNvGrpSpPr/>
+        <p:nvPr/>
+      </p:nvGrpSpPr>
+      <p:grpSpPr>
+        <a:xfrm>
+          <a:off x="0" y="0"/>
+          <a:ext cx="0" cy="0"/>
+          <a:chOff x="0" y="0"/>
+          <a:chExt cx="0" cy="0"/>
+        </a:xfrm>
+      </p:grpSpPr>
+      <p:sp>
+        <p:nvSpPr>
+          <p:cNvPr id="2" name="Espaço Reservado para Número de Slide 1"/>
+          <p:cNvSpPr>
+            <a:spLocks noGrp="1"/>
+          </p:cNvSpPr>
+          <p:nvPr>
+            <p:ph type="sldNum" sz="quarter" idx="12"/>
+          </p:nvPr>
+        </p:nvSpPr>
+        <p:spPr/>
+        <p:txBody>
+          <a:bodyPr/>
+          <a:lstStyle/>
+          <a:p>
+            <a:fld id="{D20560A7-4BF3-4730-B58B-149A6CD3B197}" type="slidenum">
+              <a:rPr lang="pt-BR" smtClean="0"/>
+              <a:t>27</a:t>
+            </a:fld>
+            <a:endParaRPr lang="pt-BR"/>
+          </a:p>
+        </p:txBody>
+      </p:sp>
+      <p:sp>
+        <p:nvSpPr>
+          <p:cNvPr id="9" name="CaixaDeTexto 8"/>
+          <p:cNvSpPr txBox="1"/>
+          <p:nvPr/>
+        </p:nvSpPr>
+        <p:spPr>
+          <a:xfrm>
+            <a:off x="7633297" y="-627"/>
+            <a:ext cx="1511953" cy="461665"/>
+          </a:xfrm>
+          <a:prstGeom prst="rect">
+            <a:avLst/>
+          </a:prstGeom>
+          <a:solidFill>
+            <a:srgbClr val="187792"/>
+          </a:solidFill>
+        </p:spPr>
+        <p:txBody>
+          <a:bodyPr wrap="none" rtlCol="0">
+            <a:spAutoFit/>
+          </a:bodyPr>
+          <a:lstStyle/>
+          <a:p>
+            <a:pPr algn="r"/>
+            <a:r>
+              <a:rPr lang="pt-BR" sz="2400" dirty="0">
+                <a:solidFill>
+                  <a:schemeClr val="bg1"/>
+                </a:solidFill>
+              </a:rPr>
+              <a:t>  </a:t>
+            </a:r>
+            <a:r>
+              <a:rPr lang="pt-BR" sz="2400" dirty="0" smtClean="0">
+                <a:solidFill>
+                  <a:schemeClr val="bg1"/>
+                </a:solidFill>
+                <a:latin typeface="Aleo" panose="020F0502020204030203" pitchFamily="34" charset="0"/>
+              </a:rPr>
+              <a:t>Solução</a:t>
+            </a:r>
+            <a:r>
+              <a:rPr lang="pt-BR" sz="2400" dirty="0" smtClean="0">
+                <a:solidFill>
+                  <a:schemeClr val="bg1"/>
+                </a:solidFill>
+              </a:rPr>
+              <a:t>  </a:t>
+            </a:r>
+            <a:endParaRPr lang="pt-BR" sz="2400" dirty="0">
+              <a:solidFill>
+                <a:schemeClr val="bg1"/>
+              </a:solidFill>
+            </a:endParaRPr>
+          </a:p>
+        </p:txBody>
+      </p:sp>
+      <p:pic>
+        <p:nvPicPr>
+          <p:cNvPr id="5" name="Imagem 4"/>
+          <p:cNvPicPr>
+            <a:picLocks noChangeAspect="1"/>
+          </p:cNvPicPr>
+          <p:nvPr/>
+        </p:nvPicPr>
+        <p:blipFill>
+          <a:blip r:embed="rId2">
+            <a:extLst>
+              <a:ext uri="{28A0092B-C50C-407E-A947-70E740481C1C}">
+                <a14:useLocalDpi xmlns:a14="http://schemas.microsoft.com/office/drawing/2010/main" val="0"/>
+              </a:ext>
+            </a:extLst>
+          </a:blip>
+          <a:stretch>
+            <a:fillRect/>
+          </a:stretch>
+        </p:blipFill>
+        <p:spPr>
+          <a:xfrm>
+            <a:off x="2286000" y="5906598"/>
+            <a:ext cx="4572000" cy="793562"/>
+          </a:xfrm>
+          <a:prstGeom prst="rect">
+            <a:avLst/>
+          </a:prstGeom>
+        </p:spPr>
+      </p:pic>
+      <p:sp>
+        <p:nvSpPr>
+          <p:cNvPr id="14" name="Espaço Reservado para Conteúdo 2"/>
+          <p:cNvSpPr txBox="1">
+            <a:spLocks/>
+          </p:cNvSpPr>
+          <p:nvPr/>
+        </p:nvSpPr>
+        <p:spPr>
+          <a:xfrm>
+            <a:off x="428168" y="1367213"/>
+            <a:ext cx="8280401" cy="1158274"/>
+          </a:xfrm>
+          <a:prstGeom prst="rect">
+            <a:avLst/>
+          </a:prstGeom>
+          <a:effectLst>
+            <a:outerShdw blurRad="50800" dist="38100" dir="2700000" algn="tl" rotWithShape="0">
+              <a:prstClr val="black">
+                <a:alpha val="40000"/>
+              </a:prstClr>
+            </a:outerShdw>
+          </a:effectLst>
+        </p:spPr>
+        <p:style>
+          <a:lnRef idx="2">
+            <a:schemeClr val="dk1"/>
+          </a:lnRef>
+          <a:fillRef idx="1">
+            <a:schemeClr val="lt1"/>
+          </a:fillRef>
+          <a:effectRef idx="0">
+            <a:schemeClr val="dk1"/>
+          </a:effectRef>
+          <a:fontRef idx="minor">
+            <a:schemeClr val="dk1"/>
+          </a:fontRef>
+        </p:style>
+        <p:txBody>
+          <a:bodyPr vert="horz" lIns="91440" tIns="45720" rIns="91440" bIns="45720" rtlCol="0" anchor="ctr">
+            <a:normAutofit/>
+          </a:bodyPr>
+          <a:lstStyle>
+            <a:lvl1pPr marL="228600" indent="-228600" algn="l" defTabSz="914400" rtl="0" eaLnBrk="1" latinLnBrk="0" hangingPunct="1">
+              <a:lnSpc>
+                <a:spcPct val="90000"/>
+              </a:lnSpc>
+              <a:spcBef>
+                <a:spcPts val="1000"/>
+              </a:spcBef>
+              <a:buFont typeface="Arial" panose="020B0604020202020204" pitchFamily="34" charset="0"/>
+              <a:buChar char="•"/>
+              <a:defRPr sz="2800" kern="1200">
+                <a:solidFill>
+                  <a:schemeClr val="tx1"/>
+                </a:solidFill>
+                <a:latin typeface="+mn-lt"/>
+                <a:ea typeface="+mn-ea"/>
+                <a:cs typeface="+mn-cs"/>
+              </a:defRPr>
+            </a:lvl1pPr>
+            <a:lvl2pPr marL="685800" indent="-228600" algn="l" defTabSz="914400" rtl="0" eaLnBrk="1" latinLnBrk="0" hangingPunct="1">
+              <a:lnSpc>
+                <a:spcPct val="90000"/>
+              </a:lnSpc>
+              <a:spcBef>
+                <a:spcPts val="500"/>
+              </a:spcBef>
+              <a:buFont typeface="Arial" panose="020B0604020202020204" pitchFamily="34" charset="0"/>
+              <a:buChar char="•"/>
+              <a:defRPr sz="2400" kern="1200">
+                <a:solidFill>
+                  <a:schemeClr val="tx1"/>
+                </a:solidFill>
+                <a:latin typeface="+mn-lt"/>
+                <a:ea typeface="+mn-ea"/>
+                <a:cs typeface="+mn-cs"/>
+              </a:defRPr>
+            </a:lvl2pPr>
+            <a:lvl3pPr marL="1143000" indent="-228600" algn="l" defTabSz="914400" rtl="0" eaLnBrk="1" latinLnBrk="0" hangingPunct="1">
+              <a:lnSpc>
+                <a:spcPct val="90000"/>
+              </a:lnSpc>
+              <a:spcBef>
+                <a:spcPts val="500"/>
+              </a:spcBef>
+              <a:buFont typeface="Arial" panose="020B0604020202020204" pitchFamily="34" charset="0"/>
+              <a:buChar char="•"/>
+              <a:defRPr sz="2000" kern="1200">
+                <a:solidFill>
+                  <a:schemeClr val="tx1"/>
+                </a:solidFill>
+                <a:latin typeface="+mn-lt"/>
+                <a:ea typeface="+mn-ea"/>
+                <a:cs typeface="+mn-cs"/>
+              </a:defRPr>
+            </a:lvl3pPr>
+            <a:lvl4pPr marL="1600200" indent="-228600" algn="l" defTabSz="914400" rtl="0" eaLnBrk="1" latinLnBrk="0" hangingPunct="1">
+              <a:lnSpc>
+                <a:spcPct val="90000"/>
+              </a:lnSpc>
+              <a:spcBef>
+                <a:spcPts val="500"/>
+              </a:spcBef>
+              <a:buFont typeface="Arial" panose="020B0604020202020204" pitchFamily="34" charset="0"/>
+              <a:buChar char="•"/>
+              <a:defRPr sz="1800" kern="1200">
+                <a:solidFill>
+                  <a:schemeClr val="tx1"/>
+                </a:solidFill>
+                <a:latin typeface="+mn-lt"/>
+                <a:ea typeface="+mn-ea"/>
+                <a:cs typeface="+mn-cs"/>
+              </a:defRPr>
+            </a:lvl4pPr>
+            <a:lvl5pPr marL="2057400" indent="-228600" algn="l" defTabSz="914400" rtl="0" eaLnBrk="1" latinLnBrk="0" hangingPunct="1">
+              <a:lnSpc>
+                <a:spcPct val="90000"/>
+              </a:lnSpc>
+              <a:spcBef>
+                <a:spcPts val="500"/>
+              </a:spcBef>
+              <a:buFont typeface="Arial" panose="020B0604020202020204" pitchFamily="34" charset="0"/>
+              <a:buChar char="•"/>
+              <a:defRPr sz="1800" kern="1200">
+                <a:solidFill>
+                  <a:schemeClr val="tx1"/>
+                </a:solidFill>
+                <a:latin typeface="+mn-lt"/>
+                <a:ea typeface="+mn-ea"/>
+                <a:cs typeface="+mn-cs"/>
+              </a:defRPr>
+            </a:lvl5pPr>
+            <a:lvl6pPr marL="2514600" indent="-228600" algn="l" defTabSz="914400" rtl="0" eaLnBrk="1" latinLnBrk="0" hangingPunct="1">
+              <a:lnSpc>
+                <a:spcPct val="90000"/>
+              </a:lnSpc>
+              <a:spcBef>
+                <a:spcPts val="500"/>
+              </a:spcBef>
+              <a:buFont typeface="Arial" panose="020B0604020202020204" pitchFamily="34" charset="0"/>
+              <a:buChar char="•"/>
+              <a:defRPr sz="1800" kern="1200">
+                <a:solidFill>
+                  <a:schemeClr val="tx1"/>
+                </a:solidFill>
+                <a:latin typeface="+mn-lt"/>
+                <a:ea typeface="+mn-ea"/>
+                <a:cs typeface="+mn-cs"/>
+              </a:defRPr>
+            </a:lvl6pPr>
+            <a:lvl7pPr marL="2971800" indent="-228600" algn="l" defTabSz="914400" rtl="0" eaLnBrk="1" latinLnBrk="0" hangingPunct="1">
+              <a:lnSpc>
+                <a:spcPct val="90000"/>
+              </a:lnSpc>
+              <a:spcBef>
+                <a:spcPts val="500"/>
+              </a:spcBef>
+              <a:buFont typeface="Arial" panose="020B0604020202020204" pitchFamily="34" charset="0"/>
+              <a:buChar char="•"/>
+              <a:defRPr sz="1800" kern="1200">
+                <a:solidFill>
+                  <a:schemeClr val="tx1"/>
+                </a:solidFill>
+                <a:latin typeface="+mn-lt"/>
+                <a:ea typeface="+mn-ea"/>
+                <a:cs typeface="+mn-cs"/>
+              </a:defRPr>
+            </a:lvl7pPr>
+            <a:lvl8pPr marL="3429000" indent="-228600" algn="l" defTabSz="914400" rtl="0" eaLnBrk="1" latinLnBrk="0" hangingPunct="1">
+              <a:lnSpc>
+                <a:spcPct val="90000"/>
+              </a:lnSpc>
+              <a:spcBef>
+                <a:spcPts val="500"/>
+              </a:spcBef>
+              <a:buFont typeface="Arial" panose="020B0604020202020204" pitchFamily="34" charset="0"/>
+              <a:buChar char="•"/>
+              <a:defRPr sz="1800" kern="1200">
+                <a:solidFill>
+                  <a:schemeClr val="tx1"/>
+                </a:solidFill>
+                <a:latin typeface="+mn-lt"/>
+                <a:ea typeface="+mn-ea"/>
+                <a:cs typeface="+mn-cs"/>
+              </a:defRPr>
+            </a:lvl8pPr>
+            <a:lvl9pPr marL="3886200" indent="-228600" algn="l" defTabSz="914400" rtl="0" eaLnBrk="1" latinLnBrk="0" hangingPunct="1">
+              <a:lnSpc>
+                <a:spcPct val="90000"/>
+              </a:lnSpc>
+              <a:spcBef>
+                <a:spcPts val="500"/>
+              </a:spcBef>
+              <a:buFont typeface="Arial" panose="020B0604020202020204" pitchFamily="34" charset="0"/>
+              <a:buChar char="•"/>
+              <a:defRPr sz="1800" kern="1200">
+                <a:solidFill>
+                  <a:schemeClr val="tx1"/>
+                </a:solidFill>
+                <a:latin typeface="+mn-lt"/>
+                <a:ea typeface="+mn-ea"/>
+                <a:cs typeface="+mn-cs"/>
+              </a:defRPr>
+            </a:lvl9pPr>
+          </a:lstStyle>
+          <a:p>
+            <a:pPr marL="0" indent="0">
+              <a:buNone/>
+            </a:pPr>
+            <a:r>
+              <a:rPr lang="pt-BR" sz="2000" dirty="0" smtClean="0"/>
+              <a:t>Capitu</a:t>
+            </a:r>
+            <a:r>
+              <a:rPr lang="pt-BR" sz="2000" dirty="0"/>
+              <a:t>, apesar daqueles olhos que o diabo lhe deu... Você já reparou nos olhos dela? São assim de cigana oblíqua e dissimulada</a:t>
+            </a:r>
+            <a:r>
+              <a:rPr lang="pt-BR" sz="2000" dirty="0" smtClean="0"/>
+              <a:t>.</a:t>
+            </a:r>
+          </a:p>
+        </p:txBody>
+      </p:sp>
+      <p:sp>
+        <p:nvSpPr>
+          <p:cNvPr id="4" name="Seta para baixo 3"/>
+          <p:cNvSpPr/>
+          <p:nvPr/>
+        </p:nvSpPr>
+        <p:spPr>
+          <a:xfrm>
+            <a:off x="4096654" y="2913521"/>
+            <a:ext cx="943428" cy="978408"/>
+          </a:xfrm>
+          <a:prstGeom prst="downArrow">
+            <a:avLst/>
+          </a:prstGeom>
+        </p:spPr>
+        <p:style>
+          <a:lnRef idx="2">
+            <a:schemeClr val="accent1">
+              <a:shade val="50000"/>
+            </a:schemeClr>
+          </a:lnRef>
+          <a:fillRef idx="1">
+            <a:schemeClr val="accent1"/>
+          </a:fillRef>
+          <a:effectRef idx="0">
+            <a:schemeClr val="accent1"/>
+          </a:effectRef>
+          <a:fontRef idx="minor">
+            <a:schemeClr val="lt1"/>
+          </a:fontRef>
+        </p:style>
+        <p:txBody>
+          <a:bodyPr rtlCol="0" anchor="ctr"/>
+          <a:lstStyle/>
+          <a:p>
+            <a:pPr algn="ctr"/>
+            <a:endParaRPr lang="pt-BR"/>
+          </a:p>
+        </p:txBody>
+      </p:sp>
+      <p:sp>
+        <p:nvSpPr>
+          <p:cNvPr id="12" name="Espaço Reservado para Conteúdo 2"/>
+          <p:cNvSpPr txBox="1">
+            <a:spLocks/>
+          </p:cNvSpPr>
+          <p:nvPr/>
+        </p:nvSpPr>
+        <p:spPr>
+          <a:xfrm>
+            <a:off x="420909" y="4146693"/>
+            <a:ext cx="8280401" cy="1158274"/>
+          </a:xfrm>
+          <a:prstGeom prst="rect">
+            <a:avLst/>
+          </a:prstGeom>
+          <a:effectLst>
+            <a:outerShdw blurRad="50800" dist="38100" dir="2700000" algn="tl" rotWithShape="0">
+              <a:prstClr val="black">
+                <a:alpha val="40000"/>
+              </a:prstClr>
+            </a:outerShdw>
+          </a:effectLst>
+        </p:spPr>
+        <p:style>
+          <a:lnRef idx="2">
+            <a:schemeClr val="dk1"/>
+          </a:lnRef>
+          <a:fillRef idx="1">
+            <a:schemeClr val="lt1"/>
+          </a:fillRef>
+          <a:effectRef idx="0">
+            <a:schemeClr val="dk1"/>
+          </a:effectRef>
+          <a:fontRef idx="minor">
+            <a:schemeClr val="dk1"/>
+          </a:fontRef>
+        </p:style>
+        <p:txBody>
+          <a:bodyPr vert="horz" lIns="91440" tIns="45720" rIns="91440" bIns="45720" rtlCol="0" anchor="ctr">
+            <a:normAutofit/>
+          </a:bodyPr>
+          <a:lstStyle>
+            <a:lvl1pPr marL="228600" indent="-228600" algn="l" defTabSz="914400" rtl="0" eaLnBrk="1" latinLnBrk="0" hangingPunct="1">
+              <a:lnSpc>
+                <a:spcPct val="90000"/>
+              </a:lnSpc>
+              <a:spcBef>
+                <a:spcPts val="1000"/>
+              </a:spcBef>
+              <a:buFont typeface="Arial" panose="020B0604020202020204" pitchFamily="34" charset="0"/>
+              <a:buChar char="•"/>
+              <a:defRPr sz="2800" kern="1200">
+                <a:solidFill>
+                  <a:schemeClr val="tx1"/>
+                </a:solidFill>
+                <a:latin typeface="+mn-lt"/>
+                <a:ea typeface="+mn-ea"/>
+                <a:cs typeface="+mn-cs"/>
+              </a:defRPr>
+            </a:lvl1pPr>
+            <a:lvl2pPr marL="685800" indent="-228600" algn="l" defTabSz="914400" rtl="0" eaLnBrk="1" latinLnBrk="0" hangingPunct="1">
+              <a:lnSpc>
+                <a:spcPct val="90000"/>
+              </a:lnSpc>
+              <a:spcBef>
+                <a:spcPts val="500"/>
+              </a:spcBef>
+              <a:buFont typeface="Arial" panose="020B0604020202020204" pitchFamily="34" charset="0"/>
+              <a:buChar char="•"/>
+              <a:defRPr sz="2400" kern="1200">
+                <a:solidFill>
+                  <a:schemeClr val="tx1"/>
+                </a:solidFill>
+                <a:latin typeface="+mn-lt"/>
+                <a:ea typeface="+mn-ea"/>
+                <a:cs typeface="+mn-cs"/>
+              </a:defRPr>
+            </a:lvl2pPr>
+            <a:lvl3pPr marL="1143000" indent="-228600" algn="l" defTabSz="914400" rtl="0" eaLnBrk="1" latinLnBrk="0" hangingPunct="1">
+              <a:lnSpc>
+                <a:spcPct val="90000"/>
+              </a:lnSpc>
+              <a:spcBef>
+                <a:spcPts val="500"/>
+              </a:spcBef>
+              <a:buFont typeface="Arial" panose="020B0604020202020204" pitchFamily="34" charset="0"/>
+              <a:buChar char="•"/>
+              <a:defRPr sz="2000" kern="1200">
+                <a:solidFill>
+                  <a:schemeClr val="tx1"/>
+                </a:solidFill>
+                <a:latin typeface="+mn-lt"/>
+                <a:ea typeface="+mn-ea"/>
+                <a:cs typeface="+mn-cs"/>
+              </a:defRPr>
+            </a:lvl3pPr>
+            <a:lvl4pPr marL="1600200" indent="-228600" algn="l" defTabSz="914400" rtl="0" eaLnBrk="1" latinLnBrk="0" hangingPunct="1">
+              <a:lnSpc>
+                <a:spcPct val="90000"/>
+              </a:lnSpc>
+              <a:spcBef>
+                <a:spcPts val="500"/>
+              </a:spcBef>
+              <a:buFont typeface="Arial" panose="020B0604020202020204" pitchFamily="34" charset="0"/>
+              <a:buChar char="•"/>
+              <a:defRPr sz="1800" kern="1200">
+                <a:solidFill>
+                  <a:schemeClr val="tx1"/>
+                </a:solidFill>
+                <a:latin typeface="+mn-lt"/>
+                <a:ea typeface="+mn-ea"/>
+                <a:cs typeface="+mn-cs"/>
+              </a:defRPr>
+            </a:lvl4pPr>
+            <a:lvl5pPr marL="2057400" indent="-228600" algn="l" defTabSz="914400" rtl="0" eaLnBrk="1" latinLnBrk="0" hangingPunct="1">
+              <a:lnSpc>
+                <a:spcPct val="90000"/>
+              </a:lnSpc>
+              <a:spcBef>
+                <a:spcPts val="500"/>
+              </a:spcBef>
+              <a:buFont typeface="Arial" panose="020B0604020202020204" pitchFamily="34" charset="0"/>
+              <a:buChar char="•"/>
+              <a:defRPr sz="1800" kern="1200">
+                <a:solidFill>
+                  <a:schemeClr val="tx1"/>
+                </a:solidFill>
+                <a:latin typeface="+mn-lt"/>
+                <a:ea typeface="+mn-ea"/>
+                <a:cs typeface="+mn-cs"/>
+              </a:defRPr>
+            </a:lvl5pPr>
+            <a:lvl6pPr marL="2514600" indent="-228600" algn="l" defTabSz="914400" rtl="0" eaLnBrk="1" latinLnBrk="0" hangingPunct="1">
+              <a:lnSpc>
+                <a:spcPct val="90000"/>
+              </a:lnSpc>
+              <a:spcBef>
+                <a:spcPts val="500"/>
+              </a:spcBef>
+              <a:buFont typeface="Arial" panose="020B0604020202020204" pitchFamily="34" charset="0"/>
+              <a:buChar char="•"/>
+              <a:defRPr sz="1800" kern="1200">
+                <a:solidFill>
+                  <a:schemeClr val="tx1"/>
+                </a:solidFill>
+                <a:latin typeface="+mn-lt"/>
+                <a:ea typeface="+mn-ea"/>
+                <a:cs typeface="+mn-cs"/>
+              </a:defRPr>
+            </a:lvl6pPr>
+            <a:lvl7pPr marL="2971800" indent="-228600" algn="l" defTabSz="914400" rtl="0" eaLnBrk="1" latinLnBrk="0" hangingPunct="1">
+              <a:lnSpc>
+                <a:spcPct val="90000"/>
+              </a:lnSpc>
+              <a:spcBef>
+                <a:spcPts val="500"/>
+              </a:spcBef>
+              <a:buFont typeface="Arial" panose="020B0604020202020204" pitchFamily="34" charset="0"/>
+              <a:buChar char="•"/>
+              <a:defRPr sz="1800" kern="1200">
+                <a:solidFill>
+                  <a:schemeClr val="tx1"/>
+                </a:solidFill>
+                <a:latin typeface="+mn-lt"/>
+                <a:ea typeface="+mn-ea"/>
+                <a:cs typeface="+mn-cs"/>
+              </a:defRPr>
+            </a:lvl7pPr>
+            <a:lvl8pPr marL="3429000" indent="-228600" algn="l" defTabSz="914400" rtl="0" eaLnBrk="1" latinLnBrk="0" hangingPunct="1">
+              <a:lnSpc>
+                <a:spcPct val="90000"/>
+              </a:lnSpc>
+              <a:spcBef>
+                <a:spcPts val="500"/>
+              </a:spcBef>
+              <a:buFont typeface="Arial" panose="020B0604020202020204" pitchFamily="34" charset="0"/>
+              <a:buChar char="•"/>
+              <a:defRPr sz="1800" kern="1200">
+                <a:solidFill>
+                  <a:schemeClr val="tx1"/>
+                </a:solidFill>
+                <a:latin typeface="+mn-lt"/>
+                <a:ea typeface="+mn-ea"/>
+                <a:cs typeface="+mn-cs"/>
+              </a:defRPr>
+            </a:lvl8pPr>
+            <a:lvl9pPr marL="3886200" indent="-228600" algn="l" defTabSz="914400" rtl="0" eaLnBrk="1" latinLnBrk="0" hangingPunct="1">
+              <a:lnSpc>
+                <a:spcPct val="90000"/>
+              </a:lnSpc>
+              <a:spcBef>
+                <a:spcPts val="500"/>
+              </a:spcBef>
+              <a:buFont typeface="Arial" panose="020B0604020202020204" pitchFamily="34" charset="0"/>
+              <a:buChar char="•"/>
+              <a:defRPr sz="1800" kern="1200">
+                <a:solidFill>
+                  <a:schemeClr val="tx1"/>
+                </a:solidFill>
+                <a:latin typeface="+mn-lt"/>
+                <a:ea typeface="+mn-ea"/>
+                <a:cs typeface="+mn-cs"/>
+              </a:defRPr>
+            </a:lvl9pPr>
+          </a:lstStyle>
+          <a:p>
+            <a:pPr marL="0" indent="0">
+              <a:buNone/>
+            </a:pPr>
+            <a:r>
+              <a:rPr lang="pt-BR" sz="2000" dirty="0"/>
+              <a:t>Capitu / , / apesar / daqueles / olhos / que / o / diabo / lhe / deu / ... / Você / já / reparou / nos / olhos / dela / ? / São / assim / de / cigana / oblíqua / e / dissimulada / </a:t>
+            </a:r>
+            <a:r>
+              <a:rPr lang="pt-BR" sz="2000" dirty="0" smtClean="0"/>
+              <a:t>. /</a:t>
+            </a:r>
+          </a:p>
+        </p:txBody>
+      </p:sp>
+      <p:sp>
+        <p:nvSpPr>
+          <p:cNvPr id="13" name="Espaço Reservado para Conteúdo 2"/>
+          <p:cNvSpPr txBox="1">
+            <a:spLocks/>
+          </p:cNvSpPr>
+          <p:nvPr/>
+        </p:nvSpPr>
+        <p:spPr>
+          <a:xfrm>
+            <a:off x="3467100" y="5820947"/>
+            <a:ext cx="304800" cy="349101"/>
+          </a:xfrm>
+          <a:prstGeom prst="rect">
+            <a:avLst/>
+          </a:prstGeom>
+        </p:spPr>
+        <p:txBody>
+          <a:bodyPr vert="horz" lIns="91440" tIns="45720" rIns="91440" bIns="45720" rtlCol="0">
+            <a:normAutofit/>
+          </a:bodyPr>
+          <a:lstStyle>
+            <a:lvl1pPr marL="228600" indent="-228600" algn="l" defTabSz="914400" rtl="0" eaLnBrk="1" latinLnBrk="0" hangingPunct="1">
+              <a:lnSpc>
+                <a:spcPct val="90000"/>
+              </a:lnSpc>
+              <a:spcBef>
+                <a:spcPts val="1000"/>
+              </a:spcBef>
+              <a:buFont typeface="Arial" panose="020B0604020202020204" pitchFamily="34" charset="0"/>
+              <a:buChar char="•"/>
+              <a:defRPr sz="2800" kern="1200">
+                <a:solidFill>
+                  <a:schemeClr val="tx1"/>
+                </a:solidFill>
+                <a:latin typeface="+mn-lt"/>
+                <a:ea typeface="+mn-ea"/>
+                <a:cs typeface="+mn-cs"/>
+              </a:defRPr>
+            </a:lvl1pPr>
+            <a:lvl2pPr marL="685800" indent="-228600" algn="l" defTabSz="914400" rtl="0" eaLnBrk="1" latinLnBrk="0" hangingPunct="1">
+              <a:lnSpc>
+                <a:spcPct val="90000"/>
+              </a:lnSpc>
+              <a:spcBef>
+                <a:spcPts val="500"/>
+              </a:spcBef>
+              <a:buFont typeface="Arial" panose="020B0604020202020204" pitchFamily="34" charset="0"/>
+              <a:buChar char="•"/>
+              <a:defRPr sz="2400" kern="1200">
+                <a:solidFill>
+                  <a:schemeClr val="tx1"/>
+                </a:solidFill>
+                <a:latin typeface="+mn-lt"/>
+                <a:ea typeface="+mn-ea"/>
+                <a:cs typeface="+mn-cs"/>
+              </a:defRPr>
+            </a:lvl2pPr>
+            <a:lvl3pPr marL="1143000" indent="-228600" algn="l" defTabSz="914400" rtl="0" eaLnBrk="1" latinLnBrk="0" hangingPunct="1">
+              <a:lnSpc>
+                <a:spcPct val="90000"/>
+              </a:lnSpc>
+              <a:spcBef>
+                <a:spcPts val="500"/>
+              </a:spcBef>
+              <a:buFont typeface="Arial" panose="020B0604020202020204" pitchFamily="34" charset="0"/>
+              <a:buChar char="•"/>
+              <a:defRPr sz="2000" kern="1200">
+                <a:solidFill>
+                  <a:schemeClr val="tx1"/>
+                </a:solidFill>
+                <a:latin typeface="+mn-lt"/>
+                <a:ea typeface="+mn-ea"/>
+                <a:cs typeface="+mn-cs"/>
+              </a:defRPr>
+            </a:lvl3pPr>
+            <a:lvl4pPr marL="1600200" indent="-228600" algn="l" defTabSz="914400" rtl="0" eaLnBrk="1" latinLnBrk="0" hangingPunct="1">
+              <a:lnSpc>
+                <a:spcPct val="90000"/>
+              </a:lnSpc>
+              <a:spcBef>
+                <a:spcPts val="500"/>
+              </a:spcBef>
+              <a:buFont typeface="Arial" panose="020B0604020202020204" pitchFamily="34" charset="0"/>
+              <a:buChar char="•"/>
+              <a:defRPr sz="1800" kern="1200">
+                <a:solidFill>
+                  <a:schemeClr val="tx1"/>
+                </a:solidFill>
+                <a:latin typeface="+mn-lt"/>
+                <a:ea typeface="+mn-ea"/>
+                <a:cs typeface="+mn-cs"/>
+              </a:defRPr>
+            </a:lvl4pPr>
+            <a:lvl5pPr marL="2057400" indent="-228600" algn="l" defTabSz="914400" rtl="0" eaLnBrk="1" latinLnBrk="0" hangingPunct="1">
+              <a:lnSpc>
+                <a:spcPct val="90000"/>
+              </a:lnSpc>
+              <a:spcBef>
+                <a:spcPts val="500"/>
+              </a:spcBef>
+              <a:buFont typeface="Arial" panose="020B0604020202020204" pitchFamily="34" charset="0"/>
+              <a:buChar char="•"/>
+              <a:defRPr sz="1800" kern="1200">
+                <a:solidFill>
+                  <a:schemeClr val="tx1"/>
+                </a:solidFill>
+                <a:latin typeface="+mn-lt"/>
+                <a:ea typeface="+mn-ea"/>
+                <a:cs typeface="+mn-cs"/>
+              </a:defRPr>
+            </a:lvl5pPr>
+            <a:lvl6pPr marL="2514600" indent="-228600" algn="l" defTabSz="914400" rtl="0" eaLnBrk="1" latinLnBrk="0" hangingPunct="1">
+              <a:lnSpc>
+                <a:spcPct val="90000"/>
+              </a:lnSpc>
+              <a:spcBef>
+                <a:spcPts val="500"/>
+              </a:spcBef>
+              <a:buFont typeface="Arial" panose="020B0604020202020204" pitchFamily="34" charset="0"/>
+              <a:buChar char="•"/>
+              <a:defRPr sz="1800" kern="1200">
+                <a:solidFill>
+                  <a:schemeClr val="tx1"/>
+                </a:solidFill>
+                <a:latin typeface="+mn-lt"/>
+                <a:ea typeface="+mn-ea"/>
+                <a:cs typeface="+mn-cs"/>
+              </a:defRPr>
+            </a:lvl6pPr>
+            <a:lvl7pPr marL="2971800" indent="-228600" algn="l" defTabSz="914400" rtl="0" eaLnBrk="1" latinLnBrk="0" hangingPunct="1">
+              <a:lnSpc>
+                <a:spcPct val="90000"/>
+              </a:lnSpc>
+              <a:spcBef>
+                <a:spcPts val="500"/>
+              </a:spcBef>
+              <a:buFont typeface="Arial" panose="020B0604020202020204" pitchFamily="34" charset="0"/>
+              <a:buChar char="•"/>
+              <a:defRPr sz="1800" kern="1200">
+                <a:solidFill>
+                  <a:schemeClr val="tx1"/>
+                </a:solidFill>
+                <a:latin typeface="+mn-lt"/>
+                <a:ea typeface="+mn-ea"/>
+                <a:cs typeface="+mn-cs"/>
+              </a:defRPr>
+            </a:lvl7pPr>
+            <a:lvl8pPr marL="3429000" indent="-228600" algn="l" defTabSz="914400" rtl="0" eaLnBrk="1" latinLnBrk="0" hangingPunct="1">
+              <a:lnSpc>
+                <a:spcPct val="90000"/>
+              </a:lnSpc>
+              <a:spcBef>
+                <a:spcPts val="500"/>
+              </a:spcBef>
+              <a:buFont typeface="Arial" panose="020B0604020202020204" pitchFamily="34" charset="0"/>
+              <a:buChar char="•"/>
+              <a:defRPr sz="1800" kern="1200">
+                <a:solidFill>
+                  <a:schemeClr val="tx1"/>
+                </a:solidFill>
+                <a:latin typeface="+mn-lt"/>
+                <a:ea typeface="+mn-ea"/>
+                <a:cs typeface="+mn-cs"/>
+              </a:defRPr>
+            </a:lvl8pPr>
+            <a:lvl9pPr marL="3886200" indent="-228600" algn="l" defTabSz="914400" rtl="0" eaLnBrk="1" latinLnBrk="0" hangingPunct="1">
+              <a:lnSpc>
+                <a:spcPct val="90000"/>
+              </a:lnSpc>
+              <a:spcBef>
+                <a:spcPts val="500"/>
+              </a:spcBef>
+              <a:buFont typeface="Arial" panose="020B0604020202020204" pitchFamily="34" charset="0"/>
+              <a:buChar char="•"/>
+              <a:defRPr sz="1800" kern="1200">
+                <a:solidFill>
+                  <a:schemeClr val="tx1"/>
+                </a:solidFill>
+                <a:latin typeface="+mn-lt"/>
+                <a:ea typeface="+mn-ea"/>
+                <a:cs typeface="+mn-cs"/>
+              </a:defRPr>
+            </a:lvl9pPr>
+          </a:lstStyle>
+          <a:p>
+            <a:pPr marL="0" indent="0">
+              <a:buFont typeface="Arial" panose="020B0604020202020204" pitchFamily="34" charset="0"/>
+              <a:buNone/>
+            </a:pPr>
+            <a:r>
+              <a:rPr lang="pt-BR" sz="1800" b="1" smtClean="0">
+                <a:solidFill>
+                  <a:srgbClr val="187792"/>
+                </a:solidFill>
+                <a:latin typeface="Aleo" panose="020F0502020204030203" pitchFamily="34" charset="0"/>
+              </a:rPr>
+              <a:t>2</a:t>
+            </a:r>
+            <a:endParaRPr lang="pt-BR" sz="1800" smtClean="0">
+              <a:latin typeface="Aleo" panose="020F0502020204030203" pitchFamily="34" charset="0"/>
+            </a:endParaRPr>
+          </a:p>
+          <a:p>
+            <a:pPr marL="0" indent="0">
+              <a:buFont typeface="Arial" panose="020B0604020202020204" pitchFamily="34" charset="0"/>
+              <a:buNone/>
+            </a:pPr>
+            <a:endParaRPr lang="pt-BR" sz="1800" dirty="0">
+              <a:latin typeface="Aleo" panose="020F0502020204030203" pitchFamily="34" charset="0"/>
+            </a:endParaRPr>
+          </a:p>
+        </p:txBody>
+      </p:sp>
+    </p:spTree>
+    <p:extLst>
+      <p:ext uri="{BB962C8B-B14F-4D97-AF65-F5344CB8AC3E}">
+        <p14:creationId xmlns:p14="http://schemas.microsoft.com/office/powerpoint/2010/main" val="3926089106"/>
+      </p:ext>
+    </p:extLst>
+  </p:cSld>
+  <p:clrMapOvr>
+    <a:masterClrMapping/>
+  </p:clrMapOvr>
+  <p:timing>
+    <p:tnLst>
+      <p:par>
+        <p:cTn id="1" dur="indefinite" restart="never" nodeType="tmRoot"/>
+      </p:par>
+    </p:tnLst>
+  </p:timing>
+</p:sld>
+</file>
+
+<file path=ppt/slides/slide28.xml><?xml version="1.0" encoding="utf-8"?>
+<p:sld xmlns:a="http://schemas.openxmlformats.org/drawingml/2006/main" xmlns:r="http://schemas.openxmlformats.org/officeDocument/2006/relationships" xmlns:p="http://schemas.openxmlformats.org/presentationml/2006/main">
+  <p:cSld>
+    <p:spTree>
+      <p:nvGrpSpPr>
+        <p:cNvPr id="1" name=""/>
+        <p:cNvGrpSpPr/>
+        <p:nvPr/>
+      </p:nvGrpSpPr>
+      <p:grpSpPr>
+        <a:xfrm>
+          <a:off x="0" y="0"/>
+          <a:ext cx="0" cy="0"/>
+          <a:chOff x="0" y="0"/>
+          <a:chExt cx="0" cy="0"/>
+        </a:xfrm>
+      </p:grpSpPr>
+      <p:sp>
+        <p:nvSpPr>
+          <p:cNvPr id="2" name="Espaço Reservado para Número de Slide 1"/>
+          <p:cNvSpPr>
+            <a:spLocks noGrp="1"/>
+          </p:cNvSpPr>
+          <p:nvPr>
+            <p:ph type="sldNum" sz="quarter" idx="12"/>
+          </p:nvPr>
+        </p:nvSpPr>
+        <p:spPr/>
+        <p:txBody>
+          <a:bodyPr/>
+          <a:lstStyle/>
+          <a:p>
+            <a:fld id="{D20560A7-4BF3-4730-B58B-149A6CD3B197}" type="slidenum">
+              <a:rPr lang="pt-BR" smtClean="0"/>
+              <a:t>28</a:t>
+            </a:fld>
+            <a:endParaRPr lang="pt-BR"/>
+          </a:p>
+        </p:txBody>
+      </p:sp>
+      <p:sp>
+        <p:nvSpPr>
+          <p:cNvPr id="9" name="CaixaDeTexto 8"/>
+          <p:cNvSpPr txBox="1"/>
+          <p:nvPr/>
+        </p:nvSpPr>
+        <p:spPr>
+          <a:xfrm>
+            <a:off x="7633297" y="-627"/>
+            <a:ext cx="1511953" cy="461665"/>
+          </a:xfrm>
+          <a:prstGeom prst="rect">
+            <a:avLst/>
+          </a:prstGeom>
+          <a:solidFill>
+            <a:srgbClr val="187792"/>
+          </a:solidFill>
+        </p:spPr>
+        <p:txBody>
+          <a:bodyPr wrap="none" rtlCol="0">
+            <a:spAutoFit/>
+          </a:bodyPr>
+          <a:lstStyle/>
+          <a:p>
+            <a:pPr algn="r"/>
+            <a:r>
+              <a:rPr lang="pt-BR" sz="2400" dirty="0">
+                <a:solidFill>
+                  <a:schemeClr val="bg1"/>
+                </a:solidFill>
+              </a:rPr>
+              <a:t>  </a:t>
+            </a:r>
+            <a:r>
+              <a:rPr lang="pt-BR" sz="2400" dirty="0" smtClean="0">
+                <a:solidFill>
+                  <a:schemeClr val="bg1"/>
+                </a:solidFill>
+                <a:latin typeface="Aleo" panose="020F0502020204030203" pitchFamily="34" charset="0"/>
+              </a:rPr>
+              <a:t>Solução</a:t>
+            </a:r>
+            <a:r>
+              <a:rPr lang="pt-BR" sz="2400" dirty="0" smtClean="0">
+                <a:solidFill>
+                  <a:schemeClr val="bg1"/>
+                </a:solidFill>
+              </a:rPr>
+              <a:t>  </a:t>
+            </a:r>
+            <a:endParaRPr lang="pt-BR" sz="2400" dirty="0">
+              <a:solidFill>
+                <a:schemeClr val="bg1"/>
+              </a:solidFill>
+            </a:endParaRPr>
+          </a:p>
+        </p:txBody>
+      </p:sp>
+      <p:pic>
+        <p:nvPicPr>
+          <p:cNvPr id="5" name="Imagem 4"/>
+          <p:cNvPicPr>
+            <a:picLocks noChangeAspect="1"/>
+          </p:cNvPicPr>
+          <p:nvPr/>
+        </p:nvPicPr>
+        <p:blipFill>
+          <a:blip r:embed="rId2">
+            <a:extLst>
+              <a:ext uri="{28A0092B-C50C-407E-A947-70E740481C1C}">
+                <a14:useLocalDpi xmlns:a14="http://schemas.microsoft.com/office/drawing/2010/main" val="0"/>
+              </a:ext>
+            </a:extLst>
+          </a:blip>
+          <a:stretch>
+            <a:fillRect/>
+          </a:stretch>
+        </p:blipFill>
+        <p:spPr>
+          <a:xfrm>
+            <a:off x="2286000" y="5906598"/>
+            <a:ext cx="4572000" cy="793562"/>
+          </a:xfrm>
+          <a:prstGeom prst="rect">
+            <a:avLst/>
+          </a:prstGeom>
+        </p:spPr>
+      </p:pic>
+      <p:sp>
+        <p:nvSpPr>
+          <p:cNvPr id="11" name="Espaço Reservado para Conteúdo 2"/>
+          <p:cNvSpPr>
+            <a:spLocks noGrp="1"/>
+          </p:cNvSpPr>
+          <p:nvPr>
+            <p:ph idx="1"/>
+          </p:nvPr>
+        </p:nvSpPr>
+        <p:spPr>
+          <a:xfrm>
+            <a:off x="4432300" y="5820947"/>
+            <a:ext cx="304800" cy="349101"/>
+          </a:xfrm>
+        </p:spPr>
+        <p:txBody>
+          <a:bodyPr>
+            <a:normAutofit/>
+          </a:bodyPr>
+          <a:lstStyle/>
+          <a:p>
+            <a:pPr marL="0" indent="0">
+              <a:buNone/>
+            </a:pPr>
+            <a:r>
+              <a:rPr lang="pt-BR" sz="1800" b="1" dirty="0" smtClean="0">
+                <a:solidFill>
+                  <a:srgbClr val="187792"/>
+                </a:solidFill>
+                <a:latin typeface="Aleo" panose="020F0502020204030203" pitchFamily="34" charset="0"/>
+              </a:rPr>
+              <a:t>3</a:t>
+            </a:r>
+            <a:endParaRPr lang="pt-BR" sz="1800" dirty="0">
+              <a:latin typeface="Aleo" panose="020F0502020204030203" pitchFamily="34" charset="0"/>
+            </a:endParaRPr>
+          </a:p>
+          <a:p>
+            <a:pPr marL="0" indent="0">
+              <a:buNone/>
+            </a:pPr>
+            <a:endParaRPr lang="pt-BR" sz="1800" dirty="0">
+              <a:latin typeface="Aleo" panose="020F0502020204030203" pitchFamily="34" charset="0"/>
+            </a:endParaRPr>
+          </a:p>
+        </p:txBody>
+      </p:sp>
+      <p:sp>
+        <p:nvSpPr>
+          <p:cNvPr id="14" name="Espaço Reservado para Conteúdo 2"/>
+          <p:cNvSpPr txBox="1">
+            <a:spLocks/>
+          </p:cNvSpPr>
+          <p:nvPr/>
+        </p:nvSpPr>
+        <p:spPr>
+          <a:xfrm>
+            <a:off x="631824" y="3930381"/>
+            <a:ext cx="8091261" cy="1438502"/>
+          </a:xfrm>
+          <a:prstGeom prst="rect">
+            <a:avLst/>
+          </a:prstGeom>
+        </p:spPr>
+        <p:txBody>
+          <a:bodyPr vert="horz" lIns="91440" tIns="45720" rIns="91440" bIns="45720" rtlCol="0">
+            <a:normAutofit/>
+          </a:bodyPr>
+          <a:lstStyle>
+            <a:lvl1pPr marL="228600" indent="-228600" algn="l" defTabSz="914400" rtl="0" eaLnBrk="1" latinLnBrk="0" hangingPunct="1">
+              <a:lnSpc>
+                <a:spcPct val="90000"/>
+              </a:lnSpc>
+              <a:spcBef>
+                <a:spcPts val="1000"/>
+              </a:spcBef>
+              <a:buFont typeface="Arial" panose="020B0604020202020204" pitchFamily="34" charset="0"/>
+              <a:buChar char="•"/>
+              <a:defRPr sz="2800" kern="1200">
+                <a:solidFill>
+                  <a:schemeClr val="tx1"/>
+                </a:solidFill>
+                <a:latin typeface="+mn-lt"/>
+                <a:ea typeface="+mn-ea"/>
+                <a:cs typeface="+mn-cs"/>
+              </a:defRPr>
+            </a:lvl1pPr>
+            <a:lvl2pPr marL="685800" indent="-228600" algn="l" defTabSz="914400" rtl="0" eaLnBrk="1" latinLnBrk="0" hangingPunct="1">
+              <a:lnSpc>
+                <a:spcPct val="90000"/>
+              </a:lnSpc>
+              <a:spcBef>
+                <a:spcPts val="500"/>
+              </a:spcBef>
+              <a:buFont typeface="Arial" panose="020B0604020202020204" pitchFamily="34" charset="0"/>
+              <a:buChar char="•"/>
+              <a:defRPr sz="2400" kern="1200">
+                <a:solidFill>
+                  <a:schemeClr val="tx1"/>
+                </a:solidFill>
+                <a:latin typeface="+mn-lt"/>
+                <a:ea typeface="+mn-ea"/>
+                <a:cs typeface="+mn-cs"/>
+              </a:defRPr>
+            </a:lvl2pPr>
+            <a:lvl3pPr marL="1143000" indent="-228600" algn="l" defTabSz="914400" rtl="0" eaLnBrk="1" latinLnBrk="0" hangingPunct="1">
+              <a:lnSpc>
+                <a:spcPct val="90000"/>
+              </a:lnSpc>
+              <a:spcBef>
+                <a:spcPts val="500"/>
+              </a:spcBef>
+              <a:buFont typeface="Arial" panose="020B0604020202020204" pitchFamily="34" charset="0"/>
+              <a:buChar char="•"/>
+              <a:defRPr sz="2000" kern="1200">
+                <a:solidFill>
+                  <a:schemeClr val="tx1"/>
+                </a:solidFill>
+                <a:latin typeface="+mn-lt"/>
+                <a:ea typeface="+mn-ea"/>
+                <a:cs typeface="+mn-cs"/>
+              </a:defRPr>
+            </a:lvl3pPr>
+            <a:lvl4pPr marL="1600200" indent="-228600" algn="l" defTabSz="914400" rtl="0" eaLnBrk="1" latinLnBrk="0" hangingPunct="1">
+              <a:lnSpc>
+                <a:spcPct val="90000"/>
+              </a:lnSpc>
+              <a:spcBef>
+                <a:spcPts val="500"/>
+              </a:spcBef>
+              <a:buFont typeface="Arial" panose="020B0604020202020204" pitchFamily="34" charset="0"/>
+              <a:buChar char="•"/>
+              <a:defRPr sz="1800" kern="1200">
+                <a:solidFill>
+                  <a:schemeClr val="tx1"/>
+                </a:solidFill>
+                <a:latin typeface="+mn-lt"/>
+                <a:ea typeface="+mn-ea"/>
+                <a:cs typeface="+mn-cs"/>
+              </a:defRPr>
+            </a:lvl4pPr>
+            <a:lvl5pPr marL="2057400" indent="-228600" algn="l" defTabSz="914400" rtl="0" eaLnBrk="1" latinLnBrk="0" hangingPunct="1">
+              <a:lnSpc>
+                <a:spcPct val="90000"/>
+              </a:lnSpc>
+              <a:spcBef>
+                <a:spcPts val="500"/>
+              </a:spcBef>
+              <a:buFont typeface="Arial" panose="020B0604020202020204" pitchFamily="34" charset="0"/>
+              <a:buChar char="•"/>
+              <a:defRPr sz="1800" kern="1200">
+                <a:solidFill>
+                  <a:schemeClr val="tx1"/>
+                </a:solidFill>
+                <a:latin typeface="+mn-lt"/>
+                <a:ea typeface="+mn-ea"/>
+                <a:cs typeface="+mn-cs"/>
+              </a:defRPr>
+            </a:lvl5pPr>
+            <a:lvl6pPr marL="2514600" indent="-228600" algn="l" defTabSz="914400" rtl="0" eaLnBrk="1" latinLnBrk="0" hangingPunct="1">
+              <a:lnSpc>
+                <a:spcPct val="90000"/>
+              </a:lnSpc>
+              <a:spcBef>
+                <a:spcPts val="500"/>
+              </a:spcBef>
+              <a:buFont typeface="Arial" panose="020B0604020202020204" pitchFamily="34" charset="0"/>
+              <a:buChar char="•"/>
+              <a:defRPr sz="1800" kern="1200">
+                <a:solidFill>
+                  <a:schemeClr val="tx1"/>
+                </a:solidFill>
+                <a:latin typeface="+mn-lt"/>
+                <a:ea typeface="+mn-ea"/>
+                <a:cs typeface="+mn-cs"/>
+              </a:defRPr>
+            </a:lvl6pPr>
+            <a:lvl7pPr marL="2971800" indent="-228600" algn="l" defTabSz="914400" rtl="0" eaLnBrk="1" latinLnBrk="0" hangingPunct="1">
+              <a:lnSpc>
+                <a:spcPct val="90000"/>
+              </a:lnSpc>
+              <a:spcBef>
+                <a:spcPts val="500"/>
+              </a:spcBef>
+              <a:buFont typeface="Arial" panose="020B0604020202020204" pitchFamily="34" charset="0"/>
+              <a:buChar char="•"/>
+              <a:defRPr sz="1800" kern="1200">
+                <a:solidFill>
+                  <a:schemeClr val="tx1"/>
+                </a:solidFill>
+                <a:latin typeface="+mn-lt"/>
+                <a:ea typeface="+mn-ea"/>
+                <a:cs typeface="+mn-cs"/>
+              </a:defRPr>
+            </a:lvl7pPr>
+            <a:lvl8pPr marL="3429000" indent="-228600" algn="l" defTabSz="914400" rtl="0" eaLnBrk="1" latinLnBrk="0" hangingPunct="1">
+              <a:lnSpc>
+                <a:spcPct val="90000"/>
+              </a:lnSpc>
+              <a:spcBef>
+                <a:spcPts val="500"/>
+              </a:spcBef>
+              <a:buFont typeface="Arial" panose="020B0604020202020204" pitchFamily="34" charset="0"/>
+              <a:buChar char="•"/>
+              <a:defRPr sz="1800" kern="1200">
+                <a:solidFill>
+                  <a:schemeClr val="tx1"/>
+                </a:solidFill>
+                <a:latin typeface="+mn-lt"/>
+                <a:ea typeface="+mn-ea"/>
+                <a:cs typeface="+mn-cs"/>
+              </a:defRPr>
+            </a:lvl8pPr>
+            <a:lvl9pPr marL="3886200" indent="-228600" algn="l" defTabSz="914400" rtl="0" eaLnBrk="1" latinLnBrk="0" hangingPunct="1">
+              <a:lnSpc>
+                <a:spcPct val="90000"/>
+              </a:lnSpc>
+              <a:spcBef>
+                <a:spcPts val="500"/>
+              </a:spcBef>
+              <a:buFont typeface="Arial" panose="020B0604020202020204" pitchFamily="34" charset="0"/>
+              <a:buChar char="•"/>
+              <a:defRPr sz="1800" kern="1200">
+                <a:solidFill>
+                  <a:schemeClr val="tx1"/>
+                </a:solidFill>
+                <a:latin typeface="+mn-lt"/>
+                <a:ea typeface="+mn-ea"/>
+                <a:cs typeface="+mn-cs"/>
+              </a:defRPr>
+            </a:lvl9pPr>
+          </a:lstStyle>
+          <a:p>
+            <a:pPr marL="0" indent="0">
+              <a:buFont typeface="Arial" panose="020B0604020202020204" pitchFamily="34" charset="0"/>
+              <a:buNone/>
+            </a:pPr>
+            <a:r>
+              <a:rPr lang="pt-BR" sz="3200" b="1" dirty="0" smtClean="0">
+                <a:latin typeface="Aleo" panose="020F0502020204030203" pitchFamily="34" charset="0"/>
+              </a:rPr>
+              <a:t>Exemplos: </a:t>
+            </a:r>
+            <a:r>
+              <a:rPr lang="pt-BR" sz="3200" dirty="0" smtClean="0">
+                <a:latin typeface="Aleo" panose="020F0502020204030203" pitchFamily="34" charset="0"/>
+              </a:rPr>
+              <a:t>Artigos, preposições e marcações gráficas.</a:t>
+            </a:r>
+          </a:p>
+        </p:txBody>
+      </p:sp>
+      <p:sp>
+        <p:nvSpPr>
+          <p:cNvPr id="8" name="Espaço Reservado para Conteúdo 2"/>
+          <p:cNvSpPr txBox="1">
+            <a:spLocks/>
+          </p:cNvSpPr>
+          <p:nvPr/>
+        </p:nvSpPr>
+        <p:spPr>
+          <a:xfrm>
+            <a:off x="507999" y="1664758"/>
+            <a:ext cx="7886702" cy="2877004"/>
+          </a:xfrm>
+          <a:prstGeom prst="rect">
+            <a:avLst/>
+          </a:prstGeom>
+        </p:spPr>
+        <p:txBody>
+          <a:bodyPr vert="horz" lIns="91440" tIns="45720" rIns="91440" bIns="45720" rtlCol="0">
+            <a:normAutofit/>
+          </a:bodyPr>
+          <a:lstStyle>
+            <a:lvl1pPr marL="228600" indent="-228600" algn="l" defTabSz="914400" rtl="0" eaLnBrk="1" latinLnBrk="0" hangingPunct="1">
+              <a:lnSpc>
+                <a:spcPct val="90000"/>
+              </a:lnSpc>
+              <a:spcBef>
+                <a:spcPts val="1000"/>
+              </a:spcBef>
+              <a:buFont typeface="Arial" panose="020B0604020202020204" pitchFamily="34" charset="0"/>
+              <a:buChar char="•"/>
+              <a:defRPr sz="2800" kern="1200">
+                <a:solidFill>
+                  <a:schemeClr val="tx1"/>
+                </a:solidFill>
+                <a:latin typeface="+mn-lt"/>
+                <a:ea typeface="+mn-ea"/>
+                <a:cs typeface="+mn-cs"/>
+              </a:defRPr>
+            </a:lvl1pPr>
+            <a:lvl2pPr marL="685800" indent="-228600" algn="l" defTabSz="914400" rtl="0" eaLnBrk="1" latinLnBrk="0" hangingPunct="1">
+              <a:lnSpc>
+                <a:spcPct val="90000"/>
+              </a:lnSpc>
+              <a:spcBef>
+                <a:spcPts val="500"/>
+              </a:spcBef>
+              <a:buFont typeface="Arial" panose="020B0604020202020204" pitchFamily="34" charset="0"/>
+              <a:buChar char="•"/>
+              <a:defRPr sz="2400" kern="1200">
+                <a:solidFill>
+                  <a:schemeClr val="tx1"/>
+                </a:solidFill>
+                <a:latin typeface="+mn-lt"/>
+                <a:ea typeface="+mn-ea"/>
+                <a:cs typeface="+mn-cs"/>
+              </a:defRPr>
+            </a:lvl2pPr>
+            <a:lvl3pPr marL="1143000" indent="-228600" algn="l" defTabSz="914400" rtl="0" eaLnBrk="1" latinLnBrk="0" hangingPunct="1">
+              <a:lnSpc>
+                <a:spcPct val="90000"/>
+              </a:lnSpc>
+              <a:spcBef>
+                <a:spcPts val="500"/>
+              </a:spcBef>
+              <a:buFont typeface="Arial" panose="020B0604020202020204" pitchFamily="34" charset="0"/>
+              <a:buChar char="•"/>
+              <a:defRPr sz="2000" kern="1200">
+                <a:solidFill>
+                  <a:schemeClr val="tx1"/>
+                </a:solidFill>
+                <a:latin typeface="+mn-lt"/>
+                <a:ea typeface="+mn-ea"/>
+                <a:cs typeface="+mn-cs"/>
+              </a:defRPr>
+            </a:lvl3pPr>
+            <a:lvl4pPr marL="1600200" indent="-228600" algn="l" defTabSz="914400" rtl="0" eaLnBrk="1" latinLnBrk="0" hangingPunct="1">
+              <a:lnSpc>
+                <a:spcPct val="90000"/>
+              </a:lnSpc>
+              <a:spcBef>
+                <a:spcPts val="500"/>
+              </a:spcBef>
+              <a:buFont typeface="Arial" panose="020B0604020202020204" pitchFamily="34" charset="0"/>
+              <a:buChar char="•"/>
+              <a:defRPr sz="1800" kern="1200">
+                <a:solidFill>
+                  <a:schemeClr val="tx1"/>
+                </a:solidFill>
+                <a:latin typeface="+mn-lt"/>
+                <a:ea typeface="+mn-ea"/>
+                <a:cs typeface="+mn-cs"/>
+              </a:defRPr>
+            </a:lvl4pPr>
+            <a:lvl5pPr marL="2057400" indent="-228600" algn="l" defTabSz="914400" rtl="0" eaLnBrk="1" latinLnBrk="0" hangingPunct="1">
+              <a:lnSpc>
+                <a:spcPct val="90000"/>
+              </a:lnSpc>
+              <a:spcBef>
+                <a:spcPts val="500"/>
+              </a:spcBef>
+              <a:buFont typeface="Arial" panose="020B0604020202020204" pitchFamily="34" charset="0"/>
+              <a:buChar char="•"/>
+              <a:defRPr sz="1800" kern="1200">
+                <a:solidFill>
+                  <a:schemeClr val="tx1"/>
+                </a:solidFill>
+                <a:latin typeface="+mn-lt"/>
+                <a:ea typeface="+mn-ea"/>
+                <a:cs typeface="+mn-cs"/>
+              </a:defRPr>
+            </a:lvl5pPr>
+            <a:lvl6pPr marL="2514600" indent="-228600" algn="l" defTabSz="914400" rtl="0" eaLnBrk="1" latinLnBrk="0" hangingPunct="1">
+              <a:lnSpc>
+                <a:spcPct val="90000"/>
+              </a:lnSpc>
+              <a:spcBef>
+                <a:spcPts val="500"/>
+              </a:spcBef>
+              <a:buFont typeface="Arial" panose="020B0604020202020204" pitchFamily="34" charset="0"/>
+              <a:buChar char="•"/>
+              <a:defRPr sz="1800" kern="1200">
+                <a:solidFill>
+                  <a:schemeClr val="tx1"/>
+                </a:solidFill>
+                <a:latin typeface="+mn-lt"/>
+                <a:ea typeface="+mn-ea"/>
+                <a:cs typeface="+mn-cs"/>
+              </a:defRPr>
+            </a:lvl6pPr>
+            <a:lvl7pPr marL="2971800" indent="-228600" algn="l" defTabSz="914400" rtl="0" eaLnBrk="1" latinLnBrk="0" hangingPunct="1">
+              <a:lnSpc>
+                <a:spcPct val="90000"/>
+              </a:lnSpc>
+              <a:spcBef>
+                <a:spcPts val="500"/>
+              </a:spcBef>
+              <a:buFont typeface="Arial" panose="020B0604020202020204" pitchFamily="34" charset="0"/>
+              <a:buChar char="•"/>
+              <a:defRPr sz="1800" kern="1200">
+                <a:solidFill>
+                  <a:schemeClr val="tx1"/>
+                </a:solidFill>
+                <a:latin typeface="+mn-lt"/>
+                <a:ea typeface="+mn-ea"/>
+                <a:cs typeface="+mn-cs"/>
+              </a:defRPr>
+            </a:lvl7pPr>
+            <a:lvl8pPr marL="3429000" indent="-228600" algn="l" defTabSz="914400" rtl="0" eaLnBrk="1" latinLnBrk="0" hangingPunct="1">
+              <a:lnSpc>
+                <a:spcPct val="90000"/>
+              </a:lnSpc>
+              <a:spcBef>
+                <a:spcPts val="500"/>
+              </a:spcBef>
+              <a:buFont typeface="Arial" panose="020B0604020202020204" pitchFamily="34" charset="0"/>
+              <a:buChar char="•"/>
+              <a:defRPr sz="1800" kern="1200">
+                <a:solidFill>
+                  <a:schemeClr val="tx1"/>
+                </a:solidFill>
+                <a:latin typeface="+mn-lt"/>
+                <a:ea typeface="+mn-ea"/>
+                <a:cs typeface="+mn-cs"/>
+              </a:defRPr>
+            </a:lvl8pPr>
+            <a:lvl9pPr marL="3886200" indent="-228600" algn="l" defTabSz="914400" rtl="0" eaLnBrk="1" latinLnBrk="0" hangingPunct="1">
+              <a:lnSpc>
+                <a:spcPct val="90000"/>
+              </a:lnSpc>
+              <a:spcBef>
+                <a:spcPts val="500"/>
+              </a:spcBef>
+              <a:buFont typeface="Arial" panose="020B0604020202020204" pitchFamily="34" charset="0"/>
+              <a:buChar char="•"/>
+              <a:defRPr sz="1800" kern="1200">
+                <a:solidFill>
+                  <a:schemeClr val="tx1"/>
+                </a:solidFill>
+                <a:latin typeface="+mn-lt"/>
+                <a:ea typeface="+mn-ea"/>
+                <a:cs typeface="+mn-cs"/>
+              </a:defRPr>
+            </a:lvl9pPr>
+          </a:lstStyle>
+          <a:p>
+            <a:pPr marL="0" indent="0">
+              <a:buFont typeface="Arial" panose="020B0604020202020204" pitchFamily="34" charset="0"/>
+              <a:buNone/>
+            </a:pPr>
+            <a:r>
+              <a:rPr lang="pt-BR" sz="3200" b="1" dirty="0" smtClean="0">
+                <a:solidFill>
+                  <a:srgbClr val="187792"/>
+                </a:solidFill>
+                <a:latin typeface="Aleo" panose="020F0502020204030203" pitchFamily="34" charset="0"/>
+              </a:rPr>
+              <a:t>Limpeza</a:t>
+            </a:r>
+          </a:p>
+          <a:p>
+            <a:pPr marL="0" indent="0">
+              <a:buNone/>
+            </a:pPr>
+            <a:r>
+              <a:rPr lang="pt-BR" sz="3500" dirty="0">
+                <a:latin typeface="Aleo" panose="020F0502020204030203" pitchFamily="34" charset="0"/>
+              </a:rPr>
+              <a:t>Remove </a:t>
+            </a:r>
+            <a:r>
+              <a:rPr lang="pt-BR" sz="3500" dirty="0" smtClean="0">
+                <a:latin typeface="Aleo" panose="020F0502020204030203" pitchFamily="34" charset="0"/>
+              </a:rPr>
+              <a:t>as </a:t>
+            </a:r>
+            <a:r>
+              <a:rPr lang="pt-BR" sz="3500" dirty="0">
+                <a:latin typeface="Aleo" panose="020F0502020204030203" pitchFamily="34" charset="0"/>
+              </a:rPr>
+              <a:t>palavras </a:t>
+            </a:r>
+            <a:r>
+              <a:rPr lang="pt-BR" sz="3500" dirty="0" smtClean="0">
+                <a:latin typeface="Aleo" panose="020F0502020204030203" pitchFamily="34" charset="0"/>
+              </a:rPr>
+              <a:t>que possuem </a:t>
+            </a:r>
+            <a:r>
+              <a:rPr lang="pt-BR" sz="3500" dirty="0">
+                <a:latin typeface="Aleo" panose="020F0502020204030203" pitchFamily="34" charset="0"/>
+              </a:rPr>
+              <a:t>pouca relevância no </a:t>
+            </a:r>
+            <a:r>
+              <a:rPr lang="pt-BR" sz="3500" dirty="0" smtClean="0">
+                <a:latin typeface="Aleo" panose="020F0502020204030203" pitchFamily="34" charset="0"/>
+              </a:rPr>
+              <a:t>texto.</a:t>
+            </a:r>
+            <a:r>
+              <a:rPr lang="pt-BR" sz="3200" dirty="0"/>
+              <a:t/>
+            </a:r>
+            <a:br>
+              <a:rPr lang="pt-BR" sz="3200" dirty="0"/>
+            </a:br>
+            <a:r>
+              <a:rPr lang="pt-BR" sz="3200" dirty="0"/>
+              <a:t/>
+            </a:r>
+            <a:br>
+              <a:rPr lang="pt-BR" sz="3200" dirty="0"/>
+            </a:br>
+            <a:endParaRPr lang="pt-BR" sz="3200" dirty="0">
+              <a:latin typeface="Aleo" panose="020F0502020204030203" pitchFamily="34" charset="0"/>
+            </a:endParaRPr>
+          </a:p>
+        </p:txBody>
+      </p:sp>
+    </p:spTree>
+    <p:extLst>
+      <p:ext uri="{BB962C8B-B14F-4D97-AF65-F5344CB8AC3E}">
+        <p14:creationId xmlns:p14="http://schemas.microsoft.com/office/powerpoint/2010/main" val="4101330430"/>
+      </p:ext>
+    </p:extLst>
+  </p:cSld>
+  <p:clrMapOvr>
+    <a:masterClrMapping/>
+  </p:clrMapOvr>
+  <p:timing>
+    <p:tnLst>
+      <p:par>
+        <p:cTn id="1" dur="indefinite" restart="never" nodeType="tmRoot"/>
+      </p:par>
+    </p:tnLst>
+  </p:timing>
+</p:sld>
+</file>
+
+<file path=ppt/slides/slide29.xml><?xml version="1.0" encoding="utf-8"?>
+<p:sld xmlns:a="http://schemas.openxmlformats.org/drawingml/2006/main" xmlns:r="http://schemas.openxmlformats.org/officeDocument/2006/relationships" xmlns:p="http://schemas.openxmlformats.org/presentationml/2006/main">
+  <p:cSld>
+    <p:spTree>
+      <p:nvGrpSpPr>
+        <p:cNvPr id="1" name=""/>
+        <p:cNvGrpSpPr/>
+        <p:nvPr/>
+      </p:nvGrpSpPr>
+      <p:grpSpPr>
+        <a:xfrm>
+          <a:off x="0" y="0"/>
+          <a:ext cx="0" cy="0"/>
+          <a:chOff x="0" y="0"/>
+          <a:chExt cx="0" cy="0"/>
+        </a:xfrm>
+      </p:grpSpPr>
+      <p:sp>
+        <p:nvSpPr>
+          <p:cNvPr id="2" name="Espaço Reservado para Número de Slide 1"/>
+          <p:cNvSpPr>
+            <a:spLocks noGrp="1"/>
+          </p:cNvSpPr>
+          <p:nvPr>
+            <p:ph type="sldNum" sz="quarter" idx="12"/>
+          </p:nvPr>
+        </p:nvSpPr>
+        <p:spPr/>
+        <p:txBody>
+          <a:bodyPr/>
+          <a:lstStyle/>
+          <a:p>
+            <a:fld id="{D20560A7-4BF3-4730-B58B-149A6CD3B197}" type="slidenum">
+              <a:rPr lang="pt-BR" smtClean="0"/>
+              <a:t>29</a:t>
+            </a:fld>
+            <a:endParaRPr lang="pt-BR"/>
+          </a:p>
+        </p:txBody>
+      </p:sp>
+      <p:sp>
+        <p:nvSpPr>
+          <p:cNvPr id="9" name="CaixaDeTexto 8"/>
+          <p:cNvSpPr txBox="1"/>
+          <p:nvPr/>
+        </p:nvSpPr>
+        <p:spPr>
+          <a:xfrm>
+            <a:off x="7633297" y="-627"/>
+            <a:ext cx="1511953" cy="461665"/>
+          </a:xfrm>
+          <a:prstGeom prst="rect">
+            <a:avLst/>
+          </a:prstGeom>
+          <a:solidFill>
+            <a:srgbClr val="187792"/>
+          </a:solidFill>
+        </p:spPr>
+        <p:txBody>
+          <a:bodyPr wrap="none" rtlCol="0">
+            <a:spAutoFit/>
+          </a:bodyPr>
+          <a:lstStyle/>
+          <a:p>
+            <a:pPr algn="r"/>
+            <a:r>
+              <a:rPr lang="pt-BR" sz="2400" dirty="0">
+                <a:solidFill>
+                  <a:schemeClr val="bg1"/>
+                </a:solidFill>
+              </a:rPr>
+              <a:t>  </a:t>
+            </a:r>
+            <a:r>
+              <a:rPr lang="pt-BR" sz="2400" dirty="0" smtClean="0">
+                <a:solidFill>
+                  <a:schemeClr val="bg1"/>
+                </a:solidFill>
+                <a:latin typeface="Aleo" panose="020F0502020204030203" pitchFamily="34" charset="0"/>
+              </a:rPr>
+              <a:t>Solução</a:t>
+            </a:r>
+            <a:r>
+              <a:rPr lang="pt-BR" sz="2400" dirty="0" smtClean="0">
+                <a:solidFill>
+                  <a:schemeClr val="bg1"/>
+                </a:solidFill>
+              </a:rPr>
+              <a:t>  </a:t>
+            </a:r>
+            <a:endParaRPr lang="pt-BR" sz="2400" dirty="0">
+              <a:solidFill>
+                <a:schemeClr val="bg1"/>
+              </a:solidFill>
+            </a:endParaRPr>
+          </a:p>
+        </p:txBody>
+      </p:sp>
+      <p:pic>
+        <p:nvPicPr>
+          <p:cNvPr id="5" name="Imagem 4"/>
+          <p:cNvPicPr>
+            <a:picLocks noChangeAspect="1"/>
+          </p:cNvPicPr>
+          <p:nvPr/>
+        </p:nvPicPr>
+        <p:blipFill>
+          <a:blip r:embed="rId2">
+            <a:extLst>
+              <a:ext uri="{28A0092B-C50C-407E-A947-70E740481C1C}">
+                <a14:useLocalDpi xmlns:a14="http://schemas.microsoft.com/office/drawing/2010/main" val="0"/>
+              </a:ext>
+            </a:extLst>
+          </a:blip>
+          <a:stretch>
+            <a:fillRect/>
+          </a:stretch>
+        </p:blipFill>
+        <p:spPr>
+          <a:xfrm>
+            <a:off x="2286000" y="5906598"/>
+            <a:ext cx="4572000" cy="793562"/>
+          </a:xfrm>
+          <a:prstGeom prst="rect">
+            <a:avLst/>
+          </a:prstGeom>
+        </p:spPr>
+      </p:pic>
+      <p:sp>
+        <p:nvSpPr>
+          <p:cNvPr id="14" name="Espaço Reservado para Conteúdo 2"/>
+          <p:cNvSpPr txBox="1">
+            <a:spLocks/>
+          </p:cNvSpPr>
+          <p:nvPr/>
+        </p:nvSpPr>
+        <p:spPr>
+          <a:xfrm>
+            <a:off x="428168" y="1367213"/>
+            <a:ext cx="8280401" cy="1158274"/>
+          </a:xfrm>
+          <a:prstGeom prst="rect">
+            <a:avLst/>
+          </a:prstGeom>
+          <a:effectLst>
+            <a:outerShdw blurRad="50800" dist="38100" dir="2700000" algn="tl" rotWithShape="0">
+              <a:prstClr val="black">
+                <a:alpha val="40000"/>
+              </a:prstClr>
+            </a:outerShdw>
+          </a:effectLst>
+        </p:spPr>
+        <p:style>
+          <a:lnRef idx="2">
+            <a:schemeClr val="dk1"/>
+          </a:lnRef>
+          <a:fillRef idx="1">
+            <a:schemeClr val="lt1"/>
+          </a:fillRef>
+          <a:effectRef idx="0">
+            <a:schemeClr val="dk1"/>
+          </a:effectRef>
+          <a:fontRef idx="minor">
+            <a:schemeClr val="dk1"/>
+          </a:fontRef>
+        </p:style>
+        <p:txBody>
+          <a:bodyPr vert="horz" lIns="91440" tIns="45720" rIns="91440" bIns="45720" rtlCol="0" anchor="ctr">
+            <a:normAutofit/>
+          </a:bodyPr>
+          <a:lstStyle>
+            <a:lvl1pPr marL="228600" indent="-228600" algn="l" defTabSz="914400" rtl="0" eaLnBrk="1" latinLnBrk="0" hangingPunct="1">
+              <a:lnSpc>
+                <a:spcPct val="90000"/>
+              </a:lnSpc>
+              <a:spcBef>
+                <a:spcPts val="1000"/>
+              </a:spcBef>
+              <a:buFont typeface="Arial" panose="020B0604020202020204" pitchFamily="34" charset="0"/>
+              <a:buChar char="•"/>
+              <a:defRPr sz="2800" kern="1200">
+                <a:solidFill>
+                  <a:schemeClr val="tx1"/>
+                </a:solidFill>
+                <a:latin typeface="+mn-lt"/>
+                <a:ea typeface="+mn-ea"/>
+                <a:cs typeface="+mn-cs"/>
+              </a:defRPr>
+            </a:lvl1pPr>
+            <a:lvl2pPr marL="685800" indent="-228600" algn="l" defTabSz="914400" rtl="0" eaLnBrk="1" latinLnBrk="0" hangingPunct="1">
+              <a:lnSpc>
+                <a:spcPct val="90000"/>
+              </a:lnSpc>
+              <a:spcBef>
+                <a:spcPts val="500"/>
+              </a:spcBef>
+              <a:buFont typeface="Arial" panose="020B0604020202020204" pitchFamily="34" charset="0"/>
+              <a:buChar char="•"/>
+              <a:defRPr sz="2400" kern="1200">
+                <a:solidFill>
+                  <a:schemeClr val="tx1"/>
+                </a:solidFill>
+                <a:latin typeface="+mn-lt"/>
+                <a:ea typeface="+mn-ea"/>
+                <a:cs typeface="+mn-cs"/>
+              </a:defRPr>
+            </a:lvl2pPr>
+            <a:lvl3pPr marL="1143000" indent="-228600" algn="l" defTabSz="914400" rtl="0" eaLnBrk="1" latinLnBrk="0" hangingPunct="1">
+              <a:lnSpc>
+                <a:spcPct val="90000"/>
+              </a:lnSpc>
+              <a:spcBef>
+                <a:spcPts val="500"/>
+              </a:spcBef>
+              <a:buFont typeface="Arial" panose="020B0604020202020204" pitchFamily="34" charset="0"/>
+              <a:buChar char="•"/>
+              <a:defRPr sz="2000" kern="1200">
+                <a:solidFill>
+                  <a:schemeClr val="tx1"/>
+                </a:solidFill>
+                <a:latin typeface="+mn-lt"/>
+                <a:ea typeface="+mn-ea"/>
+                <a:cs typeface="+mn-cs"/>
+              </a:defRPr>
+            </a:lvl3pPr>
+            <a:lvl4pPr marL="1600200" indent="-228600" algn="l" defTabSz="914400" rtl="0" eaLnBrk="1" latinLnBrk="0" hangingPunct="1">
+              <a:lnSpc>
+                <a:spcPct val="90000"/>
+              </a:lnSpc>
+              <a:spcBef>
+                <a:spcPts val="500"/>
+              </a:spcBef>
+              <a:buFont typeface="Arial" panose="020B0604020202020204" pitchFamily="34" charset="0"/>
+              <a:buChar char="•"/>
+              <a:defRPr sz="1800" kern="1200">
+                <a:solidFill>
+                  <a:schemeClr val="tx1"/>
+                </a:solidFill>
+                <a:latin typeface="+mn-lt"/>
+                <a:ea typeface="+mn-ea"/>
+                <a:cs typeface="+mn-cs"/>
+              </a:defRPr>
+            </a:lvl4pPr>
+            <a:lvl5pPr marL="2057400" indent="-228600" algn="l" defTabSz="914400" rtl="0" eaLnBrk="1" latinLnBrk="0" hangingPunct="1">
+              <a:lnSpc>
+                <a:spcPct val="90000"/>
+              </a:lnSpc>
+              <a:spcBef>
+                <a:spcPts val="500"/>
+              </a:spcBef>
+              <a:buFont typeface="Arial" panose="020B0604020202020204" pitchFamily="34" charset="0"/>
+              <a:buChar char="•"/>
+              <a:defRPr sz="1800" kern="1200">
+                <a:solidFill>
+                  <a:schemeClr val="tx1"/>
+                </a:solidFill>
+                <a:latin typeface="+mn-lt"/>
+                <a:ea typeface="+mn-ea"/>
+                <a:cs typeface="+mn-cs"/>
+              </a:defRPr>
+            </a:lvl5pPr>
+            <a:lvl6pPr marL="2514600" indent="-228600" algn="l" defTabSz="914400" rtl="0" eaLnBrk="1" latinLnBrk="0" hangingPunct="1">
+              <a:lnSpc>
+                <a:spcPct val="90000"/>
+              </a:lnSpc>
+              <a:spcBef>
+                <a:spcPts val="500"/>
+              </a:spcBef>
+              <a:buFont typeface="Arial" panose="020B0604020202020204" pitchFamily="34" charset="0"/>
+              <a:buChar char="•"/>
+              <a:defRPr sz="1800" kern="1200">
+                <a:solidFill>
+                  <a:schemeClr val="tx1"/>
+                </a:solidFill>
+                <a:latin typeface="+mn-lt"/>
+                <a:ea typeface="+mn-ea"/>
+                <a:cs typeface="+mn-cs"/>
+              </a:defRPr>
+            </a:lvl6pPr>
+            <a:lvl7pPr marL="2971800" indent="-228600" algn="l" defTabSz="914400" rtl="0" eaLnBrk="1" latinLnBrk="0" hangingPunct="1">
+              <a:lnSpc>
+                <a:spcPct val="90000"/>
+              </a:lnSpc>
+              <a:spcBef>
+                <a:spcPts val="500"/>
+              </a:spcBef>
+              <a:buFont typeface="Arial" panose="020B0604020202020204" pitchFamily="34" charset="0"/>
+              <a:buChar char="•"/>
+              <a:defRPr sz="1800" kern="1200">
+                <a:solidFill>
+                  <a:schemeClr val="tx1"/>
+                </a:solidFill>
+                <a:latin typeface="+mn-lt"/>
+                <a:ea typeface="+mn-ea"/>
+                <a:cs typeface="+mn-cs"/>
+              </a:defRPr>
+            </a:lvl7pPr>
+            <a:lvl8pPr marL="3429000" indent="-228600" algn="l" defTabSz="914400" rtl="0" eaLnBrk="1" latinLnBrk="0" hangingPunct="1">
+              <a:lnSpc>
+                <a:spcPct val="90000"/>
+              </a:lnSpc>
+              <a:spcBef>
+                <a:spcPts val="500"/>
+              </a:spcBef>
+              <a:buFont typeface="Arial" panose="020B0604020202020204" pitchFamily="34" charset="0"/>
+              <a:buChar char="•"/>
+              <a:defRPr sz="1800" kern="1200">
+                <a:solidFill>
+                  <a:schemeClr val="tx1"/>
+                </a:solidFill>
+                <a:latin typeface="+mn-lt"/>
+                <a:ea typeface="+mn-ea"/>
+                <a:cs typeface="+mn-cs"/>
+              </a:defRPr>
+            </a:lvl8pPr>
+            <a:lvl9pPr marL="3886200" indent="-228600" algn="l" defTabSz="914400" rtl="0" eaLnBrk="1" latinLnBrk="0" hangingPunct="1">
+              <a:lnSpc>
+                <a:spcPct val="90000"/>
+              </a:lnSpc>
+              <a:spcBef>
+                <a:spcPts val="500"/>
+              </a:spcBef>
+              <a:buFont typeface="Arial" panose="020B0604020202020204" pitchFamily="34" charset="0"/>
+              <a:buChar char="•"/>
+              <a:defRPr sz="1800" kern="1200">
+                <a:solidFill>
+                  <a:schemeClr val="tx1"/>
+                </a:solidFill>
+                <a:latin typeface="+mn-lt"/>
+                <a:ea typeface="+mn-ea"/>
+                <a:cs typeface="+mn-cs"/>
+              </a:defRPr>
+            </a:lvl9pPr>
+          </a:lstStyle>
+          <a:p>
+            <a:pPr marL="0" indent="0">
+              <a:buNone/>
+            </a:pPr>
+            <a:r>
+              <a:rPr lang="pt-BR" sz="2000" dirty="0"/>
+              <a:t>Capitu / , / apesar / daqueles / olhos / que / o / diabo / lhe / deu / ... / Você / já / reparou / nos / olhos / dela / ? / São / assim / de / cigana / oblíqua / e / dissimulada / . /</a:t>
+            </a:r>
+          </a:p>
+        </p:txBody>
+      </p:sp>
+      <p:sp>
+        <p:nvSpPr>
+          <p:cNvPr id="4" name="Seta para baixo 3"/>
+          <p:cNvSpPr/>
+          <p:nvPr/>
+        </p:nvSpPr>
+        <p:spPr>
+          <a:xfrm>
+            <a:off x="4096654" y="2913521"/>
+            <a:ext cx="943428" cy="978408"/>
+          </a:xfrm>
+          <a:prstGeom prst="downArrow">
+            <a:avLst/>
+          </a:prstGeom>
+        </p:spPr>
+        <p:style>
+          <a:lnRef idx="2">
+            <a:schemeClr val="accent1">
+              <a:shade val="50000"/>
+            </a:schemeClr>
+          </a:lnRef>
+          <a:fillRef idx="1">
+            <a:schemeClr val="accent1"/>
+          </a:fillRef>
+          <a:effectRef idx="0">
+            <a:schemeClr val="accent1"/>
+          </a:effectRef>
+          <a:fontRef idx="minor">
+            <a:schemeClr val="lt1"/>
+          </a:fontRef>
+        </p:style>
+        <p:txBody>
+          <a:bodyPr rtlCol="0" anchor="ctr"/>
+          <a:lstStyle/>
+          <a:p>
+            <a:pPr algn="ctr"/>
+            <a:endParaRPr lang="pt-BR"/>
+          </a:p>
+        </p:txBody>
+      </p:sp>
+      <p:sp>
+        <p:nvSpPr>
+          <p:cNvPr id="12" name="Espaço Reservado para Conteúdo 2"/>
+          <p:cNvSpPr txBox="1">
+            <a:spLocks/>
+          </p:cNvSpPr>
+          <p:nvPr/>
+        </p:nvSpPr>
+        <p:spPr>
+          <a:xfrm>
+            <a:off x="420909" y="4146693"/>
+            <a:ext cx="8280401" cy="1158274"/>
+          </a:xfrm>
+          <a:prstGeom prst="rect">
+            <a:avLst/>
+          </a:prstGeom>
+          <a:effectLst>
+            <a:outerShdw blurRad="50800" dist="38100" dir="2700000" algn="tl" rotWithShape="0">
+              <a:prstClr val="black">
+                <a:alpha val="40000"/>
+              </a:prstClr>
+            </a:outerShdw>
+          </a:effectLst>
+        </p:spPr>
+        <p:style>
+          <a:lnRef idx="2">
+            <a:schemeClr val="dk1"/>
+          </a:lnRef>
+          <a:fillRef idx="1">
+            <a:schemeClr val="lt1"/>
+          </a:fillRef>
+          <a:effectRef idx="0">
+            <a:schemeClr val="dk1"/>
+          </a:effectRef>
+          <a:fontRef idx="minor">
+            <a:schemeClr val="dk1"/>
+          </a:fontRef>
+        </p:style>
+        <p:txBody>
+          <a:bodyPr vert="horz" lIns="91440" tIns="45720" rIns="91440" bIns="45720" rtlCol="0" anchor="ctr">
+            <a:normAutofit/>
+          </a:bodyPr>
+          <a:lstStyle>
+            <a:lvl1pPr marL="228600" indent="-228600" algn="l" defTabSz="914400" rtl="0" eaLnBrk="1" latinLnBrk="0" hangingPunct="1">
+              <a:lnSpc>
+                <a:spcPct val="90000"/>
+              </a:lnSpc>
+              <a:spcBef>
+                <a:spcPts val="1000"/>
+              </a:spcBef>
+              <a:buFont typeface="Arial" panose="020B0604020202020204" pitchFamily="34" charset="0"/>
+              <a:buChar char="•"/>
+              <a:defRPr sz="2800" kern="1200">
+                <a:solidFill>
+                  <a:schemeClr val="tx1"/>
+                </a:solidFill>
+                <a:latin typeface="+mn-lt"/>
+                <a:ea typeface="+mn-ea"/>
+                <a:cs typeface="+mn-cs"/>
+              </a:defRPr>
+            </a:lvl1pPr>
+            <a:lvl2pPr marL="685800" indent="-228600" algn="l" defTabSz="914400" rtl="0" eaLnBrk="1" latinLnBrk="0" hangingPunct="1">
+              <a:lnSpc>
+                <a:spcPct val="90000"/>
+              </a:lnSpc>
+              <a:spcBef>
+                <a:spcPts val="500"/>
+              </a:spcBef>
+              <a:buFont typeface="Arial" panose="020B0604020202020204" pitchFamily="34" charset="0"/>
+              <a:buChar char="•"/>
+              <a:defRPr sz="2400" kern="1200">
+                <a:solidFill>
+                  <a:schemeClr val="tx1"/>
+                </a:solidFill>
+                <a:latin typeface="+mn-lt"/>
+                <a:ea typeface="+mn-ea"/>
+                <a:cs typeface="+mn-cs"/>
+              </a:defRPr>
+            </a:lvl2pPr>
+            <a:lvl3pPr marL="1143000" indent="-228600" algn="l" defTabSz="914400" rtl="0" eaLnBrk="1" latinLnBrk="0" hangingPunct="1">
+              <a:lnSpc>
+                <a:spcPct val="90000"/>
+              </a:lnSpc>
+              <a:spcBef>
+                <a:spcPts val="500"/>
+              </a:spcBef>
+              <a:buFont typeface="Arial" panose="020B0604020202020204" pitchFamily="34" charset="0"/>
+              <a:buChar char="•"/>
+              <a:defRPr sz="2000" kern="1200">
+                <a:solidFill>
+                  <a:schemeClr val="tx1"/>
+                </a:solidFill>
+                <a:latin typeface="+mn-lt"/>
+                <a:ea typeface="+mn-ea"/>
+                <a:cs typeface="+mn-cs"/>
+              </a:defRPr>
+            </a:lvl3pPr>
+            <a:lvl4pPr marL="1600200" indent="-228600" algn="l" defTabSz="914400" rtl="0" eaLnBrk="1" latinLnBrk="0" hangingPunct="1">
+              <a:lnSpc>
+                <a:spcPct val="90000"/>
+              </a:lnSpc>
+              <a:spcBef>
+                <a:spcPts val="500"/>
+              </a:spcBef>
+              <a:buFont typeface="Arial" panose="020B0604020202020204" pitchFamily="34" charset="0"/>
+              <a:buChar char="•"/>
+              <a:defRPr sz="1800" kern="1200">
+                <a:solidFill>
+                  <a:schemeClr val="tx1"/>
+                </a:solidFill>
+                <a:latin typeface="+mn-lt"/>
+                <a:ea typeface="+mn-ea"/>
+                <a:cs typeface="+mn-cs"/>
+              </a:defRPr>
+            </a:lvl4pPr>
+            <a:lvl5pPr marL="2057400" indent="-228600" algn="l" defTabSz="914400" rtl="0" eaLnBrk="1" latinLnBrk="0" hangingPunct="1">
+              <a:lnSpc>
+                <a:spcPct val="90000"/>
+              </a:lnSpc>
+              <a:spcBef>
+                <a:spcPts val="500"/>
+              </a:spcBef>
+              <a:buFont typeface="Arial" panose="020B0604020202020204" pitchFamily="34" charset="0"/>
+              <a:buChar char="•"/>
+              <a:defRPr sz="1800" kern="1200">
+                <a:solidFill>
+                  <a:schemeClr val="tx1"/>
+                </a:solidFill>
+                <a:latin typeface="+mn-lt"/>
+                <a:ea typeface="+mn-ea"/>
+                <a:cs typeface="+mn-cs"/>
+              </a:defRPr>
+            </a:lvl5pPr>
+            <a:lvl6pPr marL="2514600" indent="-228600" algn="l" defTabSz="914400" rtl="0" eaLnBrk="1" latinLnBrk="0" hangingPunct="1">
+              <a:lnSpc>
+                <a:spcPct val="90000"/>
+              </a:lnSpc>
+              <a:spcBef>
+                <a:spcPts val="500"/>
+              </a:spcBef>
+              <a:buFont typeface="Arial" panose="020B0604020202020204" pitchFamily="34" charset="0"/>
+              <a:buChar char="•"/>
+              <a:defRPr sz="1800" kern="1200">
+                <a:solidFill>
+                  <a:schemeClr val="tx1"/>
+                </a:solidFill>
+                <a:latin typeface="+mn-lt"/>
+                <a:ea typeface="+mn-ea"/>
+                <a:cs typeface="+mn-cs"/>
+              </a:defRPr>
+            </a:lvl6pPr>
+            <a:lvl7pPr marL="2971800" indent="-228600" algn="l" defTabSz="914400" rtl="0" eaLnBrk="1" latinLnBrk="0" hangingPunct="1">
+              <a:lnSpc>
+                <a:spcPct val="90000"/>
+              </a:lnSpc>
+              <a:spcBef>
+                <a:spcPts val="500"/>
+              </a:spcBef>
+              <a:buFont typeface="Arial" panose="020B0604020202020204" pitchFamily="34" charset="0"/>
+              <a:buChar char="•"/>
+              <a:defRPr sz="1800" kern="1200">
+                <a:solidFill>
+                  <a:schemeClr val="tx1"/>
+                </a:solidFill>
+                <a:latin typeface="+mn-lt"/>
+                <a:ea typeface="+mn-ea"/>
+                <a:cs typeface="+mn-cs"/>
+              </a:defRPr>
+            </a:lvl7pPr>
+            <a:lvl8pPr marL="3429000" indent="-228600" algn="l" defTabSz="914400" rtl="0" eaLnBrk="1" latinLnBrk="0" hangingPunct="1">
+              <a:lnSpc>
+                <a:spcPct val="90000"/>
+              </a:lnSpc>
+              <a:spcBef>
+                <a:spcPts val="500"/>
+              </a:spcBef>
+              <a:buFont typeface="Arial" panose="020B0604020202020204" pitchFamily="34" charset="0"/>
+              <a:buChar char="•"/>
+              <a:defRPr sz="1800" kern="1200">
+                <a:solidFill>
+                  <a:schemeClr val="tx1"/>
+                </a:solidFill>
+                <a:latin typeface="+mn-lt"/>
+                <a:ea typeface="+mn-ea"/>
+                <a:cs typeface="+mn-cs"/>
+              </a:defRPr>
+            </a:lvl8pPr>
+            <a:lvl9pPr marL="3886200" indent="-228600" algn="l" defTabSz="914400" rtl="0" eaLnBrk="1" latinLnBrk="0" hangingPunct="1">
+              <a:lnSpc>
+                <a:spcPct val="90000"/>
+              </a:lnSpc>
+              <a:spcBef>
+                <a:spcPts val="500"/>
+              </a:spcBef>
+              <a:buFont typeface="Arial" panose="020B0604020202020204" pitchFamily="34" charset="0"/>
+              <a:buChar char="•"/>
+              <a:defRPr sz="1800" kern="1200">
+                <a:solidFill>
+                  <a:schemeClr val="tx1"/>
+                </a:solidFill>
+                <a:latin typeface="+mn-lt"/>
+                <a:ea typeface="+mn-ea"/>
+                <a:cs typeface="+mn-cs"/>
+              </a:defRPr>
+            </a:lvl9pPr>
+          </a:lstStyle>
+          <a:p>
+            <a:pPr marL="0" indent="0">
+              <a:buNone/>
+            </a:pPr>
+            <a:r>
+              <a:rPr lang="pt-BR" sz="2000" dirty="0"/>
+              <a:t>Capitu / apesar / daqueles / olhos / diabo / deu / Você / já / reparou / nos / olhos / São / assim / cigana / oblíqua / </a:t>
+            </a:r>
+            <a:r>
+              <a:rPr lang="pt-BR" sz="2000" dirty="0" smtClean="0"/>
+              <a:t>dissimulada /</a:t>
+            </a:r>
+          </a:p>
+        </p:txBody>
+      </p:sp>
+      <p:sp>
+        <p:nvSpPr>
+          <p:cNvPr id="10" name="Espaço Reservado para Conteúdo 2"/>
+          <p:cNvSpPr txBox="1">
+            <a:spLocks/>
+          </p:cNvSpPr>
+          <p:nvPr/>
+        </p:nvSpPr>
+        <p:spPr>
+          <a:xfrm>
+            <a:off x="4432300" y="5820947"/>
+            <a:ext cx="304800" cy="349101"/>
+          </a:xfrm>
+          <a:prstGeom prst="rect">
+            <a:avLst/>
+          </a:prstGeom>
+        </p:spPr>
+        <p:txBody>
+          <a:bodyPr vert="horz" lIns="91440" tIns="45720" rIns="91440" bIns="45720" rtlCol="0">
+            <a:normAutofit/>
+          </a:bodyPr>
+          <a:lstStyle>
+            <a:lvl1pPr marL="228600" indent="-228600" algn="l" defTabSz="914400" rtl="0" eaLnBrk="1" latinLnBrk="0" hangingPunct="1">
+              <a:lnSpc>
+                <a:spcPct val="90000"/>
+              </a:lnSpc>
+              <a:spcBef>
+                <a:spcPts val="1000"/>
+              </a:spcBef>
+              <a:buFont typeface="Arial" panose="020B0604020202020204" pitchFamily="34" charset="0"/>
+              <a:buChar char="•"/>
+              <a:defRPr sz="2800" kern="1200">
+                <a:solidFill>
+                  <a:schemeClr val="tx1"/>
+                </a:solidFill>
+                <a:latin typeface="+mn-lt"/>
+                <a:ea typeface="+mn-ea"/>
+                <a:cs typeface="+mn-cs"/>
+              </a:defRPr>
+            </a:lvl1pPr>
+            <a:lvl2pPr marL="685800" indent="-228600" algn="l" defTabSz="914400" rtl="0" eaLnBrk="1" latinLnBrk="0" hangingPunct="1">
+              <a:lnSpc>
+                <a:spcPct val="90000"/>
+              </a:lnSpc>
+              <a:spcBef>
+                <a:spcPts val="500"/>
+              </a:spcBef>
+              <a:buFont typeface="Arial" panose="020B0604020202020204" pitchFamily="34" charset="0"/>
+              <a:buChar char="•"/>
+              <a:defRPr sz="2400" kern="1200">
+                <a:solidFill>
+                  <a:schemeClr val="tx1"/>
+                </a:solidFill>
+                <a:latin typeface="+mn-lt"/>
+                <a:ea typeface="+mn-ea"/>
+                <a:cs typeface="+mn-cs"/>
+              </a:defRPr>
+            </a:lvl2pPr>
+            <a:lvl3pPr marL="1143000" indent="-228600" algn="l" defTabSz="914400" rtl="0" eaLnBrk="1" latinLnBrk="0" hangingPunct="1">
+              <a:lnSpc>
+                <a:spcPct val="90000"/>
+              </a:lnSpc>
+              <a:spcBef>
+                <a:spcPts val="500"/>
+              </a:spcBef>
+              <a:buFont typeface="Arial" panose="020B0604020202020204" pitchFamily="34" charset="0"/>
+              <a:buChar char="•"/>
+              <a:defRPr sz="2000" kern="1200">
+                <a:solidFill>
+                  <a:schemeClr val="tx1"/>
+                </a:solidFill>
+                <a:latin typeface="+mn-lt"/>
+                <a:ea typeface="+mn-ea"/>
+                <a:cs typeface="+mn-cs"/>
+              </a:defRPr>
+            </a:lvl3pPr>
+            <a:lvl4pPr marL="1600200" indent="-228600" algn="l" defTabSz="914400" rtl="0" eaLnBrk="1" latinLnBrk="0" hangingPunct="1">
+              <a:lnSpc>
+                <a:spcPct val="90000"/>
+              </a:lnSpc>
+              <a:spcBef>
+                <a:spcPts val="500"/>
+              </a:spcBef>
+              <a:buFont typeface="Arial" panose="020B0604020202020204" pitchFamily="34" charset="0"/>
+              <a:buChar char="•"/>
+              <a:defRPr sz="1800" kern="1200">
+                <a:solidFill>
+                  <a:schemeClr val="tx1"/>
+                </a:solidFill>
+                <a:latin typeface="+mn-lt"/>
+                <a:ea typeface="+mn-ea"/>
+                <a:cs typeface="+mn-cs"/>
+              </a:defRPr>
+            </a:lvl4pPr>
+            <a:lvl5pPr marL="2057400" indent="-228600" algn="l" defTabSz="914400" rtl="0" eaLnBrk="1" latinLnBrk="0" hangingPunct="1">
+              <a:lnSpc>
+                <a:spcPct val="90000"/>
+              </a:lnSpc>
+              <a:spcBef>
+                <a:spcPts val="500"/>
+              </a:spcBef>
+              <a:buFont typeface="Arial" panose="020B0604020202020204" pitchFamily="34" charset="0"/>
+              <a:buChar char="•"/>
+              <a:defRPr sz="1800" kern="1200">
+                <a:solidFill>
+                  <a:schemeClr val="tx1"/>
+                </a:solidFill>
+                <a:latin typeface="+mn-lt"/>
+                <a:ea typeface="+mn-ea"/>
+                <a:cs typeface="+mn-cs"/>
+              </a:defRPr>
+            </a:lvl5pPr>
+            <a:lvl6pPr marL="2514600" indent="-228600" algn="l" defTabSz="914400" rtl="0" eaLnBrk="1" latinLnBrk="0" hangingPunct="1">
+              <a:lnSpc>
+                <a:spcPct val="90000"/>
+              </a:lnSpc>
+              <a:spcBef>
+                <a:spcPts val="500"/>
+              </a:spcBef>
+              <a:buFont typeface="Arial" panose="020B0604020202020204" pitchFamily="34" charset="0"/>
+              <a:buChar char="•"/>
+              <a:defRPr sz="1800" kern="1200">
+                <a:solidFill>
+                  <a:schemeClr val="tx1"/>
+                </a:solidFill>
+                <a:latin typeface="+mn-lt"/>
+                <a:ea typeface="+mn-ea"/>
+                <a:cs typeface="+mn-cs"/>
+              </a:defRPr>
+            </a:lvl6pPr>
+            <a:lvl7pPr marL="2971800" indent="-228600" algn="l" defTabSz="914400" rtl="0" eaLnBrk="1" latinLnBrk="0" hangingPunct="1">
+              <a:lnSpc>
+                <a:spcPct val="90000"/>
+              </a:lnSpc>
+              <a:spcBef>
+                <a:spcPts val="500"/>
+              </a:spcBef>
+              <a:buFont typeface="Arial" panose="020B0604020202020204" pitchFamily="34" charset="0"/>
+              <a:buChar char="•"/>
+              <a:defRPr sz="1800" kern="1200">
+                <a:solidFill>
+                  <a:schemeClr val="tx1"/>
+                </a:solidFill>
+                <a:latin typeface="+mn-lt"/>
+                <a:ea typeface="+mn-ea"/>
+                <a:cs typeface="+mn-cs"/>
+              </a:defRPr>
+            </a:lvl7pPr>
+            <a:lvl8pPr marL="3429000" indent="-228600" algn="l" defTabSz="914400" rtl="0" eaLnBrk="1" latinLnBrk="0" hangingPunct="1">
+              <a:lnSpc>
+                <a:spcPct val="90000"/>
+              </a:lnSpc>
+              <a:spcBef>
+                <a:spcPts val="500"/>
+              </a:spcBef>
+              <a:buFont typeface="Arial" panose="020B0604020202020204" pitchFamily="34" charset="0"/>
+              <a:buChar char="•"/>
+              <a:defRPr sz="1800" kern="1200">
+                <a:solidFill>
+                  <a:schemeClr val="tx1"/>
+                </a:solidFill>
+                <a:latin typeface="+mn-lt"/>
+                <a:ea typeface="+mn-ea"/>
+                <a:cs typeface="+mn-cs"/>
+              </a:defRPr>
+            </a:lvl8pPr>
+            <a:lvl9pPr marL="3886200" indent="-228600" algn="l" defTabSz="914400" rtl="0" eaLnBrk="1" latinLnBrk="0" hangingPunct="1">
+              <a:lnSpc>
+                <a:spcPct val="90000"/>
+              </a:lnSpc>
+              <a:spcBef>
+                <a:spcPts val="500"/>
+              </a:spcBef>
+              <a:buFont typeface="Arial" panose="020B0604020202020204" pitchFamily="34" charset="0"/>
+              <a:buChar char="•"/>
+              <a:defRPr sz="1800" kern="1200">
+                <a:solidFill>
+                  <a:schemeClr val="tx1"/>
+                </a:solidFill>
+                <a:latin typeface="+mn-lt"/>
+                <a:ea typeface="+mn-ea"/>
+                <a:cs typeface="+mn-cs"/>
+              </a:defRPr>
+            </a:lvl9pPr>
+          </a:lstStyle>
+          <a:p>
+            <a:pPr marL="0" indent="0">
+              <a:buFont typeface="Arial" panose="020B0604020202020204" pitchFamily="34" charset="0"/>
+              <a:buNone/>
+            </a:pPr>
+            <a:r>
+              <a:rPr lang="pt-BR" sz="1800" b="1" smtClean="0">
+                <a:solidFill>
+                  <a:srgbClr val="187792"/>
+                </a:solidFill>
+                <a:latin typeface="Aleo" panose="020F0502020204030203" pitchFamily="34" charset="0"/>
+              </a:rPr>
+              <a:t>3</a:t>
+            </a:r>
+            <a:endParaRPr lang="pt-BR" sz="1800" smtClean="0">
+              <a:latin typeface="Aleo" panose="020F0502020204030203" pitchFamily="34" charset="0"/>
+            </a:endParaRPr>
+          </a:p>
+          <a:p>
+            <a:pPr marL="0" indent="0">
+              <a:buFont typeface="Arial" panose="020B0604020202020204" pitchFamily="34" charset="0"/>
+              <a:buNone/>
+            </a:pPr>
+            <a:endParaRPr lang="pt-BR" sz="1800" dirty="0">
+              <a:latin typeface="Aleo" panose="020F0502020204030203" pitchFamily="34" charset="0"/>
+            </a:endParaRPr>
+          </a:p>
+        </p:txBody>
+      </p:sp>
+    </p:spTree>
+    <p:extLst>
+      <p:ext uri="{BB962C8B-B14F-4D97-AF65-F5344CB8AC3E}">
+        <p14:creationId xmlns:p14="http://schemas.microsoft.com/office/powerpoint/2010/main" val="575297728"/>
       </p:ext>
     </p:extLst>
   </p:cSld>
@@ -6578,6 +11427,1789 @@
     <p:extLst>
       <p:ext uri="{BB962C8B-B14F-4D97-AF65-F5344CB8AC3E}">
         <p14:creationId xmlns:p14="http://schemas.microsoft.com/office/powerpoint/2010/main" val="2299854027"/>
+      </p:ext>
+    </p:extLst>
+  </p:cSld>
+  <p:clrMapOvr>
+    <a:masterClrMapping/>
+  </p:clrMapOvr>
+  <p:timing>
+    <p:tnLst>
+      <p:par>
+        <p:cTn id="1" dur="indefinite" restart="never" nodeType="tmRoot"/>
+      </p:par>
+    </p:tnLst>
+  </p:timing>
+</p:sld>
+</file>
+
+<file path=ppt/slides/slide30.xml><?xml version="1.0" encoding="utf-8"?>
+<p:sld xmlns:a="http://schemas.openxmlformats.org/drawingml/2006/main" xmlns:r="http://schemas.openxmlformats.org/officeDocument/2006/relationships" xmlns:p="http://schemas.openxmlformats.org/presentationml/2006/main">
+  <p:cSld>
+    <p:spTree>
+      <p:nvGrpSpPr>
+        <p:cNvPr id="1" name=""/>
+        <p:cNvGrpSpPr/>
+        <p:nvPr/>
+      </p:nvGrpSpPr>
+      <p:grpSpPr>
+        <a:xfrm>
+          <a:off x="0" y="0"/>
+          <a:ext cx="0" cy="0"/>
+          <a:chOff x="0" y="0"/>
+          <a:chExt cx="0" cy="0"/>
+        </a:xfrm>
+      </p:grpSpPr>
+      <p:sp>
+        <p:nvSpPr>
+          <p:cNvPr id="2" name="Espaço Reservado para Número de Slide 1"/>
+          <p:cNvSpPr>
+            <a:spLocks noGrp="1"/>
+          </p:cNvSpPr>
+          <p:nvPr>
+            <p:ph type="sldNum" sz="quarter" idx="12"/>
+          </p:nvPr>
+        </p:nvSpPr>
+        <p:spPr/>
+        <p:txBody>
+          <a:bodyPr/>
+          <a:lstStyle/>
+          <a:p>
+            <a:fld id="{D20560A7-4BF3-4730-B58B-149A6CD3B197}" type="slidenum">
+              <a:rPr lang="pt-BR" smtClean="0"/>
+              <a:t>30</a:t>
+            </a:fld>
+            <a:endParaRPr lang="pt-BR"/>
+          </a:p>
+        </p:txBody>
+      </p:sp>
+      <p:sp>
+        <p:nvSpPr>
+          <p:cNvPr id="9" name="CaixaDeTexto 8"/>
+          <p:cNvSpPr txBox="1"/>
+          <p:nvPr/>
+        </p:nvSpPr>
+        <p:spPr>
+          <a:xfrm>
+            <a:off x="7633297" y="-627"/>
+            <a:ext cx="1511953" cy="461665"/>
+          </a:xfrm>
+          <a:prstGeom prst="rect">
+            <a:avLst/>
+          </a:prstGeom>
+          <a:solidFill>
+            <a:srgbClr val="187792"/>
+          </a:solidFill>
+        </p:spPr>
+        <p:txBody>
+          <a:bodyPr wrap="none" rtlCol="0">
+            <a:spAutoFit/>
+          </a:bodyPr>
+          <a:lstStyle/>
+          <a:p>
+            <a:pPr algn="r"/>
+            <a:r>
+              <a:rPr lang="pt-BR" sz="2400" dirty="0">
+                <a:solidFill>
+                  <a:schemeClr val="bg1"/>
+                </a:solidFill>
+              </a:rPr>
+              <a:t>  </a:t>
+            </a:r>
+            <a:r>
+              <a:rPr lang="pt-BR" sz="2400" dirty="0" smtClean="0">
+                <a:solidFill>
+                  <a:schemeClr val="bg1"/>
+                </a:solidFill>
+                <a:latin typeface="Aleo" panose="020F0502020204030203" pitchFamily="34" charset="0"/>
+              </a:rPr>
+              <a:t>Solução</a:t>
+            </a:r>
+            <a:r>
+              <a:rPr lang="pt-BR" sz="2400" dirty="0" smtClean="0">
+                <a:solidFill>
+                  <a:schemeClr val="bg1"/>
+                </a:solidFill>
+              </a:rPr>
+              <a:t>  </a:t>
+            </a:r>
+            <a:endParaRPr lang="pt-BR" sz="2400" dirty="0">
+              <a:solidFill>
+                <a:schemeClr val="bg1"/>
+              </a:solidFill>
+            </a:endParaRPr>
+          </a:p>
+        </p:txBody>
+      </p:sp>
+      <p:pic>
+        <p:nvPicPr>
+          <p:cNvPr id="5" name="Imagem 4"/>
+          <p:cNvPicPr>
+            <a:picLocks noChangeAspect="1"/>
+          </p:cNvPicPr>
+          <p:nvPr/>
+        </p:nvPicPr>
+        <p:blipFill>
+          <a:blip r:embed="rId2">
+            <a:extLst>
+              <a:ext uri="{28A0092B-C50C-407E-A947-70E740481C1C}">
+                <a14:useLocalDpi xmlns:a14="http://schemas.microsoft.com/office/drawing/2010/main" val="0"/>
+              </a:ext>
+            </a:extLst>
+          </a:blip>
+          <a:stretch>
+            <a:fillRect/>
+          </a:stretch>
+        </p:blipFill>
+        <p:spPr>
+          <a:xfrm>
+            <a:off x="2286000" y="5906598"/>
+            <a:ext cx="4572000" cy="793562"/>
+          </a:xfrm>
+          <a:prstGeom prst="rect">
+            <a:avLst/>
+          </a:prstGeom>
+        </p:spPr>
+      </p:pic>
+      <p:sp>
+        <p:nvSpPr>
+          <p:cNvPr id="11" name="Espaço Reservado para Conteúdo 2"/>
+          <p:cNvSpPr>
+            <a:spLocks noGrp="1"/>
+          </p:cNvSpPr>
+          <p:nvPr>
+            <p:ph idx="1"/>
+          </p:nvPr>
+        </p:nvSpPr>
+        <p:spPr>
+          <a:xfrm>
+            <a:off x="5359400" y="5820947"/>
+            <a:ext cx="304800" cy="349101"/>
+          </a:xfrm>
+        </p:spPr>
+        <p:txBody>
+          <a:bodyPr>
+            <a:normAutofit/>
+          </a:bodyPr>
+          <a:lstStyle/>
+          <a:p>
+            <a:pPr marL="0" indent="0">
+              <a:buNone/>
+            </a:pPr>
+            <a:r>
+              <a:rPr lang="pt-BR" sz="1800" b="1" dirty="0" smtClean="0">
+                <a:solidFill>
+                  <a:srgbClr val="187792"/>
+                </a:solidFill>
+                <a:latin typeface="Aleo" panose="020F0502020204030203" pitchFamily="34" charset="0"/>
+              </a:rPr>
+              <a:t>4</a:t>
+            </a:r>
+            <a:endParaRPr lang="pt-BR" sz="1800" dirty="0">
+              <a:latin typeface="Aleo" panose="020F0502020204030203" pitchFamily="34" charset="0"/>
+            </a:endParaRPr>
+          </a:p>
+          <a:p>
+            <a:pPr marL="0" indent="0">
+              <a:buNone/>
+            </a:pPr>
+            <a:endParaRPr lang="pt-BR" sz="1800" dirty="0">
+              <a:latin typeface="Aleo" panose="020F0502020204030203" pitchFamily="34" charset="0"/>
+            </a:endParaRPr>
+          </a:p>
+        </p:txBody>
+      </p:sp>
+      <p:sp>
+        <p:nvSpPr>
+          <p:cNvPr id="14" name="Espaço Reservado para Conteúdo 2"/>
+          <p:cNvSpPr txBox="1">
+            <a:spLocks/>
+          </p:cNvSpPr>
+          <p:nvPr/>
+        </p:nvSpPr>
+        <p:spPr>
+          <a:xfrm>
+            <a:off x="500739" y="1657498"/>
+            <a:ext cx="7886702" cy="2877004"/>
+          </a:xfrm>
+          <a:prstGeom prst="rect">
+            <a:avLst/>
+          </a:prstGeom>
+        </p:spPr>
+        <p:txBody>
+          <a:bodyPr vert="horz" lIns="91440" tIns="45720" rIns="91440" bIns="45720" rtlCol="0">
+            <a:normAutofit/>
+          </a:bodyPr>
+          <a:lstStyle>
+            <a:lvl1pPr marL="228600" indent="-228600" algn="l" defTabSz="914400" rtl="0" eaLnBrk="1" latinLnBrk="0" hangingPunct="1">
+              <a:lnSpc>
+                <a:spcPct val="90000"/>
+              </a:lnSpc>
+              <a:spcBef>
+                <a:spcPts val="1000"/>
+              </a:spcBef>
+              <a:buFont typeface="Arial" panose="020B0604020202020204" pitchFamily="34" charset="0"/>
+              <a:buChar char="•"/>
+              <a:defRPr sz="2800" kern="1200">
+                <a:solidFill>
+                  <a:schemeClr val="tx1"/>
+                </a:solidFill>
+                <a:latin typeface="+mn-lt"/>
+                <a:ea typeface="+mn-ea"/>
+                <a:cs typeface="+mn-cs"/>
+              </a:defRPr>
+            </a:lvl1pPr>
+            <a:lvl2pPr marL="685800" indent="-228600" algn="l" defTabSz="914400" rtl="0" eaLnBrk="1" latinLnBrk="0" hangingPunct="1">
+              <a:lnSpc>
+                <a:spcPct val="90000"/>
+              </a:lnSpc>
+              <a:spcBef>
+                <a:spcPts val="500"/>
+              </a:spcBef>
+              <a:buFont typeface="Arial" panose="020B0604020202020204" pitchFamily="34" charset="0"/>
+              <a:buChar char="•"/>
+              <a:defRPr sz="2400" kern="1200">
+                <a:solidFill>
+                  <a:schemeClr val="tx1"/>
+                </a:solidFill>
+                <a:latin typeface="+mn-lt"/>
+                <a:ea typeface="+mn-ea"/>
+                <a:cs typeface="+mn-cs"/>
+              </a:defRPr>
+            </a:lvl2pPr>
+            <a:lvl3pPr marL="1143000" indent="-228600" algn="l" defTabSz="914400" rtl="0" eaLnBrk="1" latinLnBrk="0" hangingPunct="1">
+              <a:lnSpc>
+                <a:spcPct val="90000"/>
+              </a:lnSpc>
+              <a:spcBef>
+                <a:spcPts val="500"/>
+              </a:spcBef>
+              <a:buFont typeface="Arial" panose="020B0604020202020204" pitchFamily="34" charset="0"/>
+              <a:buChar char="•"/>
+              <a:defRPr sz="2000" kern="1200">
+                <a:solidFill>
+                  <a:schemeClr val="tx1"/>
+                </a:solidFill>
+                <a:latin typeface="+mn-lt"/>
+                <a:ea typeface="+mn-ea"/>
+                <a:cs typeface="+mn-cs"/>
+              </a:defRPr>
+            </a:lvl3pPr>
+            <a:lvl4pPr marL="1600200" indent="-228600" algn="l" defTabSz="914400" rtl="0" eaLnBrk="1" latinLnBrk="0" hangingPunct="1">
+              <a:lnSpc>
+                <a:spcPct val="90000"/>
+              </a:lnSpc>
+              <a:spcBef>
+                <a:spcPts val="500"/>
+              </a:spcBef>
+              <a:buFont typeface="Arial" panose="020B0604020202020204" pitchFamily="34" charset="0"/>
+              <a:buChar char="•"/>
+              <a:defRPr sz="1800" kern="1200">
+                <a:solidFill>
+                  <a:schemeClr val="tx1"/>
+                </a:solidFill>
+                <a:latin typeface="+mn-lt"/>
+                <a:ea typeface="+mn-ea"/>
+                <a:cs typeface="+mn-cs"/>
+              </a:defRPr>
+            </a:lvl4pPr>
+            <a:lvl5pPr marL="2057400" indent="-228600" algn="l" defTabSz="914400" rtl="0" eaLnBrk="1" latinLnBrk="0" hangingPunct="1">
+              <a:lnSpc>
+                <a:spcPct val="90000"/>
+              </a:lnSpc>
+              <a:spcBef>
+                <a:spcPts val="500"/>
+              </a:spcBef>
+              <a:buFont typeface="Arial" panose="020B0604020202020204" pitchFamily="34" charset="0"/>
+              <a:buChar char="•"/>
+              <a:defRPr sz="1800" kern="1200">
+                <a:solidFill>
+                  <a:schemeClr val="tx1"/>
+                </a:solidFill>
+                <a:latin typeface="+mn-lt"/>
+                <a:ea typeface="+mn-ea"/>
+                <a:cs typeface="+mn-cs"/>
+              </a:defRPr>
+            </a:lvl5pPr>
+            <a:lvl6pPr marL="2514600" indent="-228600" algn="l" defTabSz="914400" rtl="0" eaLnBrk="1" latinLnBrk="0" hangingPunct="1">
+              <a:lnSpc>
+                <a:spcPct val="90000"/>
+              </a:lnSpc>
+              <a:spcBef>
+                <a:spcPts val="500"/>
+              </a:spcBef>
+              <a:buFont typeface="Arial" panose="020B0604020202020204" pitchFamily="34" charset="0"/>
+              <a:buChar char="•"/>
+              <a:defRPr sz="1800" kern="1200">
+                <a:solidFill>
+                  <a:schemeClr val="tx1"/>
+                </a:solidFill>
+                <a:latin typeface="+mn-lt"/>
+                <a:ea typeface="+mn-ea"/>
+                <a:cs typeface="+mn-cs"/>
+              </a:defRPr>
+            </a:lvl6pPr>
+            <a:lvl7pPr marL="2971800" indent="-228600" algn="l" defTabSz="914400" rtl="0" eaLnBrk="1" latinLnBrk="0" hangingPunct="1">
+              <a:lnSpc>
+                <a:spcPct val="90000"/>
+              </a:lnSpc>
+              <a:spcBef>
+                <a:spcPts val="500"/>
+              </a:spcBef>
+              <a:buFont typeface="Arial" panose="020B0604020202020204" pitchFamily="34" charset="0"/>
+              <a:buChar char="•"/>
+              <a:defRPr sz="1800" kern="1200">
+                <a:solidFill>
+                  <a:schemeClr val="tx1"/>
+                </a:solidFill>
+                <a:latin typeface="+mn-lt"/>
+                <a:ea typeface="+mn-ea"/>
+                <a:cs typeface="+mn-cs"/>
+              </a:defRPr>
+            </a:lvl7pPr>
+            <a:lvl8pPr marL="3429000" indent="-228600" algn="l" defTabSz="914400" rtl="0" eaLnBrk="1" latinLnBrk="0" hangingPunct="1">
+              <a:lnSpc>
+                <a:spcPct val="90000"/>
+              </a:lnSpc>
+              <a:spcBef>
+                <a:spcPts val="500"/>
+              </a:spcBef>
+              <a:buFont typeface="Arial" panose="020B0604020202020204" pitchFamily="34" charset="0"/>
+              <a:buChar char="•"/>
+              <a:defRPr sz="1800" kern="1200">
+                <a:solidFill>
+                  <a:schemeClr val="tx1"/>
+                </a:solidFill>
+                <a:latin typeface="+mn-lt"/>
+                <a:ea typeface="+mn-ea"/>
+                <a:cs typeface="+mn-cs"/>
+              </a:defRPr>
+            </a:lvl8pPr>
+            <a:lvl9pPr marL="3886200" indent="-228600" algn="l" defTabSz="914400" rtl="0" eaLnBrk="1" latinLnBrk="0" hangingPunct="1">
+              <a:lnSpc>
+                <a:spcPct val="90000"/>
+              </a:lnSpc>
+              <a:spcBef>
+                <a:spcPts val="500"/>
+              </a:spcBef>
+              <a:buFont typeface="Arial" panose="020B0604020202020204" pitchFamily="34" charset="0"/>
+              <a:buChar char="•"/>
+              <a:defRPr sz="1800" kern="1200">
+                <a:solidFill>
+                  <a:schemeClr val="tx1"/>
+                </a:solidFill>
+                <a:latin typeface="+mn-lt"/>
+                <a:ea typeface="+mn-ea"/>
+                <a:cs typeface="+mn-cs"/>
+              </a:defRPr>
+            </a:lvl9pPr>
+          </a:lstStyle>
+          <a:p>
+            <a:pPr marL="0" indent="0">
+              <a:buFont typeface="Arial" panose="020B0604020202020204" pitchFamily="34" charset="0"/>
+              <a:buNone/>
+            </a:pPr>
+            <a:r>
+              <a:rPr lang="pt-BR" sz="3200" b="1" dirty="0" err="1" smtClean="0">
+                <a:solidFill>
+                  <a:srgbClr val="187792"/>
+                </a:solidFill>
+                <a:latin typeface="Aleo" panose="020F0502020204030203" pitchFamily="34" charset="0"/>
+              </a:rPr>
+              <a:t>Stemming</a:t>
+            </a:r>
+            <a:endParaRPr lang="pt-BR" sz="3200" b="1" dirty="0" smtClean="0">
+              <a:solidFill>
+                <a:srgbClr val="187792"/>
+              </a:solidFill>
+              <a:latin typeface="Aleo" panose="020F0502020204030203" pitchFamily="34" charset="0"/>
+            </a:endParaRPr>
+          </a:p>
+          <a:p>
+            <a:pPr marL="0" indent="0">
+              <a:buFont typeface="Arial" panose="020B0604020202020204" pitchFamily="34" charset="0"/>
+              <a:buNone/>
+            </a:pPr>
+            <a:r>
+              <a:rPr lang="pt-BR" sz="3200" dirty="0" smtClean="0">
+                <a:latin typeface="Aleo" panose="020F0502020204030203" pitchFamily="34" charset="0"/>
+              </a:rPr>
+              <a:t>Unifica formas variantes de palavras que possuem o mesmo significado.</a:t>
+            </a:r>
+            <a:endParaRPr lang="pt-BR" sz="3200" dirty="0">
+              <a:latin typeface="Aleo" panose="020F0502020204030203" pitchFamily="34" charset="0"/>
+            </a:endParaRPr>
+          </a:p>
+        </p:txBody>
+      </p:sp>
+    </p:spTree>
+    <p:extLst>
+      <p:ext uri="{BB962C8B-B14F-4D97-AF65-F5344CB8AC3E}">
+        <p14:creationId xmlns:p14="http://schemas.microsoft.com/office/powerpoint/2010/main" val="3804926669"/>
+      </p:ext>
+    </p:extLst>
+  </p:cSld>
+  <p:clrMapOvr>
+    <a:masterClrMapping/>
+  </p:clrMapOvr>
+  <p:timing>
+    <p:tnLst>
+      <p:par>
+        <p:cTn id="1" dur="indefinite" restart="never" nodeType="tmRoot"/>
+      </p:par>
+    </p:tnLst>
+  </p:timing>
+</p:sld>
+</file>
+
+<file path=ppt/slides/slide31.xml><?xml version="1.0" encoding="utf-8"?>
+<p:sld xmlns:a="http://schemas.openxmlformats.org/drawingml/2006/main" xmlns:r="http://schemas.openxmlformats.org/officeDocument/2006/relationships" xmlns:p="http://schemas.openxmlformats.org/presentationml/2006/main">
+  <p:cSld>
+    <p:spTree>
+      <p:nvGrpSpPr>
+        <p:cNvPr id="1" name=""/>
+        <p:cNvGrpSpPr/>
+        <p:nvPr/>
+      </p:nvGrpSpPr>
+      <p:grpSpPr>
+        <a:xfrm>
+          <a:off x="0" y="0"/>
+          <a:ext cx="0" cy="0"/>
+          <a:chOff x="0" y="0"/>
+          <a:chExt cx="0" cy="0"/>
+        </a:xfrm>
+      </p:grpSpPr>
+      <p:sp>
+        <p:nvSpPr>
+          <p:cNvPr id="2" name="Espaço Reservado para Número de Slide 1"/>
+          <p:cNvSpPr>
+            <a:spLocks noGrp="1"/>
+          </p:cNvSpPr>
+          <p:nvPr>
+            <p:ph type="sldNum" sz="quarter" idx="12"/>
+          </p:nvPr>
+        </p:nvSpPr>
+        <p:spPr/>
+        <p:txBody>
+          <a:bodyPr/>
+          <a:lstStyle/>
+          <a:p>
+            <a:fld id="{D20560A7-4BF3-4730-B58B-149A6CD3B197}" type="slidenum">
+              <a:rPr lang="pt-BR" smtClean="0"/>
+              <a:t>31</a:t>
+            </a:fld>
+            <a:endParaRPr lang="pt-BR"/>
+          </a:p>
+        </p:txBody>
+      </p:sp>
+      <p:sp>
+        <p:nvSpPr>
+          <p:cNvPr id="9" name="CaixaDeTexto 8"/>
+          <p:cNvSpPr txBox="1"/>
+          <p:nvPr/>
+        </p:nvSpPr>
+        <p:spPr>
+          <a:xfrm>
+            <a:off x="7633297" y="-627"/>
+            <a:ext cx="1511953" cy="461665"/>
+          </a:xfrm>
+          <a:prstGeom prst="rect">
+            <a:avLst/>
+          </a:prstGeom>
+          <a:solidFill>
+            <a:srgbClr val="187792"/>
+          </a:solidFill>
+        </p:spPr>
+        <p:txBody>
+          <a:bodyPr wrap="none" rtlCol="0">
+            <a:spAutoFit/>
+          </a:bodyPr>
+          <a:lstStyle/>
+          <a:p>
+            <a:pPr algn="r"/>
+            <a:r>
+              <a:rPr lang="pt-BR" sz="2400" dirty="0">
+                <a:solidFill>
+                  <a:schemeClr val="bg1"/>
+                </a:solidFill>
+              </a:rPr>
+              <a:t>  </a:t>
+            </a:r>
+            <a:r>
+              <a:rPr lang="pt-BR" sz="2400" dirty="0" smtClean="0">
+                <a:solidFill>
+                  <a:schemeClr val="bg1"/>
+                </a:solidFill>
+                <a:latin typeface="Aleo" panose="020F0502020204030203" pitchFamily="34" charset="0"/>
+              </a:rPr>
+              <a:t>Solução</a:t>
+            </a:r>
+            <a:r>
+              <a:rPr lang="pt-BR" sz="2400" dirty="0" smtClean="0">
+                <a:solidFill>
+                  <a:schemeClr val="bg1"/>
+                </a:solidFill>
+              </a:rPr>
+              <a:t>  </a:t>
+            </a:r>
+            <a:endParaRPr lang="pt-BR" sz="2400" dirty="0">
+              <a:solidFill>
+                <a:schemeClr val="bg1"/>
+              </a:solidFill>
+            </a:endParaRPr>
+          </a:p>
+        </p:txBody>
+      </p:sp>
+      <p:pic>
+        <p:nvPicPr>
+          <p:cNvPr id="5" name="Imagem 4"/>
+          <p:cNvPicPr>
+            <a:picLocks noChangeAspect="1"/>
+          </p:cNvPicPr>
+          <p:nvPr/>
+        </p:nvPicPr>
+        <p:blipFill>
+          <a:blip r:embed="rId2">
+            <a:extLst>
+              <a:ext uri="{28A0092B-C50C-407E-A947-70E740481C1C}">
+                <a14:useLocalDpi xmlns:a14="http://schemas.microsoft.com/office/drawing/2010/main" val="0"/>
+              </a:ext>
+            </a:extLst>
+          </a:blip>
+          <a:stretch>
+            <a:fillRect/>
+          </a:stretch>
+        </p:blipFill>
+        <p:spPr>
+          <a:xfrm>
+            <a:off x="2286000" y="5906598"/>
+            <a:ext cx="4572000" cy="793562"/>
+          </a:xfrm>
+          <a:prstGeom prst="rect">
+            <a:avLst/>
+          </a:prstGeom>
+        </p:spPr>
+      </p:pic>
+      <p:sp>
+        <p:nvSpPr>
+          <p:cNvPr id="11" name="Espaço Reservado para Conteúdo 2"/>
+          <p:cNvSpPr>
+            <a:spLocks noGrp="1"/>
+          </p:cNvSpPr>
+          <p:nvPr>
+            <p:ph idx="1"/>
+          </p:nvPr>
+        </p:nvSpPr>
+        <p:spPr>
+          <a:xfrm>
+            <a:off x="5359400" y="5820947"/>
+            <a:ext cx="304800" cy="349101"/>
+          </a:xfrm>
+        </p:spPr>
+        <p:txBody>
+          <a:bodyPr>
+            <a:normAutofit/>
+          </a:bodyPr>
+          <a:lstStyle/>
+          <a:p>
+            <a:pPr marL="0" indent="0">
+              <a:buNone/>
+            </a:pPr>
+            <a:r>
+              <a:rPr lang="pt-BR" sz="1800" b="1" dirty="0" smtClean="0">
+                <a:solidFill>
+                  <a:srgbClr val="187792"/>
+                </a:solidFill>
+                <a:latin typeface="Aleo" panose="020F0502020204030203" pitchFamily="34" charset="0"/>
+              </a:rPr>
+              <a:t>4</a:t>
+            </a:r>
+            <a:endParaRPr lang="pt-BR" sz="1800" dirty="0">
+              <a:latin typeface="Aleo" panose="020F0502020204030203" pitchFamily="34" charset="0"/>
+            </a:endParaRPr>
+          </a:p>
+          <a:p>
+            <a:pPr marL="0" indent="0">
+              <a:buNone/>
+            </a:pPr>
+            <a:endParaRPr lang="pt-BR" sz="1800" dirty="0">
+              <a:latin typeface="Aleo" panose="020F0502020204030203" pitchFamily="34" charset="0"/>
+            </a:endParaRPr>
+          </a:p>
+        </p:txBody>
+      </p:sp>
+      <p:sp>
+        <p:nvSpPr>
+          <p:cNvPr id="14" name="Espaço Reservado para Conteúdo 2"/>
+          <p:cNvSpPr txBox="1">
+            <a:spLocks/>
+          </p:cNvSpPr>
+          <p:nvPr/>
+        </p:nvSpPr>
+        <p:spPr>
+          <a:xfrm>
+            <a:off x="2142669" y="1970380"/>
+            <a:ext cx="4858661" cy="2877004"/>
+          </a:xfrm>
+          <a:prstGeom prst="rect">
+            <a:avLst/>
+          </a:prstGeom>
+        </p:spPr>
+        <p:txBody>
+          <a:bodyPr vert="horz" lIns="91440" tIns="45720" rIns="91440" bIns="45720" rtlCol="0" anchor="ctr">
+            <a:normAutofit/>
+          </a:bodyPr>
+          <a:lstStyle>
+            <a:lvl1pPr marL="228600" indent="-228600" algn="l" defTabSz="914400" rtl="0" eaLnBrk="1" latinLnBrk="0" hangingPunct="1">
+              <a:lnSpc>
+                <a:spcPct val="90000"/>
+              </a:lnSpc>
+              <a:spcBef>
+                <a:spcPts val="1000"/>
+              </a:spcBef>
+              <a:buFont typeface="Arial" panose="020B0604020202020204" pitchFamily="34" charset="0"/>
+              <a:buChar char="•"/>
+              <a:defRPr sz="2800" kern="1200">
+                <a:solidFill>
+                  <a:schemeClr val="tx1"/>
+                </a:solidFill>
+                <a:latin typeface="+mn-lt"/>
+                <a:ea typeface="+mn-ea"/>
+                <a:cs typeface="+mn-cs"/>
+              </a:defRPr>
+            </a:lvl1pPr>
+            <a:lvl2pPr marL="685800" indent="-228600" algn="l" defTabSz="914400" rtl="0" eaLnBrk="1" latinLnBrk="0" hangingPunct="1">
+              <a:lnSpc>
+                <a:spcPct val="90000"/>
+              </a:lnSpc>
+              <a:spcBef>
+                <a:spcPts val="500"/>
+              </a:spcBef>
+              <a:buFont typeface="Arial" panose="020B0604020202020204" pitchFamily="34" charset="0"/>
+              <a:buChar char="•"/>
+              <a:defRPr sz="2400" kern="1200">
+                <a:solidFill>
+                  <a:schemeClr val="tx1"/>
+                </a:solidFill>
+                <a:latin typeface="+mn-lt"/>
+                <a:ea typeface="+mn-ea"/>
+                <a:cs typeface="+mn-cs"/>
+              </a:defRPr>
+            </a:lvl2pPr>
+            <a:lvl3pPr marL="1143000" indent="-228600" algn="l" defTabSz="914400" rtl="0" eaLnBrk="1" latinLnBrk="0" hangingPunct="1">
+              <a:lnSpc>
+                <a:spcPct val="90000"/>
+              </a:lnSpc>
+              <a:spcBef>
+                <a:spcPts val="500"/>
+              </a:spcBef>
+              <a:buFont typeface="Arial" panose="020B0604020202020204" pitchFamily="34" charset="0"/>
+              <a:buChar char="•"/>
+              <a:defRPr sz="2000" kern="1200">
+                <a:solidFill>
+                  <a:schemeClr val="tx1"/>
+                </a:solidFill>
+                <a:latin typeface="+mn-lt"/>
+                <a:ea typeface="+mn-ea"/>
+                <a:cs typeface="+mn-cs"/>
+              </a:defRPr>
+            </a:lvl3pPr>
+            <a:lvl4pPr marL="1600200" indent="-228600" algn="l" defTabSz="914400" rtl="0" eaLnBrk="1" latinLnBrk="0" hangingPunct="1">
+              <a:lnSpc>
+                <a:spcPct val="90000"/>
+              </a:lnSpc>
+              <a:spcBef>
+                <a:spcPts val="500"/>
+              </a:spcBef>
+              <a:buFont typeface="Arial" panose="020B0604020202020204" pitchFamily="34" charset="0"/>
+              <a:buChar char="•"/>
+              <a:defRPr sz="1800" kern="1200">
+                <a:solidFill>
+                  <a:schemeClr val="tx1"/>
+                </a:solidFill>
+                <a:latin typeface="+mn-lt"/>
+                <a:ea typeface="+mn-ea"/>
+                <a:cs typeface="+mn-cs"/>
+              </a:defRPr>
+            </a:lvl4pPr>
+            <a:lvl5pPr marL="2057400" indent="-228600" algn="l" defTabSz="914400" rtl="0" eaLnBrk="1" latinLnBrk="0" hangingPunct="1">
+              <a:lnSpc>
+                <a:spcPct val="90000"/>
+              </a:lnSpc>
+              <a:spcBef>
+                <a:spcPts val="500"/>
+              </a:spcBef>
+              <a:buFont typeface="Arial" panose="020B0604020202020204" pitchFamily="34" charset="0"/>
+              <a:buChar char="•"/>
+              <a:defRPr sz="1800" kern="1200">
+                <a:solidFill>
+                  <a:schemeClr val="tx1"/>
+                </a:solidFill>
+                <a:latin typeface="+mn-lt"/>
+                <a:ea typeface="+mn-ea"/>
+                <a:cs typeface="+mn-cs"/>
+              </a:defRPr>
+            </a:lvl5pPr>
+            <a:lvl6pPr marL="2514600" indent="-228600" algn="l" defTabSz="914400" rtl="0" eaLnBrk="1" latinLnBrk="0" hangingPunct="1">
+              <a:lnSpc>
+                <a:spcPct val="90000"/>
+              </a:lnSpc>
+              <a:spcBef>
+                <a:spcPts val="500"/>
+              </a:spcBef>
+              <a:buFont typeface="Arial" panose="020B0604020202020204" pitchFamily="34" charset="0"/>
+              <a:buChar char="•"/>
+              <a:defRPr sz="1800" kern="1200">
+                <a:solidFill>
+                  <a:schemeClr val="tx1"/>
+                </a:solidFill>
+                <a:latin typeface="+mn-lt"/>
+                <a:ea typeface="+mn-ea"/>
+                <a:cs typeface="+mn-cs"/>
+              </a:defRPr>
+            </a:lvl6pPr>
+            <a:lvl7pPr marL="2971800" indent="-228600" algn="l" defTabSz="914400" rtl="0" eaLnBrk="1" latinLnBrk="0" hangingPunct="1">
+              <a:lnSpc>
+                <a:spcPct val="90000"/>
+              </a:lnSpc>
+              <a:spcBef>
+                <a:spcPts val="500"/>
+              </a:spcBef>
+              <a:buFont typeface="Arial" panose="020B0604020202020204" pitchFamily="34" charset="0"/>
+              <a:buChar char="•"/>
+              <a:defRPr sz="1800" kern="1200">
+                <a:solidFill>
+                  <a:schemeClr val="tx1"/>
+                </a:solidFill>
+                <a:latin typeface="+mn-lt"/>
+                <a:ea typeface="+mn-ea"/>
+                <a:cs typeface="+mn-cs"/>
+              </a:defRPr>
+            </a:lvl7pPr>
+            <a:lvl8pPr marL="3429000" indent="-228600" algn="l" defTabSz="914400" rtl="0" eaLnBrk="1" latinLnBrk="0" hangingPunct="1">
+              <a:lnSpc>
+                <a:spcPct val="90000"/>
+              </a:lnSpc>
+              <a:spcBef>
+                <a:spcPts val="500"/>
+              </a:spcBef>
+              <a:buFont typeface="Arial" panose="020B0604020202020204" pitchFamily="34" charset="0"/>
+              <a:buChar char="•"/>
+              <a:defRPr sz="1800" kern="1200">
+                <a:solidFill>
+                  <a:schemeClr val="tx1"/>
+                </a:solidFill>
+                <a:latin typeface="+mn-lt"/>
+                <a:ea typeface="+mn-ea"/>
+                <a:cs typeface="+mn-cs"/>
+              </a:defRPr>
+            </a:lvl8pPr>
+            <a:lvl9pPr marL="3886200" indent="-228600" algn="l" defTabSz="914400" rtl="0" eaLnBrk="1" latinLnBrk="0" hangingPunct="1">
+              <a:lnSpc>
+                <a:spcPct val="90000"/>
+              </a:lnSpc>
+              <a:spcBef>
+                <a:spcPts val="500"/>
+              </a:spcBef>
+              <a:buFont typeface="Arial" panose="020B0604020202020204" pitchFamily="34" charset="0"/>
+              <a:buChar char="•"/>
+              <a:defRPr sz="1800" kern="1200">
+                <a:solidFill>
+                  <a:schemeClr val="tx1"/>
+                </a:solidFill>
+                <a:latin typeface="+mn-lt"/>
+                <a:ea typeface="+mn-ea"/>
+                <a:cs typeface="+mn-cs"/>
+              </a:defRPr>
+            </a:lvl9pPr>
+          </a:lstStyle>
+          <a:p>
+            <a:pPr marL="0" indent="0" algn="ctr">
+              <a:buFont typeface="Arial" panose="020B0604020202020204" pitchFamily="34" charset="0"/>
+              <a:buNone/>
+            </a:pPr>
+            <a:r>
+              <a:rPr lang="pt-BR" sz="3200" dirty="0">
+                <a:latin typeface="Aleo" panose="020F0502020204030203" pitchFamily="34" charset="0"/>
+              </a:rPr>
+              <a:t>e</a:t>
+            </a:r>
+            <a:r>
+              <a:rPr lang="pt-BR" sz="3200" dirty="0" smtClean="0">
+                <a:latin typeface="Aleo" panose="020F0502020204030203" pitchFamily="34" charset="0"/>
+              </a:rPr>
+              <a:t>conômico   =&gt;  </a:t>
+            </a:r>
+            <a:r>
+              <a:rPr lang="pt-BR" sz="3200" dirty="0" err="1" smtClean="0">
+                <a:latin typeface="Aleo" panose="020F0502020204030203" pitchFamily="34" charset="0"/>
+              </a:rPr>
+              <a:t>econom</a:t>
+            </a:r>
+            <a:endParaRPr lang="pt-BR" sz="3200" dirty="0" smtClean="0">
+              <a:latin typeface="Aleo" panose="020F0502020204030203" pitchFamily="34" charset="0"/>
+            </a:endParaRPr>
+          </a:p>
+          <a:p>
+            <a:pPr marL="0" indent="0" algn="ctr">
+              <a:buFont typeface="Arial" panose="020B0604020202020204" pitchFamily="34" charset="0"/>
+              <a:buNone/>
+            </a:pPr>
+            <a:r>
+              <a:rPr lang="pt-BR" sz="3200" dirty="0" smtClean="0">
+                <a:latin typeface="Aleo" panose="020F0502020204030203" pitchFamily="34" charset="0"/>
+              </a:rPr>
+              <a:t>economia     =&gt;  </a:t>
+            </a:r>
+            <a:r>
+              <a:rPr lang="pt-BR" sz="3200" dirty="0" err="1" smtClean="0">
+                <a:latin typeface="Aleo" panose="020F0502020204030203" pitchFamily="34" charset="0"/>
+              </a:rPr>
+              <a:t>econom</a:t>
+            </a:r>
+            <a:endParaRPr lang="pt-BR" sz="3200" dirty="0" smtClean="0">
+              <a:latin typeface="Aleo" panose="020F0502020204030203" pitchFamily="34" charset="0"/>
+            </a:endParaRPr>
+          </a:p>
+          <a:p>
+            <a:pPr marL="0" indent="0" algn="ctr">
+              <a:buNone/>
+            </a:pPr>
+            <a:r>
+              <a:rPr lang="pt-BR" sz="3200" dirty="0" smtClean="0">
+                <a:latin typeface="Aleo" panose="020F0502020204030203" pitchFamily="34" charset="0"/>
+              </a:rPr>
+              <a:t>economias   =&gt;  </a:t>
+            </a:r>
+            <a:r>
+              <a:rPr lang="pt-BR" sz="3200" dirty="0" err="1" smtClean="0">
+                <a:latin typeface="Aleo" panose="020F0502020204030203" pitchFamily="34" charset="0"/>
+              </a:rPr>
+              <a:t>econom</a:t>
+            </a:r>
+            <a:endParaRPr lang="pt-BR" sz="3200" dirty="0" smtClean="0">
+              <a:latin typeface="Aleo" panose="020F0502020204030203" pitchFamily="34" charset="0"/>
+            </a:endParaRPr>
+          </a:p>
+        </p:txBody>
+      </p:sp>
+    </p:spTree>
+    <p:extLst>
+      <p:ext uri="{BB962C8B-B14F-4D97-AF65-F5344CB8AC3E}">
+        <p14:creationId xmlns:p14="http://schemas.microsoft.com/office/powerpoint/2010/main" val="1488518786"/>
+      </p:ext>
+    </p:extLst>
+  </p:cSld>
+  <p:clrMapOvr>
+    <a:masterClrMapping/>
+  </p:clrMapOvr>
+  <p:timing>
+    <p:tnLst>
+      <p:par>
+        <p:cTn id="1" dur="indefinite" restart="never" nodeType="tmRoot"/>
+      </p:par>
+    </p:tnLst>
+  </p:timing>
+</p:sld>
+</file>
+
+<file path=ppt/slides/slide32.xml><?xml version="1.0" encoding="utf-8"?>
+<p:sld xmlns:a="http://schemas.openxmlformats.org/drawingml/2006/main" xmlns:r="http://schemas.openxmlformats.org/officeDocument/2006/relationships" xmlns:p="http://schemas.openxmlformats.org/presentationml/2006/main">
+  <p:cSld>
+    <p:spTree>
+      <p:nvGrpSpPr>
+        <p:cNvPr id="1" name=""/>
+        <p:cNvGrpSpPr/>
+        <p:nvPr/>
+      </p:nvGrpSpPr>
+      <p:grpSpPr>
+        <a:xfrm>
+          <a:off x="0" y="0"/>
+          <a:ext cx="0" cy="0"/>
+          <a:chOff x="0" y="0"/>
+          <a:chExt cx="0" cy="0"/>
+        </a:xfrm>
+      </p:grpSpPr>
+      <p:sp>
+        <p:nvSpPr>
+          <p:cNvPr id="3" name="Espaço Reservado para Conteúdo 2"/>
+          <p:cNvSpPr>
+            <a:spLocks noGrp="1"/>
+          </p:cNvSpPr>
+          <p:nvPr>
+            <p:ph idx="1"/>
+          </p:nvPr>
+        </p:nvSpPr>
+        <p:spPr>
+          <a:xfrm>
+            <a:off x="628650" y="2623911"/>
+            <a:ext cx="7886700" cy="2877003"/>
+          </a:xfrm>
+        </p:spPr>
+        <p:txBody>
+          <a:bodyPr>
+            <a:normAutofit/>
+          </a:bodyPr>
+          <a:lstStyle/>
+          <a:p>
+            <a:pPr marL="0" indent="0">
+              <a:buNone/>
+            </a:pPr>
+            <a:r>
+              <a:rPr lang="pt-BR" sz="3200" b="1" dirty="0" smtClean="0">
+                <a:solidFill>
+                  <a:srgbClr val="187792"/>
+                </a:solidFill>
+                <a:latin typeface="Aleo" panose="020F0502020204030203" pitchFamily="34" charset="0"/>
+              </a:rPr>
+              <a:t>[Falar do FIHC e </a:t>
+            </a:r>
+            <a:r>
+              <a:rPr lang="pt-BR" sz="3200" b="1" dirty="0" err="1" smtClean="0">
+                <a:solidFill>
+                  <a:srgbClr val="187792"/>
+                </a:solidFill>
+                <a:latin typeface="Aleo" panose="020F0502020204030203" pitchFamily="34" charset="0"/>
+              </a:rPr>
+              <a:t>Frequent</a:t>
+            </a:r>
+            <a:r>
+              <a:rPr lang="pt-BR" sz="3200" b="1" dirty="0" smtClean="0">
+                <a:solidFill>
+                  <a:srgbClr val="187792"/>
+                </a:solidFill>
+                <a:latin typeface="Aleo" panose="020F0502020204030203" pitchFamily="34" charset="0"/>
+              </a:rPr>
+              <a:t> </a:t>
+            </a:r>
+            <a:r>
+              <a:rPr lang="pt-BR" sz="3200" b="1" dirty="0" err="1" smtClean="0">
+                <a:solidFill>
+                  <a:srgbClr val="187792"/>
+                </a:solidFill>
+                <a:latin typeface="Aleo" panose="020F0502020204030203" pitchFamily="34" charset="0"/>
+              </a:rPr>
+              <a:t>itemset</a:t>
+            </a:r>
+            <a:r>
+              <a:rPr lang="pt-BR" sz="3200" b="1" dirty="0" smtClean="0">
+                <a:solidFill>
+                  <a:srgbClr val="187792"/>
+                </a:solidFill>
+                <a:latin typeface="Aleo" panose="020F0502020204030203" pitchFamily="34" charset="0"/>
+              </a:rPr>
+              <a:t>?]</a:t>
+            </a:r>
+            <a:endParaRPr lang="pt-BR" sz="3200" dirty="0">
+              <a:latin typeface="Aleo" panose="020F0502020204030203" pitchFamily="34" charset="0"/>
+            </a:endParaRPr>
+          </a:p>
+          <a:p>
+            <a:pPr marL="0" indent="0">
+              <a:buNone/>
+            </a:pPr>
+            <a:endParaRPr lang="pt-BR" sz="3200" dirty="0">
+              <a:latin typeface="Aleo" panose="020F0502020204030203" pitchFamily="34" charset="0"/>
+            </a:endParaRPr>
+          </a:p>
+        </p:txBody>
+      </p:sp>
+      <p:sp>
+        <p:nvSpPr>
+          <p:cNvPr id="2" name="Espaço Reservado para Número de Slide 1"/>
+          <p:cNvSpPr>
+            <a:spLocks noGrp="1"/>
+          </p:cNvSpPr>
+          <p:nvPr>
+            <p:ph type="sldNum" sz="quarter" idx="12"/>
+          </p:nvPr>
+        </p:nvSpPr>
+        <p:spPr/>
+        <p:txBody>
+          <a:bodyPr/>
+          <a:lstStyle/>
+          <a:p>
+            <a:fld id="{D20560A7-4BF3-4730-B58B-149A6CD3B197}" type="slidenum">
+              <a:rPr lang="pt-BR" smtClean="0"/>
+              <a:t>32</a:t>
+            </a:fld>
+            <a:endParaRPr lang="pt-BR"/>
+          </a:p>
+        </p:txBody>
+      </p:sp>
+      <p:sp>
+        <p:nvSpPr>
+          <p:cNvPr id="9" name="CaixaDeTexto 8"/>
+          <p:cNvSpPr txBox="1"/>
+          <p:nvPr/>
+        </p:nvSpPr>
+        <p:spPr>
+          <a:xfrm>
+            <a:off x="7633297" y="-627"/>
+            <a:ext cx="1511953" cy="461665"/>
+          </a:xfrm>
+          <a:prstGeom prst="rect">
+            <a:avLst/>
+          </a:prstGeom>
+          <a:solidFill>
+            <a:srgbClr val="187792"/>
+          </a:solidFill>
+        </p:spPr>
+        <p:txBody>
+          <a:bodyPr wrap="none" rtlCol="0">
+            <a:spAutoFit/>
+          </a:bodyPr>
+          <a:lstStyle/>
+          <a:p>
+            <a:pPr algn="r"/>
+            <a:r>
+              <a:rPr lang="pt-BR" sz="2400" dirty="0">
+                <a:solidFill>
+                  <a:schemeClr val="bg1"/>
+                </a:solidFill>
+              </a:rPr>
+              <a:t>  </a:t>
+            </a:r>
+            <a:r>
+              <a:rPr lang="pt-BR" sz="2400" dirty="0" smtClean="0">
+                <a:solidFill>
+                  <a:schemeClr val="bg1"/>
+                </a:solidFill>
+                <a:latin typeface="Aleo" panose="020F0502020204030203" pitchFamily="34" charset="0"/>
+              </a:rPr>
+              <a:t>Solução</a:t>
+            </a:r>
+            <a:r>
+              <a:rPr lang="pt-BR" sz="2400" dirty="0" smtClean="0">
+                <a:solidFill>
+                  <a:schemeClr val="bg1"/>
+                </a:solidFill>
+              </a:rPr>
+              <a:t>  </a:t>
+            </a:r>
+            <a:endParaRPr lang="pt-BR" sz="2400" dirty="0">
+              <a:solidFill>
+                <a:schemeClr val="bg1"/>
+              </a:solidFill>
+            </a:endParaRPr>
+          </a:p>
+        </p:txBody>
+      </p:sp>
+    </p:spTree>
+    <p:extLst>
+      <p:ext uri="{BB962C8B-B14F-4D97-AF65-F5344CB8AC3E}">
+        <p14:creationId xmlns:p14="http://schemas.microsoft.com/office/powerpoint/2010/main" val="1027583475"/>
+      </p:ext>
+    </p:extLst>
+  </p:cSld>
+  <p:clrMapOvr>
+    <a:masterClrMapping/>
+  </p:clrMapOvr>
+  <p:timing>
+    <p:tnLst>
+      <p:par>
+        <p:cTn id="1" dur="indefinite" restart="never" nodeType="tmRoot"/>
+      </p:par>
+    </p:tnLst>
+  </p:timing>
+</p:sld>
+</file>
+
+<file path=ppt/slides/slide33.xml><?xml version="1.0" encoding="utf-8"?>
+<p:sld xmlns:a="http://schemas.openxmlformats.org/drawingml/2006/main" xmlns:r="http://schemas.openxmlformats.org/officeDocument/2006/relationships" xmlns:p="http://schemas.openxmlformats.org/presentationml/2006/main">
+  <p:cSld>
+    <p:spTree>
+      <p:nvGrpSpPr>
+        <p:cNvPr id="1" name=""/>
+        <p:cNvGrpSpPr/>
+        <p:nvPr/>
+      </p:nvGrpSpPr>
+      <p:grpSpPr>
+        <a:xfrm>
+          <a:off x="0" y="0"/>
+          <a:ext cx="0" cy="0"/>
+          <a:chOff x="0" y="0"/>
+          <a:chExt cx="0" cy="0"/>
+        </a:xfrm>
+      </p:grpSpPr>
+      <p:sp>
+        <p:nvSpPr>
+          <p:cNvPr id="2" name="Título 1"/>
+          <p:cNvSpPr>
+            <a:spLocks noGrp="1"/>
+          </p:cNvSpPr>
+          <p:nvPr>
+            <p:ph type="title"/>
+          </p:nvPr>
+        </p:nvSpPr>
+        <p:spPr>
+          <a:xfrm>
+            <a:off x="672896" y="2923023"/>
+            <a:ext cx="7886700" cy="994172"/>
+          </a:xfrm>
+        </p:spPr>
+        <p:txBody>
+          <a:bodyPr>
+            <a:noAutofit/>
+          </a:bodyPr>
+          <a:lstStyle/>
+          <a:p>
+            <a:pPr algn="ctr"/>
+            <a:r>
+              <a:rPr lang="pt-BR" b="1" dirty="0" smtClean="0">
+                <a:solidFill>
+                  <a:srgbClr val="187792"/>
+                </a:solidFill>
+                <a:latin typeface="Aleo" panose="020F0502020204030203" pitchFamily="34" charset="0"/>
+              </a:rPr>
+              <a:t>Conclusão</a:t>
+            </a:r>
+            <a:endParaRPr lang="pt-BR" b="1" dirty="0">
+              <a:solidFill>
+                <a:srgbClr val="187792"/>
+              </a:solidFill>
+              <a:latin typeface="Aleo" panose="020F0502020204030203" pitchFamily="34" charset="0"/>
+            </a:endParaRPr>
+          </a:p>
+        </p:txBody>
+      </p:sp>
+      <p:sp>
+        <p:nvSpPr>
+          <p:cNvPr id="3" name="Espaço Reservado para Número de Slide 2"/>
+          <p:cNvSpPr>
+            <a:spLocks noGrp="1"/>
+          </p:cNvSpPr>
+          <p:nvPr>
+            <p:ph type="sldNum" sz="quarter" idx="12"/>
+          </p:nvPr>
+        </p:nvSpPr>
+        <p:spPr/>
+        <p:txBody>
+          <a:bodyPr/>
+          <a:lstStyle/>
+          <a:p>
+            <a:fld id="{D20560A7-4BF3-4730-B58B-149A6CD3B197}" type="slidenum">
+              <a:rPr lang="pt-BR" smtClean="0"/>
+              <a:t>33</a:t>
+            </a:fld>
+            <a:endParaRPr lang="pt-BR"/>
+          </a:p>
+        </p:txBody>
+      </p:sp>
+    </p:spTree>
+    <p:extLst>
+      <p:ext uri="{BB962C8B-B14F-4D97-AF65-F5344CB8AC3E}">
+        <p14:creationId xmlns:p14="http://schemas.microsoft.com/office/powerpoint/2010/main" val="1153277893"/>
+      </p:ext>
+    </p:extLst>
+  </p:cSld>
+  <p:clrMapOvr>
+    <a:masterClrMapping/>
+  </p:clrMapOvr>
+  <mc:AlternateContent xmlns:mc="http://schemas.openxmlformats.org/markup-compatibility/2006">
+    <mc:Choice xmlns:p14="http://schemas.microsoft.com/office/powerpoint/2010/main" Requires="p14">
+      <p:transition spd="slow" p14:dur="2000"/>
+    </mc:Choice>
+    <mc:Fallback>
+      <p:transition spd="slow"/>
+    </mc:Fallback>
+  </mc:AlternateContent>
+  <p:timing>
+    <p:tnLst>
+      <p:par>
+        <p:cTn id="1" dur="indefinite" restart="never" nodeType="tmRoot"/>
+      </p:par>
+    </p:tnLst>
+  </p:timing>
+</p:sld>
+</file>
+
+<file path=ppt/slides/slide34.xml><?xml version="1.0" encoding="utf-8"?>
+<p:sld xmlns:a="http://schemas.openxmlformats.org/drawingml/2006/main" xmlns:r="http://schemas.openxmlformats.org/officeDocument/2006/relationships" xmlns:p="http://schemas.openxmlformats.org/presentationml/2006/main">
+  <p:cSld>
+    <p:spTree>
+      <p:nvGrpSpPr>
+        <p:cNvPr id="1" name=""/>
+        <p:cNvGrpSpPr/>
+        <p:nvPr/>
+      </p:nvGrpSpPr>
+      <p:grpSpPr>
+        <a:xfrm>
+          <a:off x="0" y="0"/>
+          <a:ext cx="0" cy="0"/>
+          <a:chOff x="0" y="0"/>
+          <a:chExt cx="0" cy="0"/>
+        </a:xfrm>
+      </p:grpSpPr>
+      <p:sp>
+        <p:nvSpPr>
+          <p:cNvPr id="3" name="Espaço Reservado para Conteúdo 2"/>
+          <p:cNvSpPr>
+            <a:spLocks noGrp="1"/>
+          </p:cNvSpPr>
+          <p:nvPr>
+            <p:ph idx="1"/>
+          </p:nvPr>
+        </p:nvSpPr>
+        <p:spPr>
+          <a:xfrm>
+            <a:off x="527052" y="1738536"/>
+            <a:ext cx="8108950" cy="3602720"/>
+          </a:xfrm>
+        </p:spPr>
+        <p:txBody>
+          <a:bodyPr>
+            <a:normAutofit/>
+          </a:bodyPr>
+          <a:lstStyle/>
+          <a:p>
+            <a:pPr marL="0" indent="0">
+              <a:buNone/>
+            </a:pPr>
+            <a:r>
+              <a:rPr lang="pt-BR" sz="3200" dirty="0" err="1" smtClean="0">
+                <a:latin typeface="Aleo" panose="020F0502020204030203" pitchFamily="34" charset="0"/>
+              </a:rPr>
+              <a:t>Blá</a:t>
+            </a:r>
+            <a:r>
+              <a:rPr lang="pt-BR" sz="3200" dirty="0" smtClean="0">
+                <a:latin typeface="Aleo" panose="020F0502020204030203" pitchFamily="34" charset="0"/>
+              </a:rPr>
+              <a:t> </a:t>
+            </a:r>
+            <a:r>
+              <a:rPr lang="pt-BR" sz="3200" dirty="0" err="1" smtClean="0">
+                <a:latin typeface="Aleo" panose="020F0502020204030203" pitchFamily="34" charset="0"/>
+              </a:rPr>
+              <a:t>blá</a:t>
+            </a:r>
+            <a:r>
+              <a:rPr lang="pt-BR" sz="3200" dirty="0" smtClean="0">
+                <a:latin typeface="Aleo" panose="020F0502020204030203" pitchFamily="34" charset="0"/>
+              </a:rPr>
+              <a:t> </a:t>
+            </a:r>
+            <a:r>
+              <a:rPr lang="pt-BR" sz="3200" dirty="0" err="1" smtClean="0">
+                <a:latin typeface="Aleo" panose="020F0502020204030203" pitchFamily="34" charset="0"/>
+              </a:rPr>
+              <a:t>blá</a:t>
+            </a:r>
+            <a:endParaRPr lang="pt-BR" sz="3200" dirty="0" smtClean="0">
+              <a:latin typeface="Aleo" panose="020F0502020204030203" pitchFamily="34" charset="0"/>
+            </a:endParaRPr>
+          </a:p>
+          <a:p>
+            <a:pPr marL="0" indent="0">
+              <a:buNone/>
+            </a:pPr>
+            <a:endParaRPr lang="pt-BR" sz="3200" dirty="0">
+              <a:latin typeface="Aleo" panose="020F0502020204030203" pitchFamily="34" charset="0"/>
+            </a:endParaRPr>
+          </a:p>
+        </p:txBody>
+      </p:sp>
+      <p:sp>
+        <p:nvSpPr>
+          <p:cNvPr id="2" name="Espaço Reservado para Número de Slide 1"/>
+          <p:cNvSpPr>
+            <a:spLocks noGrp="1"/>
+          </p:cNvSpPr>
+          <p:nvPr>
+            <p:ph type="sldNum" sz="quarter" idx="12"/>
+          </p:nvPr>
+        </p:nvSpPr>
+        <p:spPr/>
+        <p:txBody>
+          <a:bodyPr/>
+          <a:lstStyle/>
+          <a:p>
+            <a:fld id="{D20560A7-4BF3-4730-B58B-149A6CD3B197}" type="slidenum">
+              <a:rPr lang="pt-BR" smtClean="0"/>
+              <a:t>34</a:t>
+            </a:fld>
+            <a:endParaRPr lang="pt-BR"/>
+          </a:p>
+        </p:txBody>
+      </p:sp>
+      <p:sp>
+        <p:nvSpPr>
+          <p:cNvPr id="9" name="CaixaDeTexto 8"/>
+          <p:cNvSpPr txBox="1"/>
+          <p:nvPr/>
+        </p:nvSpPr>
+        <p:spPr>
+          <a:xfrm>
+            <a:off x="7274224" y="-627"/>
+            <a:ext cx="1871026" cy="461665"/>
+          </a:xfrm>
+          <a:prstGeom prst="rect">
+            <a:avLst/>
+          </a:prstGeom>
+          <a:solidFill>
+            <a:srgbClr val="187792"/>
+          </a:solidFill>
+        </p:spPr>
+        <p:txBody>
+          <a:bodyPr wrap="none" rtlCol="0">
+            <a:spAutoFit/>
+          </a:bodyPr>
+          <a:lstStyle/>
+          <a:p>
+            <a:pPr algn="r"/>
+            <a:r>
+              <a:rPr lang="pt-BR" sz="2400" dirty="0">
+                <a:solidFill>
+                  <a:schemeClr val="bg1"/>
+                </a:solidFill>
+              </a:rPr>
+              <a:t>  </a:t>
+            </a:r>
+            <a:r>
+              <a:rPr lang="pt-BR" sz="2400" dirty="0" smtClean="0">
+                <a:solidFill>
+                  <a:schemeClr val="bg1"/>
+                </a:solidFill>
+                <a:latin typeface="Aleo" panose="020F0502020204030203" pitchFamily="34" charset="0"/>
+              </a:rPr>
+              <a:t>Conclusão</a:t>
+            </a:r>
+            <a:r>
+              <a:rPr lang="pt-BR" sz="2400" dirty="0" smtClean="0">
+                <a:solidFill>
+                  <a:schemeClr val="bg1"/>
+                </a:solidFill>
+              </a:rPr>
+              <a:t>  </a:t>
+            </a:r>
+            <a:endParaRPr lang="pt-BR" sz="2400" dirty="0">
+              <a:solidFill>
+                <a:schemeClr val="bg1"/>
+              </a:solidFill>
+            </a:endParaRPr>
+          </a:p>
+        </p:txBody>
+      </p:sp>
+    </p:spTree>
+    <p:extLst>
+      <p:ext uri="{BB962C8B-B14F-4D97-AF65-F5344CB8AC3E}">
+        <p14:creationId xmlns:p14="http://schemas.microsoft.com/office/powerpoint/2010/main" val="219425994"/>
+      </p:ext>
+    </p:extLst>
+  </p:cSld>
+  <p:clrMapOvr>
+    <a:masterClrMapping/>
+  </p:clrMapOvr>
+  <p:timing>
+    <p:tnLst>
+      <p:par>
+        <p:cTn id="1" dur="indefinite" restart="never" nodeType="tmRoot"/>
+      </p:par>
+    </p:tnLst>
+  </p:timing>
+</p:sld>
+</file>
+
+<file path=ppt/slides/slide35.xml><?xml version="1.0" encoding="utf-8"?>
+<p:sld xmlns:a="http://schemas.openxmlformats.org/drawingml/2006/main" xmlns:r="http://schemas.openxmlformats.org/officeDocument/2006/relationships" xmlns:p="http://schemas.openxmlformats.org/presentationml/2006/main">
+  <p:cSld>
+    <p:spTree>
+      <p:nvGrpSpPr>
+        <p:cNvPr id="1" name=""/>
+        <p:cNvGrpSpPr/>
+        <p:nvPr/>
+      </p:nvGrpSpPr>
+      <p:grpSpPr>
+        <a:xfrm>
+          <a:off x="0" y="0"/>
+          <a:ext cx="0" cy="0"/>
+          <a:chOff x="0" y="0"/>
+          <a:chExt cx="0" cy="0"/>
+        </a:xfrm>
+      </p:grpSpPr>
+      <p:sp>
+        <p:nvSpPr>
+          <p:cNvPr id="2" name="Título 1"/>
+          <p:cNvSpPr>
+            <a:spLocks noGrp="1"/>
+          </p:cNvSpPr>
+          <p:nvPr>
+            <p:ph type="title"/>
+          </p:nvPr>
+        </p:nvSpPr>
+        <p:spPr/>
+        <p:txBody>
+          <a:bodyPr/>
+          <a:lstStyle/>
+          <a:p>
+            <a:r>
+              <a:rPr lang="pt-BR" dirty="0" smtClean="0">
+                <a:solidFill>
+                  <a:srgbClr val="187792"/>
+                </a:solidFill>
+                <a:latin typeface="Aleo" panose="020F0502020204030203" pitchFamily="34" charset="0"/>
+              </a:rPr>
+              <a:t>Imagens</a:t>
+            </a:r>
+            <a:endParaRPr lang="pt-BR" dirty="0">
+              <a:solidFill>
+                <a:srgbClr val="187792"/>
+              </a:solidFill>
+              <a:latin typeface="Aleo" panose="020F0502020204030203" pitchFamily="34" charset="0"/>
+            </a:endParaRPr>
+          </a:p>
+        </p:txBody>
+      </p:sp>
+      <p:sp>
+        <p:nvSpPr>
+          <p:cNvPr id="3" name="Espaço Reservado para Conteúdo 2"/>
+          <p:cNvSpPr>
+            <a:spLocks noGrp="1"/>
+          </p:cNvSpPr>
+          <p:nvPr>
+            <p:ph idx="1"/>
+          </p:nvPr>
+        </p:nvSpPr>
+        <p:spPr/>
+        <p:txBody>
+          <a:bodyPr/>
+          <a:lstStyle/>
+          <a:p>
+            <a:r>
+              <a:rPr lang="pt-BR" sz="2000" dirty="0">
+                <a:latin typeface="Aleo" panose="020F0502020204030203" pitchFamily="34" charset="0"/>
+                <a:hlinkClick r:id="rId2"/>
+              </a:rPr>
+              <a:t>http://www.meetinireland.com/BusinessTourism/media/main_site/Blog/EUCHARISTIC-CONGRESS---</a:t>
+            </a:r>
+            <a:r>
+              <a:rPr lang="pt-BR" sz="2000" dirty="0" smtClean="0">
+                <a:latin typeface="Aleo" panose="020F0502020204030203" pitchFamily="34" charset="0"/>
+                <a:hlinkClick r:id="rId2"/>
+              </a:rPr>
+              <a:t>Fam-trip-in-Trinity.jpg</a:t>
+            </a:r>
+            <a:endParaRPr lang="pt-BR" sz="2000" dirty="0" smtClean="0">
+              <a:latin typeface="Aleo" panose="020F0502020204030203" pitchFamily="34" charset="0"/>
+            </a:endParaRPr>
+          </a:p>
+          <a:p>
+            <a:r>
+              <a:rPr lang="pt-BR" sz="2000" dirty="0">
+                <a:latin typeface="Aleo" panose="020F0502020204030203" pitchFamily="34" charset="0"/>
+                <a:hlinkClick r:id="rId3"/>
+              </a:rPr>
+              <a:t>https://</a:t>
+            </a:r>
+            <a:r>
+              <a:rPr lang="pt-BR" sz="2000" dirty="0" smtClean="0">
+                <a:latin typeface="Aleo" panose="020F0502020204030203" pitchFamily="34" charset="0"/>
+                <a:hlinkClick r:id="rId3"/>
+              </a:rPr>
+              <a:t>www.google.com/culturalinstitute/asset-viewer/the-universal-decimal-classification-index-formation/AAGWMxx6DKSL9g?exhibitId=QQ-RRh0A&amp;hl=pt-BR&amp;projectId=historic-moments</a:t>
+            </a:r>
+            <a:endParaRPr lang="pt-BR" sz="2000" dirty="0" smtClean="0">
+              <a:latin typeface="Aleo" panose="020F0502020204030203" pitchFamily="34" charset="0"/>
+            </a:endParaRPr>
+          </a:p>
+          <a:p>
+            <a:r>
+              <a:rPr lang="pt-BR" sz="2000" dirty="0">
+                <a:latin typeface="Aleo" panose="020F0502020204030203" pitchFamily="34" charset="0"/>
+                <a:hlinkClick r:id="rId4"/>
+              </a:rPr>
+              <a:t>http://</a:t>
+            </a:r>
+            <a:r>
+              <a:rPr lang="pt-BR" sz="2000" dirty="0" smtClean="0">
+                <a:latin typeface="Aleo" panose="020F0502020204030203" pitchFamily="34" charset="0"/>
+                <a:hlinkClick r:id="rId4"/>
+              </a:rPr>
+              <a:t>cfile30.uf.tistory.com/image/156899344FEA735C2ADC9A</a:t>
+            </a:r>
+            <a:endParaRPr lang="pt-BR" sz="2000" dirty="0" smtClean="0">
+              <a:latin typeface="Aleo" panose="020F0502020204030203" pitchFamily="34" charset="0"/>
+            </a:endParaRPr>
+          </a:p>
+          <a:p>
+            <a:endParaRPr lang="pt-BR" sz="2000" dirty="0" smtClean="0">
+              <a:latin typeface="Aleo" panose="020F0502020204030203" pitchFamily="34" charset="0"/>
+            </a:endParaRPr>
+          </a:p>
+          <a:p>
+            <a:endParaRPr lang="pt-BR" sz="2000" dirty="0" smtClean="0">
+              <a:latin typeface="Aleo" panose="020F0502020204030203" pitchFamily="34" charset="0"/>
+            </a:endParaRPr>
+          </a:p>
+          <a:p>
+            <a:endParaRPr lang="pt-BR" sz="2000" dirty="0" smtClean="0">
+              <a:latin typeface="Aleo" panose="020F0502020204030203" pitchFamily="34" charset="0"/>
+            </a:endParaRPr>
+          </a:p>
+          <a:p>
+            <a:pPr marL="0" indent="0">
+              <a:buNone/>
+            </a:pPr>
+            <a:endParaRPr lang="pt-BR" dirty="0">
+              <a:latin typeface="Aleo" panose="020F0502020204030203" pitchFamily="34" charset="0"/>
+            </a:endParaRPr>
+          </a:p>
+        </p:txBody>
+      </p:sp>
+      <p:sp>
+        <p:nvSpPr>
+          <p:cNvPr id="4" name="Espaço Reservado para Número de Slide 3"/>
+          <p:cNvSpPr>
+            <a:spLocks noGrp="1"/>
+          </p:cNvSpPr>
+          <p:nvPr>
+            <p:ph type="sldNum" sz="quarter" idx="12"/>
+          </p:nvPr>
+        </p:nvSpPr>
+        <p:spPr/>
+        <p:txBody>
+          <a:bodyPr/>
+          <a:lstStyle/>
+          <a:p>
+            <a:fld id="{D20560A7-4BF3-4730-B58B-149A6CD3B197}" type="slidenum">
+              <a:rPr lang="pt-BR" smtClean="0"/>
+              <a:t>35</a:t>
+            </a:fld>
+            <a:endParaRPr lang="pt-BR"/>
+          </a:p>
+        </p:txBody>
+      </p:sp>
+    </p:spTree>
+    <p:extLst>
+      <p:ext uri="{BB962C8B-B14F-4D97-AF65-F5344CB8AC3E}">
+        <p14:creationId xmlns:p14="http://schemas.microsoft.com/office/powerpoint/2010/main" val="3761091395"/>
+      </p:ext>
+    </p:extLst>
+  </p:cSld>
+  <p:clrMapOvr>
+    <a:masterClrMapping/>
+  </p:clrMapOvr>
+  <p:timing>
+    <p:tnLst>
+      <p:par>
+        <p:cTn id="1" dur="indefinite" restart="never" nodeType="tmRoot"/>
+      </p:par>
+    </p:tnLst>
+  </p:timing>
+</p:sld>
+</file>
+
+<file path=ppt/slides/slide36.xml><?xml version="1.0" encoding="utf-8"?>
+<p:sld xmlns:a="http://schemas.openxmlformats.org/drawingml/2006/main" xmlns:r="http://schemas.openxmlformats.org/officeDocument/2006/relationships" xmlns:p="http://schemas.openxmlformats.org/presentationml/2006/main">
+  <p:cSld>
+    <p:spTree>
+      <p:nvGrpSpPr>
+        <p:cNvPr id="1" name=""/>
+        <p:cNvGrpSpPr/>
+        <p:nvPr/>
+      </p:nvGrpSpPr>
+      <p:grpSpPr>
+        <a:xfrm>
+          <a:off x="0" y="0"/>
+          <a:ext cx="0" cy="0"/>
+          <a:chOff x="0" y="0"/>
+          <a:chExt cx="0" cy="0"/>
+        </a:xfrm>
+      </p:grpSpPr>
+      <p:sp>
+        <p:nvSpPr>
+          <p:cNvPr id="2" name="Título 1"/>
+          <p:cNvSpPr>
+            <a:spLocks noGrp="1"/>
+          </p:cNvSpPr>
+          <p:nvPr>
+            <p:ph type="title"/>
+          </p:nvPr>
+        </p:nvSpPr>
+        <p:spPr/>
+        <p:txBody>
+          <a:bodyPr/>
+          <a:lstStyle/>
+          <a:p>
+            <a:r>
+              <a:rPr lang="pt-BR" dirty="0" smtClean="0">
+                <a:solidFill>
+                  <a:srgbClr val="187792"/>
+                </a:solidFill>
+                <a:latin typeface="Aleo" panose="020F0502020204030203" pitchFamily="34" charset="0"/>
+              </a:rPr>
+              <a:t>Referências</a:t>
+            </a:r>
+            <a:endParaRPr lang="pt-BR" dirty="0">
+              <a:solidFill>
+                <a:srgbClr val="187792"/>
+              </a:solidFill>
+              <a:latin typeface="Aleo" panose="020F0502020204030203" pitchFamily="34" charset="0"/>
+            </a:endParaRPr>
+          </a:p>
+        </p:txBody>
+      </p:sp>
+      <p:sp>
+        <p:nvSpPr>
+          <p:cNvPr id="3" name="Espaço Reservado para Conteúdo 2"/>
+          <p:cNvSpPr>
+            <a:spLocks noGrp="1"/>
+          </p:cNvSpPr>
+          <p:nvPr>
+            <p:ph idx="1"/>
+          </p:nvPr>
+        </p:nvSpPr>
+        <p:spPr/>
+        <p:txBody>
+          <a:bodyPr/>
+          <a:lstStyle/>
+          <a:p>
+            <a:endParaRPr lang="pt-BR" sz="2000" dirty="0" smtClean="0">
+              <a:latin typeface="Aleo" panose="020F0502020204030203" pitchFamily="34" charset="0"/>
+            </a:endParaRPr>
+          </a:p>
+          <a:p>
+            <a:endParaRPr lang="pt-BR" sz="2000" dirty="0" smtClean="0">
+              <a:latin typeface="Aleo" panose="020F0502020204030203" pitchFamily="34" charset="0"/>
+            </a:endParaRPr>
+          </a:p>
+          <a:p>
+            <a:pPr marL="0" indent="0">
+              <a:buNone/>
+            </a:pPr>
+            <a:endParaRPr lang="pt-BR" dirty="0">
+              <a:latin typeface="Aleo" panose="020F0502020204030203" pitchFamily="34" charset="0"/>
+            </a:endParaRPr>
+          </a:p>
+        </p:txBody>
+      </p:sp>
+      <p:sp>
+        <p:nvSpPr>
+          <p:cNvPr id="4" name="Espaço Reservado para Número de Slide 3"/>
+          <p:cNvSpPr>
+            <a:spLocks noGrp="1"/>
+          </p:cNvSpPr>
+          <p:nvPr>
+            <p:ph type="sldNum" sz="quarter" idx="12"/>
+          </p:nvPr>
+        </p:nvSpPr>
+        <p:spPr/>
+        <p:txBody>
+          <a:bodyPr/>
+          <a:lstStyle/>
+          <a:p>
+            <a:fld id="{D20560A7-4BF3-4730-B58B-149A6CD3B197}" type="slidenum">
+              <a:rPr lang="pt-BR" smtClean="0"/>
+              <a:t>36</a:t>
+            </a:fld>
+            <a:endParaRPr lang="pt-BR"/>
+          </a:p>
+        </p:txBody>
+      </p:sp>
+    </p:spTree>
+    <p:extLst>
+      <p:ext uri="{BB962C8B-B14F-4D97-AF65-F5344CB8AC3E}">
+        <p14:creationId xmlns:p14="http://schemas.microsoft.com/office/powerpoint/2010/main" val="1622633798"/>
+      </p:ext>
+    </p:extLst>
+  </p:cSld>
+  <p:clrMapOvr>
+    <a:masterClrMapping/>
+  </p:clrMapOvr>
+  <p:timing>
+    <p:tnLst>
+      <p:par>
+        <p:cTn id="1" dur="indefinite" restart="never" nodeType="tmRoot"/>
+      </p:par>
+    </p:tnLst>
+  </p:timing>
+</p:sld>
+</file>
+
+<file path=ppt/slides/slide37.xml><?xml version="1.0" encoding="utf-8"?>
+<p:sld xmlns:a="http://schemas.openxmlformats.org/drawingml/2006/main" xmlns:r="http://schemas.openxmlformats.org/officeDocument/2006/relationships" xmlns:p="http://schemas.openxmlformats.org/presentationml/2006/main">
+  <p:cSld>
+    <p:spTree>
+      <p:nvGrpSpPr>
+        <p:cNvPr id="1" name=""/>
+        <p:cNvGrpSpPr/>
+        <p:nvPr/>
+      </p:nvGrpSpPr>
+      <p:grpSpPr>
+        <a:xfrm>
+          <a:off x="0" y="0"/>
+          <a:ext cx="0" cy="0"/>
+          <a:chOff x="0" y="0"/>
+          <a:chExt cx="0" cy="0"/>
+        </a:xfrm>
+      </p:grpSpPr>
+      <p:sp>
+        <p:nvSpPr>
+          <p:cNvPr id="2" name="Título 1"/>
+          <p:cNvSpPr>
+            <a:spLocks noGrp="1"/>
+          </p:cNvSpPr>
+          <p:nvPr>
+            <p:ph type="title"/>
+          </p:nvPr>
+        </p:nvSpPr>
+        <p:spPr>
+          <a:xfrm>
+            <a:off x="623888" y="2914650"/>
+            <a:ext cx="7886700" cy="1019176"/>
+          </a:xfrm>
+        </p:spPr>
+        <p:txBody>
+          <a:bodyPr/>
+          <a:lstStyle/>
+          <a:p>
+            <a:pPr algn="ctr"/>
+            <a:r>
+              <a:rPr lang="pt-BR" dirty="0" smtClean="0">
+                <a:solidFill>
+                  <a:srgbClr val="187792"/>
+                </a:solidFill>
+                <a:latin typeface="Aleo" panose="020F0502020204030203" pitchFamily="34" charset="0"/>
+              </a:rPr>
+              <a:t>Obrigado!!</a:t>
+            </a:r>
+            <a:endParaRPr lang="pt-BR" dirty="0">
+              <a:solidFill>
+                <a:srgbClr val="187792"/>
+              </a:solidFill>
+              <a:latin typeface="Aleo" panose="020F0502020204030203" pitchFamily="34" charset="0"/>
+            </a:endParaRPr>
+          </a:p>
+        </p:txBody>
+      </p:sp>
+      <p:sp>
+        <p:nvSpPr>
+          <p:cNvPr id="4" name="Espaço Reservado para Número de Slide 3"/>
+          <p:cNvSpPr>
+            <a:spLocks noGrp="1"/>
+          </p:cNvSpPr>
+          <p:nvPr>
+            <p:ph type="sldNum" sz="quarter" idx="12"/>
+          </p:nvPr>
+        </p:nvSpPr>
+        <p:spPr/>
+        <p:txBody>
+          <a:bodyPr/>
+          <a:lstStyle/>
+          <a:p>
+            <a:fld id="{D20560A7-4BF3-4730-B58B-149A6CD3B197}" type="slidenum">
+              <a:rPr lang="pt-BR" smtClean="0"/>
+              <a:t>37</a:t>
+            </a:fld>
+            <a:endParaRPr lang="pt-BR"/>
+          </a:p>
+        </p:txBody>
+      </p:sp>
+    </p:spTree>
+    <p:extLst>
+      <p:ext uri="{BB962C8B-B14F-4D97-AF65-F5344CB8AC3E}">
+        <p14:creationId xmlns:p14="http://schemas.microsoft.com/office/powerpoint/2010/main" val="1161361182"/>
       </p:ext>
     </p:extLst>
   </p:cSld>
@@ -6750,6 +13382,47 @@
           <a:chExt cx="0" cy="0"/>
         </a:xfrm>
       </p:grpSpPr>
+      <p:pic>
+        <p:nvPicPr>
+          <p:cNvPr id="2050" name="Picture 2" descr="http://www.exnihilo.be/wp-content/uploads/2011/10/mundaneum.gif"/>
+          <p:cNvPicPr>
+            <a:picLocks noChangeAspect="1" noChangeArrowheads="1"/>
+          </p:cNvPicPr>
+          <p:nvPr/>
+        </p:nvPicPr>
+        <p:blipFill>
+          <a:blip r:embed="rId3">
+            <a:extLst>
+              <a:ext uri="{28A0092B-C50C-407E-A947-70E740481C1C}">
+                <a14:useLocalDpi xmlns:a14="http://schemas.microsoft.com/office/drawing/2010/main" val="0"/>
+              </a:ext>
+            </a:extLst>
+          </a:blip>
+          <a:srcRect/>
+          <a:stretch>
+            <a:fillRect/>
+          </a:stretch>
+        </p:blipFill>
+        <p:spPr bwMode="auto">
+          <a:xfrm>
+            <a:off x="177799" y="3045436"/>
+            <a:ext cx="5006975" cy="3114095"/>
+          </a:xfrm>
+          <a:prstGeom prst="rect">
+            <a:avLst/>
+          </a:prstGeom>
+          <a:noFill/>
+          <a:extLst>
+            <a:ext uri="{909E8E84-426E-40DD-AFC4-6F175D3DCCD1}">
+              <a14:hiddenFill xmlns:a14="http://schemas.microsoft.com/office/drawing/2010/main">
+                <a:solidFill>
+                  <a:srgbClr val="FFFFFF"/>
+                </a:solidFill>
+              </a14:hiddenFill>
+            </a:ext>
+          </a:extLst>
+        </p:spPr>
+      </p:pic>
       <p:sp>
         <p:nvSpPr>
           <p:cNvPr id="3" name="Espaço Reservado para Conteúdo 2"/>
@@ -6762,7 +13435,7 @@
         </p:nvSpPr>
         <p:spPr>
           <a:xfrm>
-            <a:off x="628650" y="2623911"/>
+            <a:off x="628650" y="1252311"/>
             <a:ext cx="7886700" cy="1603375"/>
           </a:xfrm>
         </p:spPr>
@@ -6896,6 +13569,232 @@
               <a:solidFill>
                 <a:schemeClr val="bg1"/>
               </a:solidFill>
+            </a:endParaRPr>
+          </a:p>
+        </p:txBody>
+      </p:sp>
+      <p:pic>
+        <p:nvPicPr>
+          <p:cNvPr id="5" name="Imagem 4"/>
+          <p:cNvPicPr>
+            <a:picLocks noChangeAspect="1"/>
+          </p:cNvPicPr>
+          <p:nvPr/>
+        </p:nvPicPr>
+        <p:blipFill>
+          <a:blip r:embed="rId4"/>
+          <a:stretch>
+            <a:fillRect/>
+          </a:stretch>
+        </p:blipFill>
+        <p:spPr>
+          <a:xfrm>
+            <a:off x="4889499" y="2968398"/>
+            <a:ext cx="3320049" cy="3269206"/>
+          </a:xfrm>
+          <a:prstGeom prst="rect">
+            <a:avLst/>
+          </a:prstGeom>
+        </p:spPr>
+      </p:pic>
+      <p:sp>
+        <p:nvSpPr>
+          <p:cNvPr id="6" name="Espaço Reservado para Conteúdo 2"/>
+          <p:cNvSpPr txBox="1">
+            <a:spLocks/>
+          </p:cNvSpPr>
+          <p:nvPr/>
+        </p:nvSpPr>
+        <p:spPr>
+          <a:xfrm>
+            <a:off x="4495800" y="6368301"/>
+            <a:ext cx="4114800" cy="388099"/>
+          </a:xfrm>
+          <a:prstGeom prst="rect">
+            <a:avLst/>
+          </a:prstGeom>
+        </p:spPr>
+        <p:txBody>
+          <a:bodyPr vert="horz" lIns="91440" tIns="45720" rIns="91440" bIns="45720" rtlCol="0">
+            <a:noAutofit/>
+          </a:bodyPr>
+          <a:lstStyle>
+            <a:lvl1pPr marL="228600" indent="-228600" algn="l" defTabSz="914400" rtl="0" eaLnBrk="1" latinLnBrk="0" hangingPunct="1">
+              <a:lnSpc>
+                <a:spcPct val="90000"/>
+              </a:lnSpc>
+              <a:spcBef>
+                <a:spcPts val="1000"/>
+              </a:spcBef>
+              <a:buFont typeface="Arial" panose="020B0604020202020204" pitchFamily="34" charset="0"/>
+              <a:buChar char="•"/>
+              <a:defRPr sz="2800" kern="1200">
+                <a:solidFill>
+                  <a:schemeClr val="tx1"/>
+                </a:solidFill>
+                <a:latin typeface="+mn-lt"/>
+                <a:ea typeface="+mn-ea"/>
+                <a:cs typeface="+mn-cs"/>
+              </a:defRPr>
+            </a:lvl1pPr>
+            <a:lvl2pPr marL="685800" indent="-228600" algn="l" defTabSz="914400" rtl="0" eaLnBrk="1" latinLnBrk="0" hangingPunct="1">
+              <a:lnSpc>
+                <a:spcPct val="90000"/>
+              </a:lnSpc>
+              <a:spcBef>
+                <a:spcPts val="500"/>
+              </a:spcBef>
+              <a:buFont typeface="Arial" panose="020B0604020202020204" pitchFamily="34" charset="0"/>
+              <a:buChar char="•"/>
+              <a:defRPr sz="2400" kern="1200">
+                <a:solidFill>
+                  <a:schemeClr val="tx1"/>
+                </a:solidFill>
+                <a:latin typeface="+mn-lt"/>
+                <a:ea typeface="+mn-ea"/>
+                <a:cs typeface="+mn-cs"/>
+              </a:defRPr>
+            </a:lvl2pPr>
+            <a:lvl3pPr marL="1143000" indent="-228600" algn="l" defTabSz="914400" rtl="0" eaLnBrk="1" latinLnBrk="0" hangingPunct="1">
+              <a:lnSpc>
+                <a:spcPct val="90000"/>
+              </a:lnSpc>
+              <a:spcBef>
+                <a:spcPts val="500"/>
+              </a:spcBef>
+              <a:buFont typeface="Arial" panose="020B0604020202020204" pitchFamily="34" charset="0"/>
+              <a:buChar char="•"/>
+              <a:defRPr sz="2000" kern="1200">
+                <a:solidFill>
+                  <a:schemeClr val="tx1"/>
+                </a:solidFill>
+                <a:latin typeface="+mn-lt"/>
+                <a:ea typeface="+mn-ea"/>
+                <a:cs typeface="+mn-cs"/>
+              </a:defRPr>
+            </a:lvl3pPr>
+            <a:lvl4pPr marL="1600200" indent="-228600" algn="l" defTabSz="914400" rtl="0" eaLnBrk="1" latinLnBrk="0" hangingPunct="1">
+              <a:lnSpc>
+                <a:spcPct val="90000"/>
+              </a:lnSpc>
+              <a:spcBef>
+                <a:spcPts val="500"/>
+              </a:spcBef>
+              <a:buFont typeface="Arial" panose="020B0604020202020204" pitchFamily="34" charset="0"/>
+              <a:buChar char="•"/>
+              <a:defRPr sz="1800" kern="1200">
+                <a:solidFill>
+                  <a:schemeClr val="tx1"/>
+                </a:solidFill>
+                <a:latin typeface="+mn-lt"/>
+                <a:ea typeface="+mn-ea"/>
+                <a:cs typeface="+mn-cs"/>
+              </a:defRPr>
+            </a:lvl4pPr>
+            <a:lvl5pPr marL="2057400" indent="-228600" algn="l" defTabSz="914400" rtl="0" eaLnBrk="1" latinLnBrk="0" hangingPunct="1">
+              <a:lnSpc>
+                <a:spcPct val="90000"/>
+              </a:lnSpc>
+              <a:spcBef>
+                <a:spcPts val="500"/>
+              </a:spcBef>
+              <a:buFont typeface="Arial" panose="020B0604020202020204" pitchFamily="34" charset="0"/>
+              <a:buChar char="•"/>
+              <a:defRPr sz="1800" kern="1200">
+                <a:solidFill>
+                  <a:schemeClr val="tx1"/>
+                </a:solidFill>
+                <a:latin typeface="+mn-lt"/>
+                <a:ea typeface="+mn-ea"/>
+                <a:cs typeface="+mn-cs"/>
+              </a:defRPr>
+            </a:lvl5pPr>
+            <a:lvl6pPr marL="2514600" indent="-228600" algn="l" defTabSz="914400" rtl="0" eaLnBrk="1" latinLnBrk="0" hangingPunct="1">
+              <a:lnSpc>
+                <a:spcPct val="90000"/>
+              </a:lnSpc>
+              <a:spcBef>
+                <a:spcPts val="500"/>
+              </a:spcBef>
+              <a:buFont typeface="Arial" panose="020B0604020202020204" pitchFamily="34" charset="0"/>
+              <a:buChar char="•"/>
+              <a:defRPr sz="1800" kern="1200">
+                <a:solidFill>
+                  <a:schemeClr val="tx1"/>
+                </a:solidFill>
+                <a:latin typeface="+mn-lt"/>
+                <a:ea typeface="+mn-ea"/>
+                <a:cs typeface="+mn-cs"/>
+              </a:defRPr>
+            </a:lvl6pPr>
+            <a:lvl7pPr marL="2971800" indent="-228600" algn="l" defTabSz="914400" rtl="0" eaLnBrk="1" latinLnBrk="0" hangingPunct="1">
+              <a:lnSpc>
+                <a:spcPct val="90000"/>
+              </a:lnSpc>
+              <a:spcBef>
+                <a:spcPts val="500"/>
+              </a:spcBef>
+              <a:buFont typeface="Arial" panose="020B0604020202020204" pitchFamily="34" charset="0"/>
+              <a:buChar char="•"/>
+              <a:defRPr sz="1800" kern="1200">
+                <a:solidFill>
+                  <a:schemeClr val="tx1"/>
+                </a:solidFill>
+                <a:latin typeface="+mn-lt"/>
+                <a:ea typeface="+mn-ea"/>
+                <a:cs typeface="+mn-cs"/>
+              </a:defRPr>
+            </a:lvl7pPr>
+            <a:lvl8pPr marL="3429000" indent="-228600" algn="l" defTabSz="914400" rtl="0" eaLnBrk="1" latinLnBrk="0" hangingPunct="1">
+              <a:lnSpc>
+                <a:spcPct val="90000"/>
+              </a:lnSpc>
+              <a:spcBef>
+                <a:spcPts val="500"/>
+              </a:spcBef>
+              <a:buFont typeface="Arial" panose="020B0604020202020204" pitchFamily="34" charset="0"/>
+              <a:buChar char="•"/>
+              <a:defRPr sz="1800" kern="1200">
+                <a:solidFill>
+                  <a:schemeClr val="tx1"/>
+                </a:solidFill>
+                <a:latin typeface="+mn-lt"/>
+                <a:ea typeface="+mn-ea"/>
+                <a:cs typeface="+mn-cs"/>
+              </a:defRPr>
+            </a:lvl8pPr>
+            <a:lvl9pPr marL="3886200" indent="-228600" algn="l" defTabSz="914400" rtl="0" eaLnBrk="1" latinLnBrk="0" hangingPunct="1">
+              <a:lnSpc>
+                <a:spcPct val="90000"/>
+              </a:lnSpc>
+              <a:spcBef>
+                <a:spcPts val="500"/>
+              </a:spcBef>
+              <a:buFont typeface="Arial" panose="020B0604020202020204" pitchFamily="34" charset="0"/>
+              <a:buChar char="•"/>
+              <a:defRPr sz="1800" kern="1200">
+                <a:solidFill>
+                  <a:schemeClr val="tx1"/>
+                </a:solidFill>
+                <a:latin typeface="+mn-lt"/>
+                <a:ea typeface="+mn-ea"/>
+                <a:cs typeface="+mn-cs"/>
+              </a:defRPr>
+            </a:lvl9pPr>
+          </a:lstStyle>
+          <a:p>
+            <a:pPr marL="0" indent="0" algn="ctr">
+              <a:buFont typeface="Arial" panose="020B0604020202020204" pitchFamily="34" charset="0"/>
+              <a:buNone/>
+            </a:pPr>
+            <a:r>
+              <a:rPr lang="pt-BR" sz="1500" dirty="0" smtClean="0">
+                <a:latin typeface="Aleo" panose="020F0502020204030203" pitchFamily="34" charset="0"/>
+              </a:rPr>
+              <a:t>Classificação Decimal Universal (CDU)</a:t>
+            </a:r>
+            <a:endParaRPr lang="pt-BR" sz="1500" dirty="0">
+              <a:latin typeface="Aleo" panose="020F0502020204030203" pitchFamily="34" charset="0"/>
             </a:endParaRPr>
           </a:p>
         </p:txBody>
@@ -6921,7 +13820,7 @@
 </file>
 
 <file path=ppt/slides/slide6.xml><?xml version="1.0" encoding="utf-8"?>
-<p:sld xmlns:a="http://schemas.openxmlformats.org/drawingml/2006/main" xmlns:r="http://schemas.openxmlformats.org/officeDocument/2006/relationships" xmlns:p="http://schemas.openxmlformats.org/presentationml/2006/main">
+<p:sld xmlns:a="http://schemas.openxmlformats.org/drawingml/2006/main" xmlns:r="http://schemas.openxmlformats.org/officeDocument/2006/relationships" xmlns:p="http://schemas.openxmlformats.org/presentationml/2006/main" show="0">
   <p:cSld>
     <p:spTree>
       <p:nvGrpSpPr>
@@ -7089,6 +13988,14 @@
   <p:clrMapOvr>
     <a:masterClrMapping/>
   </p:clrMapOvr>
+  <mc:AlternateContent xmlns:mc="http://schemas.openxmlformats.org/markup-compatibility/2006">
+    <mc:Choice xmlns:p14="http://schemas.microsoft.com/office/powerpoint/2010/main" Requires="p14">
+      <p:transition spd="slow" p14:dur="2000"/>
+    </mc:Choice>
+    <mc:Fallback>
+      <p:transition spd="slow"/>
+    </mc:Fallback>
+  </mc:AlternateContent>
   <p:timing>
     <p:tnLst>
       <p:par>
@@ -7145,7 +14052,43 @@
               <a:rPr lang="pt-BR" sz="3200" dirty="0" smtClean="0">
                 <a:latin typeface="Aleo" panose="020F0502020204030203" pitchFamily="34" charset="0"/>
               </a:rPr>
-              <a:t>Com o advento da internet uma explosão de informações tornou impossível a classificação manual desses novos documentos.</a:t>
+              <a:t>Com o advento da internet uma explosão de </a:t>
+            </a:r>
+            <a:r>
+              <a:rPr lang="pt-BR" sz="3200" dirty="0" smtClean="0">
+                <a:latin typeface="Aleo" panose="020F0502020204030203" pitchFamily="34" charset="0"/>
+              </a:rPr>
+              <a:t>informaç</a:t>
+            </a:r>
+            <a:r>
+              <a:rPr lang="pt-BR" sz="3200" dirty="0" smtClean="0">
+                <a:latin typeface="Aleo" panose="020F0502020204030203" pitchFamily="34" charset="0"/>
+              </a:rPr>
+              <a:t>ão</a:t>
+            </a:r>
+            <a:r>
+              <a:rPr lang="pt-BR" sz="3200" dirty="0" smtClean="0">
+                <a:latin typeface="Aleo" panose="020F0502020204030203" pitchFamily="34" charset="0"/>
+              </a:rPr>
+              <a:t> </a:t>
+            </a:r>
+            <a:r>
+              <a:rPr lang="pt-BR" sz="3200" dirty="0" smtClean="0">
+                <a:latin typeface="Aleo" panose="020F0502020204030203" pitchFamily="34" charset="0"/>
+              </a:rPr>
+              <a:t>tornou </a:t>
+            </a:r>
+            <a:r>
+              <a:rPr lang="pt-BR" sz="3200" dirty="0" smtClean="0">
+                <a:latin typeface="Aleo" panose="020F0502020204030203" pitchFamily="34" charset="0"/>
+              </a:rPr>
+              <a:t>muito difícil a </a:t>
+            </a:r>
+            <a:r>
+              <a:rPr lang="pt-BR" sz="3200" dirty="0" smtClean="0">
+                <a:latin typeface="Aleo" panose="020F0502020204030203" pitchFamily="34" charset="0"/>
+              </a:rPr>
+              <a:t>classificação manual desses novos documentos.</a:t>
             </a:r>
             <a:endParaRPr lang="pt-BR" sz="3200" dirty="0">
               <a:latin typeface="Aleo" panose="020F0502020204030203" pitchFamily="34" charset="0"/>
@@ -7192,8 +14135,8 @@
         </p:nvSpPr>
         <p:spPr>
           <a:xfrm>
-            <a:off x="7170927" y="-627"/>
-            <a:ext cx="1974323" cy="461665"/>
+            <a:off x="7364570" y="-627"/>
+            <a:ext cx="1780680" cy="461665"/>
           </a:xfrm>
           <a:prstGeom prst="rect">
             <a:avLst/>
@@ -7224,7 +14167,7 @@
                 </a:solidFill>
                 <a:latin typeface="Aleo" panose="020F0502020204030203" pitchFamily="34" charset="0"/>
               </a:rPr>
-              <a:t>Introdução</a:t>
+              <a:t>Problema</a:t>
             </a:r>
             <a:r>
               <a:rPr lang="pt-BR" sz="2400" dirty="0" smtClean="0">
@@ -7291,7 +14234,7 @@
         </p:nvSpPr>
         <p:spPr>
           <a:xfrm>
-            <a:off x="628650" y="2623911"/>
+            <a:off x="628650" y="1355549"/>
             <a:ext cx="7886700" cy="1603375"/>
           </a:xfrm>
         </p:spPr>
@@ -7308,7 +14251,19 @@
               <a:rPr lang="pt-BR" sz="3200" dirty="0" smtClean="0">
                 <a:latin typeface="Aleo" panose="020F0502020204030203" pitchFamily="34" charset="0"/>
               </a:rPr>
-              <a:t>Nunca se produziu tanta notícia como nos tempos atuais ...</a:t>
+              <a:t>Nunca se produziu tanta </a:t>
+            </a:r>
+            <a:r>
+              <a:rPr lang="pt-BR" sz="3200" dirty="0" smtClean="0">
+                <a:latin typeface="Aleo" panose="020F0502020204030203" pitchFamily="34" charset="0"/>
+              </a:rPr>
+              <a:t>informação </a:t>
+            </a:r>
+            <a:r>
+              <a:rPr lang="pt-BR" sz="3200" dirty="0" smtClean="0">
+                <a:latin typeface="Aleo" panose="020F0502020204030203" pitchFamily="34" charset="0"/>
+              </a:rPr>
+              <a:t>como nos tempos atuais ...</a:t>
             </a:r>
             <a:endParaRPr lang="pt-BR" sz="3200" dirty="0">
               <a:latin typeface="Aleo" panose="020F0502020204030203" pitchFamily="34" charset="0"/>
@@ -7402,6 +14357,77 @@
                 <a:schemeClr val="bg1"/>
               </a:solidFill>
             </a:endParaRPr>
+          </a:p>
+        </p:txBody>
+      </p:sp>
+      <p:pic>
+        <p:nvPicPr>
+          <p:cNvPr id="3076" name="Picture 4" descr="http://b-i.forbesimg.com/johnnosta/files/2013/06/informationoverload.png"/>
+          <p:cNvPicPr>
+            <a:picLocks noChangeAspect="1" noChangeArrowheads="1"/>
+          </p:cNvPicPr>
+          <p:nvPr/>
+        </p:nvPicPr>
+        <p:blipFill>
+          <a:blip r:embed="rId2">
+            <a:extLst>
+              <a:ext uri="{28A0092B-C50C-407E-A947-70E740481C1C}">
+                <a14:useLocalDpi xmlns:a14="http://schemas.microsoft.com/office/drawing/2010/main" val="0"/>
+              </a:ext>
+            </a:extLst>
+          </a:blip>
+          <a:srcRect/>
+          <a:stretch>
+            <a:fillRect/>
+          </a:stretch>
+        </p:blipFill>
+        <p:spPr bwMode="auto">
+          <a:xfrm>
+            <a:off x="2190750" y="2831590"/>
+            <a:ext cx="4762500" cy="3305175"/>
+          </a:xfrm>
+          <a:prstGeom prst="rect">
+            <a:avLst/>
+          </a:prstGeom>
+          <a:noFill/>
+          <a:extLst>
+            <a:ext uri="{909E8E84-426E-40DD-AFC4-6F175D3DCCD1}">
+              <a14:hiddenFill xmlns:a14="http://schemas.microsoft.com/office/drawing/2010/main">
+                <a:solidFill>
+                  <a:srgbClr val="FFFFFF"/>
+                </a:solidFill>
+              </a14:hiddenFill>
+            </a:ext>
+          </a:extLst>
+        </p:spPr>
+      </p:pic>
+      <p:sp>
+        <p:nvSpPr>
+          <p:cNvPr id="6" name="CaixaDeTexto 5"/>
+          <p:cNvSpPr txBox="1"/>
+          <p:nvPr/>
+        </p:nvSpPr>
+        <p:spPr>
+          <a:xfrm>
+            <a:off x="1688612" y="6385379"/>
+            <a:ext cx="5790367" cy="230832"/>
+          </a:xfrm>
+          <a:prstGeom prst="rect">
+            <a:avLst/>
+          </a:prstGeom>
+          <a:noFill/>
+        </p:spPr>
+        <p:txBody>
+          <a:bodyPr wrap="none" rtlCol="0">
+            <a:spAutoFit/>
+          </a:bodyPr>
+          <a:lstStyle/>
+          <a:p>
+            <a:pPr algn="ctr"/>
+            <a:r>
+              <a:rPr lang="pt-BR" sz="900" dirty="0"/>
+              <a:t>Fonte: http://www.forbes.com/sites/johnnosta/2013/06/13/information-overload-the-big-challenge-for-digital-health/</a:t>
+            </a:r>
           </a:p>
         </p:txBody>
       </p:sp>
@@ -7471,7 +14497,43 @@
               <a:rPr lang="pt-BR" sz="3200" dirty="0" smtClean="0">
                 <a:latin typeface="Aleo" panose="020F0502020204030203" pitchFamily="34" charset="0"/>
               </a:rPr>
-              <a:t>Quanto mais informação produzida maior a necessidade de mecanismos para organizar e sintetizá-la.</a:t>
+              <a:t>Quanto mais informação produzida maior a necessidade de mecanismos </a:t>
+            </a:r>
+            <a:r>
+              <a:rPr lang="pt-BR" sz="3200" dirty="0" smtClean="0">
+                <a:latin typeface="Aleo" panose="020F0502020204030203" pitchFamily="34" charset="0"/>
+              </a:rPr>
+              <a:t>para armazenar, </a:t>
+            </a:r>
+            <a:r>
+              <a:rPr lang="pt-BR" sz="4000" b="1" dirty="0" smtClean="0">
+                <a:solidFill>
+                  <a:srgbClr val="187792"/>
+                </a:solidFill>
+                <a:latin typeface="Aleo" panose="020F0502020204030203" pitchFamily="34" charset="0"/>
+              </a:rPr>
+              <a:t>organizar</a:t>
+            </a:r>
+            <a:r>
+              <a:rPr lang="pt-BR" sz="3200" dirty="0" smtClean="0">
+                <a:solidFill>
+                  <a:srgbClr val="187792"/>
+                </a:solidFill>
+                <a:latin typeface="Aleo" panose="020F0502020204030203" pitchFamily="34" charset="0"/>
+              </a:rPr>
+              <a:t> </a:t>
+            </a:r>
+            <a:r>
+              <a:rPr lang="pt-BR" sz="3200" dirty="0" smtClean="0">
+                <a:latin typeface="Aleo" panose="020F0502020204030203" pitchFamily="34" charset="0"/>
+              </a:rPr>
+              <a:t>e recuperá-la</a:t>
+            </a:r>
+            <a:r>
+              <a:rPr lang="pt-BR" sz="3200" dirty="0" smtClean="0">
+                <a:latin typeface="Aleo" panose="020F0502020204030203" pitchFamily="34" charset="0"/>
+              </a:rPr>
+              <a:t>.</a:t>
             </a:r>
             <a:endParaRPr lang="pt-BR" sz="3200" dirty="0">
               <a:latin typeface="Aleo" panose="020F0502020204030203" pitchFamily="34" charset="0"/>
@@ -7839,7 +14901,23 @@
       </a:bgFillStyleLst>
     </a:fmtScheme>
   </a:themeElements>
-  <a:objectDefaults/>
+  <a:objectDefaults>
+    <a:txDef>
+      <a:spPr/>
+      <a:bodyPr vert="horz" lIns="91440" tIns="45720" rIns="91440" bIns="45720" rtlCol="0">
+        <a:normAutofit fontScale="62500" lnSpcReduction="20000"/>
+      </a:bodyPr>
+      <a:lstStyle>
+        <a:defPPr marL="0" indent="0" algn="ctr">
+          <a:buFont typeface="Arial" panose="020B0604020202020204" pitchFamily="34" charset="0"/>
+          <a:buNone/>
+          <a:defRPr sz="4600" b="1" dirty="0" smtClean="0">
+            <a:latin typeface="Aleo" panose="020F0502020204030203" pitchFamily="34" charset="0"/>
+          </a:defRPr>
+        </a:defPPr>
+      </a:lstStyle>
+    </a:txDef>
+  </a:objectDefaults>
   <a:extraClrSchemeLst/>
   <a:extLst>
     <a:ext uri="{05A4C25C-085E-4340-85A3-A5531E510DB2}">
